--- a/Lessions/Bai-02-Inputs-and-Variables/2.Bai-02-Inputs-and-Variables-p1.pptx
+++ b/Lessions/Bai-02-Inputs-and-Variables/2.Bai-02-Inputs-and-Variables-p1.pptx
@@ -5,15 +5,19 @@
     <p:sldMasterId id="2147483660" r:id="rId1"/>
   </p:sldMasterIdLst>
   <p:notesMasterIdLst>
-    <p:notesMasterId r:id="rId8"/>
+    <p:notesMasterId r:id="rId12"/>
   </p:notesMasterIdLst>
   <p:sldIdLst>
     <p:sldId id="256" r:id="rId2"/>
     <p:sldId id="260" r:id="rId3"/>
-    <p:sldId id="261" r:id="rId4"/>
-    <p:sldId id="275" r:id="rId5"/>
-    <p:sldId id="266" r:id="rId6"/>
-    <p:sldId id="268" r:id="rId7"/>
+    <p:sldId id="276" r:id="rId4"/>
+    <p:sldId id="277" r:id="rId5"/>
+    <p:sldId id="278" r:id="rId6"/>
+    <p:sldId id="275" r:id="rId7"/>
+    <p:sldId id="279" r:id="rId8"/>
+    <p:sldId id="266" r:id="rId9"/>
+    <p:sldId id="268" r:id="rId10"/>
+    <p:sldId id="280" r:id="rId11"/>
   </p:sldIdLst>
   <p:sldSz cx="9144000" cy="6858000" type="screen4x3"/>
   <p:notesSz cx="6858000" cy="9144000"/>
@@ -202,7 +206,7 @@
           <a:p>
             <a:fld id="{E1BDF935-9821-4834-9D99-7DEFA719F44D}" type="datetimeFigureOut">
               <a:rPr lang="en-US" smtClean="0"/>
-              <a:t>4/28/2023</a:t>
+              <a:t>5/4/2023</a:t>
             </a:fld>
             <a:endParaRPr lang="en-US"/>
           </a:p>
@@ -1820,7 +1824,7 @@
         </p:nvSpPr>
         <p:spPr>
           <a:xfrm>
-            <a:off x="1820173" y="42772"/>
+            <a:off x="1820173" y="68898"/>
             <a:ext cx="2053087" cy="276999"/>
           </a:xfrm>
           <a:prstGeom prst="rect">
@@ -1839,7 +1843,7 @@
                 <a:solidFill>
                   <a:schemeClr val="bg1"/>
                 </a:solidFill>
-                <a:latin typeface="Roboto" pitchFamily="2" charset="0"/>
+                <a:latin typeface="+mn-lt"/>
                 <a:ea typeface="Roboto" pitchFamily="2" charset="0"/>
                 <a:cs typeface="Arial" panose="020B0604020202020204" pitchFamily="34" charset="0"/>
               </a:rPr>
@@ -1850,7 +1854,7 @@
                 <a:solidFill>
                   <a:schemeClr val="bg1"/>
                 </a:solidFill>
-                <a:latin typeface="Roboto" pitchFamily="2" charset="0"/>
+                <a:latin typeface="+mn-lt"/>
                 <a:ea typeface="Roboto" pitchFamily="2" charset="0"/>
                 <a:cs typeface="Arial" panose="020B0604020202020204" pitchFamily="34" charset="0"/>
               </a:rPr>
@@ -1861,7 +1865,7 @@
                 <a:solidFill>
                   <a:schemeClr val="bg1"/>
                 </a:solidFill>
-                <a:latin typeface="Roboto" pitchFamily="2" charset="0"/>
+                <a:latin typeface="+mn-lt"/>
                 <a:ea typeface="Roboto" pitchFamily="2" charset="0"/>
                 <a:cs typeface="Arial" panose="020B0604020202020204" pitchFamily="34" charset="0"/>
               </a:rPr>
@@ -1872,7 +1876,7 @@
                 <a:solidFill>
                   <a:schemeClr val="bg1"/>
                 </a:solidFill>
-                <a:latin typeface="Roboto" pitchFamily="2" charset="0"/>
+                <a:latin typeface="+mn-lt"/>
                 <a:ea typeface="Roboto" pitchFamily="2" charset="0"/>
                 <a:cs typeface="Arial" panose="020B0604020202020204" pitchFamily="34" charset="0"/>
               </a:rPr>
@@ -1882,7 +1886,7 @@
               <a:solidFill>
                 <a:schemeClr val="bg1"/>
               </a:solidFill>
-              <a:latin typeface="Roboto" pitchFamily="2" charset="0"/>
+              <a:latin typeface="+mn-lt"/>
               <a:ea typeface="Roboto" pitchFamily="2" charset="0"/>
               <a:cs typeface="Arial" panose="020B0604020202020204" pitchFamily="34" charset="0"/>
             </a:endParaRPr>
@@ -2522,12 +2526,6 @@
               </a:rPr>
               <a:t>2</a:t>
             </a:r>
-            <a:endParaRPr lang="en-US" sz="3600" b="1" dirty="0">
-              <a:solidFill>
-                <a:schemeClr val="bg1"/>
-              </a:solidFill>
-              <a:latin typeface="GT Walsheim Bold" panose="00000800000000000000" pitchFamily="2" charset="0"/>
-            </a:endParaRPr>
           </a:p>
         </p:txBody>
       </p:sp>
@@ -2578,6 +2576,999 @@
     <p:extLst>
       <p:ext uri="{BB962C8B-B14F-4D97-AF65-F5344CB8AC3E}">
         <p14:creationId xmlns:p14="http://schemas.microsoft.com/office/powerpoint/2010/main" val="2003468224"/>
+      </p:ext>
+    </p:extLst>
+  </p:cSld>
+  <p:clrMapOvr>
+    <a:masterClrMapping/>
+  </p:clrMapOvr>
+</p:sld>
+</file>
+
+<file path=ppt/slides/slide10.xml><?xml version="1.0" encoding="utf-8"?>
+<p:sld xmlns:a="http://schemas.openxmlformats.org/drawingml/2006/main" xmlns:r="http://schemas.openxmlformats.org/officeDocument/2006/relationships" xmlns:p="http://schemas.openxmlformats.org/presentationml/2006/main">
+  <p:cSld>
+    <p:spTree>
+      <p:nvGrpSpPr>
+        <p:cNvPr id="1" name=""/>
+        <p:cNvGrpSpPr/>
+        <p:nvPr/>
+      </p:nvGrpSpPr>
+      <p:grpSpPr>
+        <a:xfrm>
+          <a:off x="0" y="0"/>
+          <a:ext cx="0" cy="0"/>
+          <a:chOff x="0" y="0"/>
+          <a:chExt cx="0" cy="0"/>
+        </a:xfrm>
+      </p:grpSpPr>
+      <p:sp>
+        <p:nvSpPr>
+          <p:cNvPr id="2" name="Slide Number Placeholder 1"/>
+          <p:cNvSpPr>
+            <a:spLocks noGrp="1"/>
+          </p:cNvSpPr>
+          <p:nvPr>
+            <p:ph type="sldNum" sz="quarter" idx="12"/>
+          </p:nvPr>
+        </p:nvSpPr>
+        <p:spPr/>
+        <p:txBody>
+          <a:bodyPr/>
+          <a:lstStyle/>
+          <a:p>
+            <a:fld id="{7D9EC917-02A2-4152-9EE3-DFE2775A77C7}" type="slidenum">
+              <a:rPr lang="en-US" smtClean="0"/>
+              <a:pPr/>
+              <a:t>10</a:t>
+            </a:fld>
+            <a:endParaRPr lang="en-US"/>
+          </a:p>
+        </p:txBody>
+      </p:sp>
+      <p:sp>
+        <p:nvSpPr>
+          <p:cNvPr id="3" name="Rectangle 2"/>
+          <p:cNvSpPr/>
+          <p:nvPr/>
+        </p:nvSpPr>
+        <p:spPr>
+          <a:xfrm>
+            <a:off x="301925" y="1051379"/>
+            <a:ext cx="8454964" cy="27432"/>
+          </a:xfrm>
+          <a:prstGeom prst="rect">
+            <a:avLst/>
+          </a:prstGeom>
+          <a:gradFill flip="none" rotWithShape="1">
+            <a:gsLst>
+              <a:gs pos="15000">
+                <a:srgbClr val="EC5F77"/>
+              </a:gs>
+              <a:gs pos="100000">
+                <a:srgbClr val="A8589E"/>
+              </a:gs>
+            </a:gsLst>
+            <a:lin ang="0" scaled="1"/>
+            <a:tileRect/>
+          </a:gradFill>
+          <a:ln>
+            <a:noFill/>
+          </a:ln>
+        </p:spPr>
+        <p:style>
+          <a:lnRef idx="2">
+            <a:schemeClr val="accent1">
+              <a:shade val="50000"/>
+            </a:schemeClr>
+          </a:lnRef>
+          <a:fillRef idx="1">
+            <a:schemeClr val="accent1"/>
+          </a:fillRef>
+          <a:effectRef idx="0">
+            <a:schemeClr val="accent1"/>
+          </a:effectRef>
+          <a:fontRef idx="minor">
+            <a:schemeClr val="lt1"/>
+          </a:fontRef>
+        </p:style>
+        <p:txBody>
+          <a:bodyPr rtlCol="0" anchor="ctr"/>
+          <a:lstStyle/>
+          <a:p>
+            <a:pPr algn="ctr"/>
+            <a:endParaRPr lang="en-US"/>
+          </a:p>
+        </p:txBody>
+      </p:sp>
+      <p:sp>
+        <p:nvSpPr>
+          <p:cNvPr id="4" name="TextBox 3"/>
+          <p:cNvSpPr txBox="1"/>
+          <p:nvPr/>
+        </p:nvSpPr>
+        <p:spPr>
+          <a:xfrm>
+            <a:off x="248815" y="546584"/>
+            <a:ext cx="7374995" cy="461665"/>
+          </a:xfrm>
+          <a:prstGeom prst="rect">
+            <a:avLst/>
+          </a:prstGeom>
+          <a:noFill/>
+        </p:spPr>
+        <p:txBody>
+          <a:bodyPr wrap="square" rtlCol="0">
+            <a:spAutoFit/>
+          </a:bodyPr>
+          <a:lstStyle/>
+          <a:p>
+            <a:r>
+              <a:rPr lang="en-US" sz="2400" b="1" dirty="0" smtClean="0">
+                <a:solidFill>
+                  <a:srgbClr val="EC5F77"/>
+                </a:solidFill>
+                <a:latin typeface="UTM Helve" panose="02040603050506020204" pitchFamily="18" charset="0"/>
+                <a:ea typeface="Roboto" pitchFamily="2" charset="0"/>
+              </a:rPr>
+              <a:t>2.2 </a:t>
+            </a:r>
+            <a:r>
+              <a:rPr lang="en-US" sz="2400" b="1" dirty="0" smtClean="0">
+                <a:solidFill>
+                  <a:srgbClr val="EC5F77"/>
+                </a:solidFill>
+                <a:latin typeface="UTM Helve" panose="02040603050506020204" pitchFamily="18" charset="0"/>
+                <a:ea typeface="Roboto" pitchFamily="2" charset="0"/>
+              </a:rPr>
+              <a:t>Hoạt động học viên</a:t>
+            </a:r>
+            <a:endParaRPr lang="en-US" sz="2400" b="1" dirty="0">
+              <a:solidFill>
+                <a:srgbClr val="EC5F77"/>
+              </a:solidFill>
+              <a:latin typeface="UTM Helve" panose="02040603050506020204" pitchFamily="18" charset="0"/>
+              <a:ea typeface="Roboto" pitchFamily="2" charset="0"/>
+            </a:endParaRPr>
+          </a:p>
+        </p:txBody>
+      </p:sp>
+      <p:sp>
+        <p:nvSpPr>
+          <p:cNvPr id="5" name="Rounded Rectangle 4"/>
+          <p:cNvSpPr/>
+          <p:nvPr/>
+        </p:nvSpPr>
+        <p:spPr>
+          <a:xfrm>
+            <a:off x="794879" y="1934386"/>
+            <a:ext cx="5155347" cy="4106723"/>
+          </a:xfrm>
+          <a:prstGeom prst="roundRect">
+            <a:avLst>
+              <a:gd name="adj" fmla="val 3719"/>
+            </a:avLst>
+          </a:prstGeom>
+          <a:noFill/>
+          <a:ln w="19050">
+            <a:solidFill>
+              <a:srgbClr val="EC5F77"/>
+            </a:solidFill>
+            <a:prstDash val="sysDash"/>
+          </a:ln>
+        </p:spPr>
+        <p:style>
+          <a:lnRef idx="2">
+            <a:schemeClr val="accent1">
+              <a:shade val="50000"/>
+            </a:schemeClr>
+          </a:lnRef>
+          <a:fillRef idx="1">
+            <a:schemeClr val="accent1"/>
+          </a:fillRef>
+          <a:effectRef idx="0">
+            <a:schemeClr val="accent1"/>
+          </a:effectRef>
+          <a:fontRef idx="minor">
+            <a:schemeClr val="lt1"/>
+          </a:fontRef>
+        </p:style>
+        <p:txBody>
+          <a:bodyPr rtlCol="0" anchor="ctr"/>
+          <a:lstStyle/>
+          <a:p>
+            <a:pPr algn="ctr"/>
+            <a:endParaRPr lang="en-US"/>
+          </a:p>
+        </p:txBody>
+      </p:sp>
+      <p:sp>
+        <p:nvSpPr>
+          <p:cNvPr id="7" name="TextBox 6"/>
+          <p:cNvSpPr txBox="1"/>
+          <p:nvPr/>
+        </p:nvSpPr>
+        <p:spPr>
+          <a:xfrm>
+            <a:off x="1093103" y="1239073"/>
+            <a:ext cx="4857123" cy="461665"/>
+          </a:xfrm>
+          <a:prstGeom prst="rect">
+            <a:avLst/>
+          </a:prstGeom>
+          <a:noFill/>
+        </p:spPr>
+        <p:txBody>
+          <a:bodyPr wrap="square" rtlCol="0">
+            <a:spAutoFit/>
+          </a:bodyPr>
+          <a:lstStyle/>
+          <a:p>
+            <a:r>
+              <a:rPr lang="en-US" sz="2400" b="1" dirty="0" smtClean="0">
+                <a:solidFill>
+                  <a:schemeClr val="tx1">
+                    <a:lumMod val="85000"/>
+                    <a:lumOff val="15000"/>
+                  </a:schemeClr>
+                </a:solidFill>
+                <a:latin typeface="UTM Helve" panose="02040603050506020204" pitchFamily="18" charset="0"/>
+                <a:ea typeface="Roboto" pitchFamily="2" charset="0"/>
+              </a:rPr>
+              <a:t>Nhiệm vụ đầu tiên</a:t>
+            </a:r>
+            <a:endParaRPr lang="en-US" sz="2400" b="1" dirty="0">
+              <a:solidFill>
+                <a:schemeClr val="tx1">
+                  <a:lumMod val="85000"/>
+                  <a:lumOff val="15000"/>
+                </a:schemeClr>
+              </a:solidFill>
+              <a:latin typeface="UTM Helve" panose="02040603050506020204" pitchFamily="18" charset="0"/>
+              <a:ea typeface="Roboto" pitchFamily="2" charset="0"/>
+            </a:endParaRPr>
+          </a:p>
+        </p:txBody>
+      </p:sp>
+      <p:pic>
+        <p:nvPicPr>
+          <p:cNvPr id="8" name="Picture 7"/>
+          <p:cNvPicPr>
+            <a:picLocks noChangeAspect="1"/>
+          </p:cNvPicPr>
+          <p:nvPr/>
+        </p:nvPicPr>
+        <p:blipFill>
+          <a:blip r:embed="rId2">
+            <a:extLst>
+              <a:ext uri="{28A0092B-C50C-407E-A947-70E740481C1C}">
+                <a14:useLocalDpi xmlns:a14="http://schemas.microsoft.com/office/drawing/2010/main" val="0"/>
+              </a:ext>
+            </a:extLst>
+          </a:blip>
+          <a:stretch>
+            <a:fillRect/>
+          </a:stretch>
+        </p:blipFill>
+        <p:spPr>
+          <a:xfrm>
+            <a:off x="536851" y="1312030"/>
+            <a:ext cx="466725" cy="409575"/>
+          </a:xfrm>
+          <a:prstGeom prst="rect">
+            <a:avLst/>
+          </a:prstGeom>
+        </p:spPr>
+      </p:pic>
+      <p:sp>
+        <p:nvSpPr>
+          <p:cNvPr id="9" name="Title 1"/>
+          <p:cNvSpPr txBox="1">
+            <a:spLocks/>
+          </p:cNvSpPr>
+          <p:nvPr/>
+        </p:nvSpPr>
+        <p:spPr>
+          <a:xfrm>
+            <a:off x="1169595" y="3341528"/>
+            <a:ext cx="4555344" cy="783921"/>
+          </a:xfrm>
+          <a:prstGeom prst="rect">
+            <a:avLst/>
+          </a:prstGeom>
+        </p:spPr>
+        <p:txBody>
+          <a:bodyPr/>
+          <a:lstStyle>
+            <a:lvl1pPr algn="l" defTabSz="914400" rtl="0" eaLnBrk="1" latinLnBrk="0" hangingPunct="1">
+              <a:lnSpc>
+                <a:spcPct val="90000"/>
+              </a:lnSpc>
+              <a:spcBef>
+                <a:spcPct val="0"/>
+              </a:spcBef>
+              <a:buNone/>
+              <a:defRPr sz="3200" b="1" kern="1200">
+                <a:solidFill>
+                  <a:srgbClr val="019DD0"/>
+                </a:solidFill>
+                <a:latin typeface="Arial" panose="020B0604020202020204" pitchFamily="34" charset="0"/>
+                <a:ea typeface="+mj-ea"/>
+                <a:cs typeface="Arial" panose="020B0604020202020204" pitchFamily="34" charset="0"/>
+              </a:defRPr>
+            </a:lvl1pPr>
+          </a:lstStyle>
+          <a:p>
+            <a:pPr>
+              <a:lnSpc>
+                <a:spcPct val="100000"/>
+              </a:lnSpc>
+            </a:pPr>
+            <a:r>
+              <a:rPr lang="en-US" sz="2000" b="0" dirty="0" smtClean="0">
+                <a:solidFill>
+                  <a:schemeClr val="tx1">
+                    <a:lumMod val="95000"/>
+                    <a:lumOff val="5000"/>
+                  </a:schemeClr>
+                </a:solidFill>
+                <a:ea typeface="Roboto Condensed" pitchFamily="2" charset="0"/>
+              </a:rPr>
+              <a:t>Nhấn button A+B hiển thị icon trái tim  và tên bạn ra màn hình LED</a:t>
+            </a:r>
+            <a:endParaRPr lang="en-US" sz="2000" dirty="0" smtClean="0">
+              <a:solidFill>
+                <a:schemeClr val="tx1">
+                  <a:lumMod val="95000"/>
+                  <a:lumOff val="5000"/>
+                </a:schemeClr>
+              </a:solidFill>
+              <a:ea typeface="Roboto Condensed" pitchFamily="2" charset="0"/>
+            </a:endParaRPr>
+          </a:p>
+        </p:txBody>
+      </p:sp>
+      <p:sp>
+        <p:nvSpPr>
+          <p:cNvPr id="10" name="Title 1"/>
+          <p:cNvSpPr txBox="1">
+            <a:spLocks/>
+          </p:cNvSpPr>
+          <p:nvPr/>
+        </p:nvSpPr>
+        <p:spPr>
+          <a:xfrm>
+            <a:off x="1169595" y="2164353"/>
+            <a:ext cx="4555344" cy="502246"/>
+          </a:xfrm>
+          <a:prstGeom prst="rect">
+            <a:avLst/>
+          </a:prstGeom>
+        </p:spPr>
+        <p:txBody>
+          <a:bodyPr/>
+          <a:lstStyle>
+            <a:lvl1pPr algn="l" defTabSz="914400" rtl="0" eaLnBrk="1" latinLnBrk="0" hangingPunct="1">
+              <a:lnSpc>
+                <a:spcPct val="90000"/>
+              </a:lnSpc>
+              <a:spcBef>
+                <a:spcPct val="0"/>
+              </a:spcBef>
+              <a:buNone/>
+              <a:defRPr sz="3200" b="1" kern="1200">
+                <a:solidFill>
+                  <a:srgbClr val="019DD0"/>
+                </a:solidFill>
+                <a:latin typeface="Arial" panose="020B0604020202020204" pitchFamily="34" charset="0"/>
+                <a:ea typeface="+mj-ea"/>
+                <a:cs typeface="Arial" panose="020B0604020202020204" pitchFamily="34" charset="0"/>
+              </a:defRPr>
+            </a:lvl1pPr>
+          </a:lstStyle>
+          <a:p>
+            <a:pPr>
+              <a:lnSpc>
+                <a:spcPct val="100000"/>
+              </a:lnSpc>
+            </a:pPr>
+            <a:r>
+              <a:rPr lang="en-US" sz="2000" b="0" dirty="0" smtClean="0">
+                <a:solidFill>
+                  <a:schemeClr val="tx1">
+                    <a:lumMod val="95000"/>
+                    <a:lumOff val="5000"/>
+                  </a:schemeClr>
+                </a:solidFill>
+                <a:ea typeface="Roboto Condensed" pitchFamily="2" charset="0"/>
+              </a:rPr>
+              <a:t>Nhấn button A thì hiển thị mặt cười.</a:t>
+            </a:r>
+            <a:endParaRPr lang="en-US" sz="2000" dirty="0" smtClean="0">
+              <a:solidFill>
+                <a:schemeClr val="tx1">
+                  <a:lumMod val="95000"/>
+                  <a:lumOff val="5000"/>
+                </a:schemeClr>
+              </a:solidFill>
+              <a:ea typeface="Roboto Condensed" pitchFamily="2" charset="0"/>
+            </a:endParaRPr>
+          </a:p>
+        </p:txBody>
+      </p:sp>
+      <p:sp>
+        <p:nvSpPr>
+          <p:cNvPr id="11" name="Rectangle 10"/>
+          <p:cNvSpPr/>
+          <p:nvPr/>
+        </p:nvSpPr>
+        <p:spPr>
+          <a:xfrm>
+            <a:off x="998101" y="2293256"/>
+            <a:ext cx="171494" cy="171494"/>
+          </a:xfrm>
+          <a:prstGeom prst="rect">
+            <a:avLst/>
+          </a:prstGeom>
+          <a:solidFill>
+            <a:srgbClr val="EC5F77"/>
+          </a:solidFill>
+          <a:ln>
+            <a:noFill/>
+          </a:ln>
+        </p:spPr>
+        <p:style>
+          <a:lnRef idx="2">
+            <a:schemeClr val="accent1">
+              <a:shade val="50000"/>
+            </a:schemeClr>
+          </a:lnRef>
+          <a:fillRef idx="1">
+            <a:schemeClr val="accent1"/>
+          </a:fillRef>
+          <a:effectRef idx="0">
+            <a:schemeClr val="accent1"/>
+          </a:effectRef>
+          <a:fontRef idx="minor">
+            <a:schemeClr val="lt1"/>
+          </a:fontRef>
+        </p:style>
+        <p:txBody>
+          <a:bodyPr rtlCol="0" anchor="ctr"/>
+          <a:lstStyle/>
+          <a:p>
+            <a:pPr algn="ctr"/>
+            <a:endParaRPr lang="en-US"/>
+          </a:p>
+        </p:txBody>
+      </p:sp>
+      <p:sp>
+        <p:nvSpPr>
+          <p:cNvPr id="12" name="Title 1"/>
+          <p:cNvSpPr txBox="1">
+            <a:spLocks/>
+          </p:cNvSpPr>
+          <p:nvPr/>
+        </p:nvSpPr>
+        <p:spPr>
+          <a:xfrm>
+            <a:off x="1169594" y="2772092"/>
+            <a:ext cx="4462579" cy="481134"/>
+          </a:xfrm>
+          <a:prstGeom prst="rect">
+            <a:avLst/>
+          </a:prstGeom>
+        </p:spPr>
+        <p:txBody>
+          <a:bodyPr/>
+          <a:lstStyle>
+            <a:lvl1pPr algn="l" defTabSz="914400" rtl="0" eaLnBrk="1" latinLnBrk="0" hangingPunct="1">
+              <a:lnSpc>
+                <a:spcPct val="90000"/>
+              </a:lnSpc>
+              <a:spcBef>
+                <a:spcPct val="0"/>
+              </a:spcBef>
+              <a:buNone/>
+              <a:defRPr sz="3200" b="1" kern="1200">
+                <a:solidFill>
+                  <a:srgbClr val="019DD0"/>
+                </a:solidFill>
+                <a:latin typeface="Arial" panose="020B0604020202020204" pitchFamily="34" charset="0"/>
+                <a:ea typeface="+mj-ea"/>
+                <a:cs typeface="Arial" panose="020B0604020202020204" pitchFamily="34" charset="0"/>
+              </a:defRPr>
+            </a:lvl1pPr>
+          </a:lstStyle>
+          <a:p>
+            <a:pPr>
+              <a:lnSpc>
+                <a:spcPct val="100000"/>
+              </a:lnSpc>
+            </a:pPr>
+            <a:r>
+              <a:rPr lang="en-US" sz="2000" b="0" dirty="0" smtClean="0">
+                <a:solidFill>
+                  <a:schemeClr val="tx1">
+                    <a:lumMod val="95000"/>
+                    <a:lumOff val="5000"/>
+                  </a:schemeClr>
+                </a:solidFill>
+                <a:ea typeface="Roboto Condensed" pitchFamily="2" charset="0"/>
+              </a:rPr>
+              <a:t>Nhấn button B thì hiển thị mặt buồn.</a:t>
+            </a:r>
+            <a:endParaRPr lang="en-US" sz="2000" dirty="0" smtClean="0">
+              <a:solidFill>
+                <a:schemeClr val="tx1">
+                  <a:lumMod val="95000"/>
+                  <a:lumOff val="5000"/>
+                </a:schemeClr>
+              </a:solidFill>
+              <a:ea typeface="Roboto Condensed" pitchFamily="2" charset="0"/>
+            </a:endParaRPr>
+          </a:p>
+        </p:txBody>
+      </p:sp>
+      <p:sp>
+        <p:nvSpPr>
+          <p:cNvPr id="13" name="Rectangle 12"/>
+          <p:cNvSpPr/>
+          <p:nvPr/>
+        </p:nvSpPr>
+        <p:spPr>
+          <a:xfrm>
+            <a:off x="998101" y="2900995"/>
+            <a:ext cx="171494" cy="171494"/>
+          </a:xfrm>
+          <a:prstGeom prst="rect">
+            <a:avLst/>
+          </a:prstGeom>
+          <a:solidFill>
+            <a:srgbClr val="EC5F77"/>
+          </a:solidFill>
+          <a:ln>
+            <a:noFill/>
+          </a:ln>
+        </p:spPr>
+        <p:style>
+          <a:lnRef idx="2">
+            <a:schemeClr val="accent1">
+              <a:shade val="50000"/>
+            </a:schemeClr>
+          </a:lnRef>
+          <a:fillRef idx="1">
+            <a:schemeClr val="accent1"/>
+          </a:fillRef>
+          <a:effectRef idx="0">
+            <a:schemeClr val="accent1"/>
+          </a:effectRef>
+          <a:fontRef idx="minor">
+            <a:schemeClr val="lt1"/>
+          </a:fontRef>
+        </p:style>
+        <p:txBody>
+          <a:bodyPr rtlCol="0" anchor="ctr"/>
+          <a:lstStyle/>
+          <a:p>
+            <a:pPr algn="ctr"/>
+            <a:endParaRPr lang="en-US"/>
+          </a:p>
+        </p:txBody>
+      </p:sp>
+      <p:sp>
+        <p:nvSpPr>
+          <p:cNvPr id="14" name="Rectangle 13"/>
+          <p:cNvSpPr/>
+          <p:nvPr/>
+        </p:nvSpPr>
+        <p:spPr>
+          <a:xfrm>
+            <a:off x="998101" y="3444334"/>
+            <a:ext cx="171494" cy="171494"/>
+          </a:xfrm>
+          <a:prstGeom prst="rect">
+            <a:avLst/>
+          </a:prstGeom>
+          <a:solidFill>
+            <a:srgbClr val="EC5F77"/>
+          </a:solidFill>
+          <a:ln>
+            <a:noFill/>
+          </a:ln>
+        </p:spPr>
+        <p:style>
+          <a:lnRef idx="2">
+            <a:schemeClr val="accent1">
+              <a:shade val="50000"/>
+            </a:schemeClr>
+          </a:lnRef>
+          <a:fillRef idx="1">
+            <a:schemeClr val="accent1"/>
+          </a:fillRef>
+          <a:effectRef idx="0">
+            <a:schemeClr val="accent1"/>
+          </a:effectRef>
+          <a:fontRef idx="minor">
+            <a:schemeClr val="lt1"/>
+          </a:fontRef>
+        </p:style>
+        <p:txBody>
+          <a:bodyPr rtlCol="0" anchor="ctr"/>
+          <a:lstStyle/>
+          <a:p>
+            <a:pPr algn="ctr"/>
+            <a:endParaRPr lang="en-US"/>
+          </a:p>
+        </p:txBody>
+      </p:sp>
+      <p:sp>
+        <p:nvSpPr>
+          <p:cNvPr id="15" name="Title 1"/>
+          <p:cNvSpPr txBox="1">
+            <a:spLocks/>
+          </p:cNvSpPr>
+          <p:nvPr/>
+        </p:nvSpPr>
+        <p:spPr>
+          <a:xfrm>
+            <a:off x="1169595" y="4176415"/>
+            <a:ext cx="4555344" cy="783921"/>
+          </a:xfrm>
+          <a:prstGeom prst="rect">
+            <a:avLst/>
+          </a:prstGeom>
+        </p:spPr>
+        <p:txBody>
+          <a:bodyPr/>
+          <a:lstStyle>
+            <a:lvl1pPr algn="l" defTabSz="914400" rtl="0" eaLnBrk="1" latinLnBrk="0" hangingPunct="1">
+              <a:lnSpc>
+                <a:spcPct val="90000"/>
+              </a:lnSpc>
+              <a:spcBef>
+                <a:spcPct val="0"/>
+              </a:spcBef>
+              <a:buNone/>
+              <a:defRPr sz="3200" b="1" kern="1200">
+                <a:solidFill>
+                  <a:srgbClr val="019DD0"/>
+                </a:solidFill>
+                <a:latin typeface="Arial" panose="020B0604020202020204" pitchFamily="34" charset="0"/>
+                <a:ea typeface="+mj-ea"/>
+                <a:cs typeface="Arial" panose="020B0604020202020204" pitchFamily="34" charset="0"/>
+              </a:defRPr>
+            </a:lvl1pPr>
+          </a:lstStyle>
+          <a:p>
+            <a:pPr>
+              <a:lnSpc>
+                <a:spcPct val="100000"/>
+              </a:lnSpc>
+            </a:pPr>
+            <a:r>
+              <a:rPr lang="en-US" sz="2000" b="0" dirty="0" smtClean="0">
+                <a:solidFill>
+                  <a:schemeClr val="tx1">
+                    <a:lumMod val="95000"/>
+                    <a:lumOff val="5000"/>
+                  </a:schemeClr>
+                </a:solidFill>
+                <a:ea typeface="Roboto Condensed" pitchFamily="2" charset="0"/>
+              </a:rPr>
+              <a:t>Lắc micro:bit hiển thị hình </a:t>
+            </a:r>
+            <a:r>
+              <a:rPr lang="en-US" sz="2000" b="0" dirty="0" smtClean="0">
+                <a:solidFill>
+                  <a:schemeClr val="tx1">
+                    <a:lumMod val="95000"/>
+                    <a:lumOff val="5000"/>
+                  </a:schemeClr>
+                </a:solidFill>
+                <a:ea typeface="Roboto Condensed" pitchFamily="2" charset="0"/>
+              </a:rPr>
+              <a:t>con vịt ra </a:t>
+            </a:r>
+            <a:r>
+              <a:rPr lang="en-US" sz="2000" b="0" dirty="0" smtClean="0">
+                <a:solidFill>
+                  <a:schemeClr val="tx1">
+                    <a:lumMod val="95000"/>
+                    <a:lumOff val="5000"/>
+                  </a:schemeClr>
+                </a:solidFill>
+                <a:ea typeface="Roboto Condensed" pitchFamily="2" charset="0"/>
+              </a:rPr>
+              <a:t>màn hình LED</a:t>
+            </a:r>
+            <a:endParaRPr lang="en-US" sz="2000" dirty="0" smtClean="0">
+              <a:solidFill>
+                <a:schemeClr val="tx1">
+                  <a:lumMod val="95000"/>
+                  <a:lumOff val="5000"/>
+                </a:schemeClr>
+              </a:solidFill>
+              <a:ea typeface="Roboto Condensed" pitchFamily="2" charset="0"/>
+            </a:endParaRPr>
+          </a:p>
+        </p:txBody>
+      </p:sp>
+      <p:sp>
+        <p:nvSpPr>
+          <p:cNvPr id="16" name="Rectangle 15"/>
+          <p:cNvSpPr/>
+          <p:nvPr/>
+        </p:nvSpPr>
+        <p:spPr>
+          <a:xfrm>
+            <a:off x="998101" y="4279221"/>
+            <a:ext cx="171494" cy="171494"/>
+          </a:xfrm>
+          <a:prstGeom prst="rect">
+            <a:avLst/>
+          </a:prstGeom>
+          <a:solidFill>
+            <a:srgbClr val="EC5F77"/>
+          </a:solidFill>
+          <a:ln>
+            <a:noFill/>
+          </a:ln>
+        </p:spPr>
+        <p:style>
+          <a:lnRef idx="2">
+            <a:schemeClr val="accent1">
+              <a:shade val="50000"/>
+            </a:schemeClr>
+          </a:lnRef>
+          <a:fillRef idx="1">
+            <a:schemeClr val="accent1"/>
+          </a:fillRef>
+          <a:effectRef idx="0">
+            <a:schemeClr val="accent1"/>
+          </a:effectRef>
+          <a:fontRef idx="minor">
+            <a:schemeClr val="lt1"/>
+          </a:fontRef>
+        </p:style>
+        <p:txBody>
+          <a:bodyPr rtlCol="0" anchor="ctr"/>
+          <a:lstStyle/>
+          <a:p>
+            <a:pPr algn="ctr"/>
+            <a:endParaRPr lang="en-US"/>
+          </a:p>
+        </p:txBody>
+      </p:sp>
+      <p:sp>
+        <p:nvSpPr>
+          <p:cNvPr id="17" name="Title 1"/>
+          <p:cNvSpPr txBox="1">
+            <a:spLocks/>
+          </p:cNvSpPr>
+          <p:nvPr/>
+        </p:nvSpPr>
+        <p:spPr>
+          <a:xfrm>
+            <a:off x="1169595" y="5011302"/>
+            <a:ext cx="4555344" cy="783921"/>
+          </a:xfrm>
+          <a:prstGeom prst="rect">
+            <a:avLst/>
+          </a:prstGeom>
+        </p:spPr>
+        <p:txBody>
+          <a:bodyPr/>
+          <a:lstStyle>
+            <a:lvl1pPr algn="l" defTabSz="914400" rtl="0" eaLnBrk="1" latinLnBrk="0" hangingPunct="1">
+              <a:lnSpc>
+                <a:spcPct val="90000"/>
+              </a:lnSpc>
+              <a:spcBef>
+                <a:spcPct val="0"/>
+              </a:spcBef>
+              <a:buNone/>
+              <a:defRPr sz="3200" b="1" kern="1200">
+                <a:solidFill>
+                  <a:srgbClr val="019DD0"/>
+                </a:solidFill>
+                <a:latin typeface="Arial" panose="020B0604020202020204" pitchFamily="34" charset="0"/>
+                <a:ea typeface="+mj-ea"/>
+                <a:cs typeface="Arial" panose="020B0604020202020204" pitchFamily="34" charset="0"/>
+              </a:defRPr>
+            </a:lvl1pPr>
+          </a:lstStyle>
+          <a:p>
+            <a:pPr>
+              <a:lnSpc>
+                <a:spcPct val="100000"/>
+              </a:lnSpc>
+            </a:pPr>
+            <a:r>
+              <a:rPr lang="en-US" sz="2000" b="0" dirty="0" smtClean="0">
+                <a:solidFill>
+                  <a:schemeClr val="tx1">
+                    <a:lumMod val="95000"/>
+                    <a:lumOff val="5000"/>
+                  </a:schemeClr>
+                </a:solidFill>
+                <a:ea typeface="Roboto Condensed" pitchFamily="2" charset="0"/>
+              </a:rPr>
+              <a:t>Chạm vào Logo hiển thị con hươu cao cổ</a:t>
+            </a:r>
+            <a:endParaRPr lang="en-US" sz="2000" dirty="0" smtClean="0">
+              <a:solidFill>
+                <a:schemeClr val="tx1">
+                  <a:lumMod val="95000"/>
+                  <a:lumOff val="5000"/>
+                </a:schemeClr>
+              </a:solidFill>
+              <a:ea typeface="Roboto Condensed" pitchFamily="2" charset="0"/>
+            </a:endParaRPr>
+          </a:p>
+        </p:txBody>
+      </p:sp>
+      <p:sp>
+        <p:nvSpPr>
+          <p:cNvPr id="18" name="Rectangle 17"/>
+          <p:cNvSpPr/>
+          <p:nvPr/>
+        </p:nvSpPr>
+        <p:spPr>
+          <a:xfrm>
+            <a:off x="998101" y="5114108"/>
+            <a:ext cx="171494" cy="171494"/>
+          </a:xfrm>
+          <a:prstGeom prst="rect">
+            <a:avLst/>
+          </a:prstGeom>
+          <a:solidFill>
+            <a:srgbClr val="EC5F77"/>
+          </a:solidFill>
+          <a:ln>
+            <a:noFill/>
+          </a:ln>
+        </p:spPr>
+        <p:style>
+          <a:lnRef idx="2">
+            <a:schemeClr val="accent1">
+              <a:shade val="50000"/>
+            </a:schemeClr>
+          </a:lnRef>
+          <a:fillRef idx="1">
+            <a:schemeClr val="accent1"/>
+          </a:fillRef>
+          <a:effectRef idx="0">
+            <a:schemeClr val="accent1"/>
+          </a:effectRef>
+          <a:fontRef idx="minor">
+            <a:schemeClr val="lt1"/>
+          </a:fontRef>
+        </p:style>
+        <p:txBody>
+          <a:bodyPr rtlCol="0" anchor="ctr"/>
+          <a:lstStyle/>
+          <a:p>
+            <a:pPr algn="ctr"/>
+            <a:endParaRPr lang="en-US"/>
+          </a:p>
+        </p:txBody>
+      </p:sp>
+      <p:pic>
+        <p:nvPicPr>
+          <p:cNvPr id="19" name="Picture 18"/>
+          <p:cNvPicPr>
+            <a:picLocks noChangeAspect="1"/>
+          </p:cNvPicPr>
+          <p:nvPr/>
+        </p:nvPicPr>
+        <p:blipFill>
+          <a:blip r:embed="rId3">
+            <a:extLst>
+              <a:ext uri="{28A0092B-C50C-407E-A947-70E740481C1C}">
+                <a14:useLocalDpi xmlns:a14="http://schemas.microsoft.com/office/drawing/2010/main" val="0"/>
+              </a:ext>
+            </a:extLst>
+          </a:blip>
+          <a:stretch>
+            <a:fillRect/>
+          </a:stretch>
+        </p:blipFill>
+        <p:spPr>
+          <a:xfrm>
+            <a:off x="6039753" y="1469905"/>
+            <a:ext cx="2533650" cy="2381250"/>
+          </a:xfrm>
+          <a:prstGeom prst="rect">
+            <a:avLst/>
+          </a:prstGeom>
+        </p:spPr>
+      </p:pic>
+      <p:sp>
+        <p:nvSpPr>
+          <p:cNvPr id="20" name="Title 1"/>
+          <p:cNvSpPr txBox="1">
+            <a:spLocks/>
+          </p:cNvSpPr>
+          <p:nvPr/>
+        </p:nvSpPr>
+        <p:spPr>
+          <a:xfrm>
+            <a:off x="6174040" y="3733488"/>
+            <a:ext cx="2413369" cy="2153849"/>
+          </a:xfrm>
+          <a:prstGeom prst="rect">
+            <a:avLst/>
+          </a:prstGeom>
+        </p:spPr>
+        <p:txBody>
+          <a:bodyPr/>
+          <a:lstStyle>
+            <a:lvl1pPr algn="l" defTabSz="914400" rtl="0" eaLnBrk="1" latinLnBrk="0" hangingPunct="1">
+              <a:lnSpc>
+                <a:spcPct val="90000"/>
+              </a:lnSpc>
+              <a:spcBef>
+                <a:spcPct val="0"/>
+              </a:spcBef>
+              <a:buNone/>
+              <a:defRPr sz="3200" b="1" kern="1200">
+                <a:solidFill>
+                  <a:srgbClr val="019DD0"/>
+                </a:solidFill>
+                <a:latin typeface="Arial" panose="020B0604020202020204" pitchFamily="34" charset="0"/>
+                <a:ea typeface="+mj-ea"/>
+                <a:cs typeface="Arial" panose="020B0604020202020204" pitchFamily="34" charset="0"/>
+              </a:defRPr>
+            </a:lvl1pPr>
+          </a:lstStyle>
+          <a:p>
+            <a:pPr>
+              <a:lnSpc>
+                <a:spcPct val="100000"/>
+              </a:lnSpc>
+            </a:pPr>
+            <a:r>
+              <a:rPr lang="en-US" sz="2000" b="0" dirty="0" smtClean="0">
+                <a:solidFill>
+                  <a:schemeClr val="tx1">
+                    <a:lumMod val="95000"/>
+                    <a:lumOff val="5000"/>
+                  </a:schemeClr>
+                </a:solidFill>
+                <a:ea typeface="Roboto Condensed" pitchFamily="2" charset="0"/>
+                <a:sym typeface="Wingdings" panose="05000000000000000000" pitchFamily="2" charset="2"/>
+              </a:rPr>
+              <a:t> </a:t>
+            </a:r>
+            <a:r>
+              <a:rPr lang="en-US" sz="2000" b="0" i="1" dirty="0" smtClean="0">
+                <a:solidFill>
+                  <a:schemeClr val="tx1">
+                    <a:lumMod val="95000"/>
+                    <a:lumOff val="5000"/>
+                  </a:schemeClr>
+                </a:solidFill>
+                <a:ea typeface="Roboto Condensed" pitchFamily="2" charset="0"/>
+              </a:rPr>
+              <a:t>Các bạn sử dụng phần mềm MakeCode để thực hiện chương trình trên nhé !</a:t>
+            </a:r>
+            <a:endParaRPr lang="en-US" sz="2000" i="1" dirty="0" smtClean="0">
+              <a:solidFill>
+                <a:schemeClr val="tx1">
+                  <a:lumMod val="95000"/>
+                  <a:lumOff val="5000"/>
+                </a:schemeClr>
+              </a:solidFill>
+              <a:ea typeface="Roboto Condensed" pitchFamily="2" charset="0"/>
+            </a:endParaRPr>
+          </a:p>
+        </p:txBody>
+      </p:sp>
+    </p:spTree>
+    <p:extLst>
+      <p:ext uri="{BB962C8B-B14F-4D97-AF65-F5344CB8AC3E}">
+        <p14:creationId xmlns:p14="http://schemas.microsoft.com/office/powerpoint/2010/main" val="3988333809"/>
       </p:ext>
     </p:extLst>
   </p:cSld>
@@ -2630,32 +3621,65 @@
       </p:sp>
       <p:sp>
         <p:nvSpPr>
-          <p:cNvPr id="3" name="Rectangle 2"/>
+          <p:cNvPr id="6" name="AutoShape 2" descr="https://cdn.sanity.io/images/ajwvhvgo/production/1d5802331620511efe3b5de846ac15de85b508e3-383x313.gif?bg=fff&amp;w=1.3333333333333333&amp;h=0&amp;q=90&amp;fit=min&amp;auto=format"/>
+          <p:cNvSpPr>
+            <a:spLocks noChangeAspect="1" noChangeArrowheads="1"/>
+          </p:cNvSpPr>
+          <p:nvPr/>
+        </p:nvSpPr>
+        <p:spPr bwMode="auto">
+          <a:xfrm>
+            <a:off x="155575" y="-144463"/>
+            <a:ext cx="304800" cy="304801"/>
+          </a:xfrm>
+          <a:prstGeom prst="rect">
+            <a:avLst/>
+          </a:prstGeom>
+          <a:noFill/>
+          <a:extLst>
+            <a:ext uri="{909E8E84-426E-40DD-AFC4-6F175D3DCCD1}">
+              <a14:hiddenFill xmlns:a14="http://schemas.microsoft.com/office/drawing/2010/main">
+                <a:solidFill>
+                  <a:srgbClr val="FFFFFF"/>
+                </a:solidFill>
+              </a14:hiddenFill>
+            </a:ext>
+          </a:extLst>
+        </p:spPr>
+        <p:txBody>
+          <a:bodyPr vert="horz" wrap="square" lIns="91440" tIns="45720" rIns="91440" bIns="45720" numCol="1" anchor="t" anchorCtr="0" compatLnSpc="1">
+            <a:prstTxWarp prst="textNoShape">
+              <a:avLst/>
+            </a:prstTxWarp>
+          </a:bodyPr>
+          <a:lstStyle/>
+          <a:p>
+            <a:endParaRPr lang="en-US"/>
+          </a:p>
+        </p:txBody>
+      </p:sp>
+      <p:sp>
+        <p:nvSpPr>
+          <p:cNvPr id="10" name="Rounded Rectangle 9"/>
           <p:cNvSpPr/>
           <p:nvPr/>
         </p:nvSpPr>
         <p:spPr>
           <a:xfrm>
-            <a:off x="301925" y="1051379"/>
-            <a:ext cx="8454964" cy="27432"/>
-          </a:xfrm>
-          <a:prstGeom prst="rect">
-            <a:avLst/>
-          </a:prstGeom>
-          <a:gradFill flip="none" rotWithShape="1">
-            <a:gsLst>
-              <a:gs pos="15000">
-                <a:srgbClr val="67C7DF"/>
-              </a:gs>
-              <a:gs pos="100000">
-                <a:srgbClr val="5EB130"/>
-              </a:gs>
-            </a:gsLst>
-            <a:lin ang="0" scaled="1"/>
-            <a:tileRect/>
-          </a:gradFill>
-          <a:ln>
-            <a:noFill/>
+            <a:off x="602588" y="1394495"/>
+            <a:ext cx="3909703" cy="4826628"/>
+          </a:xfrm>
+          <a:prstGeom prst="roundRect">
+            <a:avLst>
+              <a:gd name="adj" fmla="val 3719"/>
+            </a:avLst>
+          </a:prstGeom>
+          <a:noFill/>
+          <a:ln w="19050">
+            <a:solidFill>
+              <a:srgbClr val="EC5F77"/>
+            </a:solidFill>
+            <a:prstDash val="sysDash"/>
           </a:ln>
         </p:spPr>
         <p:style>
@@ -2685,127 +3709,23 @@
       </p:sp>
       <p:sp>
         <p:nvSpPr>
-          <p:cNvPr id="4" name="TextBox 3"/>
-          <p:cNvSpPr txBox="1"/>
-          <p:nvPr/>
-        </p:nvSpPr>
-        <p:spPr>
-          <a:xfrm>
-            <a:off x="248815" y="546584"/>
-            <a:ext cx="7374995" cy="461665"/>
-          </a:xfrm>
-          <a:prstGeom prst="rect">
-            <a:avLst/>
-          </a:prstGeom>
-          <a:noFill/>
-        </p:spPr>
-        <p:txBody>
-          <a:bodyPr wrap="square" rtlCol="0">
-            <a:spAutoFit/>
-          </a:bodyPr>
-          <a:lstStyle/>
-          <a:p>
-            <a:r>
-              <a:rPr lang="en-US" sz="2400" b="1" dirty="0" smtClean="0">
-                <a:solidFill>
-                  <a:srgbClr val="64C7E9"/>
-                </a:solidFill>
-                <a:latin typeface="UTM Helve" panose="02040603050506020204" pitchFamily="18" charset="0"/>
-                <a:ea typeface="Roboto" pitchFamily="2" charset="0"/>
-              </a:rPr>
-              <a:t>2.1 Inputs </a:t>
-            </a:r>
-            <a:r>
-              <a:rPr lang="en-US" sz="2400" b="1" dirty="0">
-                <a:solidFill>
-                  <a:srgbClr val="64C7E9"/>
-                </a:solidFill>
-                <a:latin typeface="UTM Helve" panose="02040603050506020204" pitchFamily="18" charset="0"/>
-                <a:ea typeface="Roboto" pitchFamily="2" charset="0"/>
-              </a:rPr>
-              <a:t>- Đầu </a:t>
-            </a:r>
-            <a:r>
-              <a:rPr lang="en-US" sz="2400" b="1" dirty="0" smtClean="0">
-                <a:solidFill>
-                  <a:srgbClr val="64C7E9"/>
-                </a:solidFill>
-                <a:latin typeface="UTM Helve" panose="02040603050506020204" pitchFamily="18" charset="0"/>
-                <a:ea typeface="Roboto" pitchFamily="2" charset="0"/>
-              </a:rPr>
-              <a:t>vào</a:t>
-            </a:r>
-            <a:endParaRPr lang="en-US" sz="2400" b="1" dirty="0">
-              <a:solidFill>
-                <a:srgbClr val="64C7E9"/>
-              </a:solidFill>
-              <a:latin typeface="UTM Helve" panose="02040603050506020204" pitchFamily="18" charset="0"/>
-              <a:ea typeface="Roboto" pitchFamily="2" charset="0"/>
-            </a:endParaRPr>
-          </a:p>
-        </p:txBody>
-      </p:sp>
-      <p:sp>
-        <p:nvSpPr>
-          <p:cNvPr id="6" name="AutoShape 2" descr="https://cdn.sanity.io/images/ajwvhvgo/production/1d5802331620511efe3b5de846ac15de85b508e3-383x313.gif?bg=fff&amp;w=1.3333333333333333&amp;h=0&amp;q=90&amp;fit=min&amp;auto=format"/>
-          <p:cNvSpPr>
-            <a:spLocks noChangeAspect="1" noChangeArrowheads="1"/>
-          </p:cNvSpPr>
-          <p:nvPr/>
-        </p:nvSpPr>
-        <p:spPr bwMode="auto">
-          <a:xfrm>
-            <a:off x="155575" y="-144463"/>
-            <a:ext cx="304800" cy="304801"/>
-          </a:xfrm>
-          <a:prstGeom prst="rect">
-            <a:avLst/>
-          </a:prstGeom>
-          <a:noFill/>
-          <a:extLst>
-            <a:ext uri="{909E8E84-426E-40DD-AFC4-6F175D3DCCD1}">
-              <a14:hiddenFill xmlns:a14="http://schemas.microsoft.com/office/drawing/2010/main">
-                <a:solidFill>
-                  <a:srgbClr val="FFFFFF"/>
-                </a:solidFill>
-              </a14:hiddenFill>
-            </a:ext>
-          </a:extLst>
-        </p:spPr>
-        <p:txBody>
-          <a:bodyPr vert="horz" wrap="square" lIns="91440" tIns="45720" rIns="91440" bIns="45720" numCol="1" anchor="t" anchorCtr="0" compatLnSpc="1">
-            <a:prstTxWarp prst="textNoShape">
-              <a:avLst/>
-            </a:prstTxWarp>
-          </a:bodyPr>
-          <a:lstStyle/>
-          <a:p>
-            <a:endParaRPr lang="en-US"/>
-          </a:p>
-        </p:txBody>
-      </p:sp>
-      <p:sp>
-        <p:nvSpPr>
-          <p:cNvPr id="10" name="Rounded Rectangle 9"/>
+          <p:cNvPr id="11" name="Rectangle 10"/>
           <p:cNvSpPr/>
           <p:nvPr/>
         </p:nvSpPr>
         <p:spPr>
           <a:xfrm>
-            <a:off x="602588" y="1394495"/>
-            <a:ext cx="3909703" cy="4900288"/>
-          </a:xfrm>
-          <a:prstGeom prst="roundRect">
-            <a:avLst>
-              <a:gd name="adj" fmla="val 3719"/>
-            </a:avLst>
-          </a:prstGeom>
-          <a:noFill/>
-          <a:ln w="19050">
-            <a:solidFill>
-              <a:srgbClr val="64C7E9"/>
-            </a:solidFill>
-            <a:prstDash val="sysDash"/>
+            <a:off x="740348" y="1650861"/>
+            <a:ext cx="171494" cy="171494"/>
+          </a:xfrm>
+          <a:prstGeom prst="rect">
+            <a:avLst/>
+          </a:prstGeom>
+          <a:solidFill>
+            <a:srgbClr val="EC5F77"/>
+          </a:solidFill>
+          <a:ln>
+            <a:noFill/>
           </a:ln>
         </p:spPr>
         <p:style>
@@ -2835,20 +3755,65 @@
       </p:sp>
       <p:sp>
         <p:nvSpPr>
-          <p:cNvPr id="11" name="Rectangle 10"/>
+          <p:cNvPr id="12" name="TextBox 11"/>
+          <p:cNvSpPr txBox="1"/>
+          <p:nvPr/>
+        </p:nvSpPr>
+        <p:spPr>
+          <a:xfrm>
+            <a:off x="1012004" y="1530469"/>
+            <a:ext cx="3500287" cy="707886"/>
+          </a:xfrm>
+          <a:prstGeom prst="rect">
+            <a:avLst/>
+          </a:prstGeom>
+          <a:noFill/>
+        </p:spPr>
+        <p:txBody>
+          <a:bodyPr wrap="square" rtlCol="0">
+            <a:spAutoFit/>
+          </a:bodyPr>
+          <a:lstStyle/>
+          <a:p>
+            <a:r>
+              <a:rPr lang="en-US" sz="2000" dirty="0" smtClean="0">
+                <a:latin typeface="Arial" panose="020B0604020202020204" pitchFamily="34" charset="0"/>
+                <a:cs typeface="Arial" panose="020B0604020202020204" pitchFamily="34" charset="0"/>
+              </a:rPr>
+              <a:t>Trên micro:bit có 2 nút A, B</a:t>
+            </a:r>
+          </a:p>
+          <a:p>
+            <a:r>
+              <a:rPr lang="en-US" sz="2000" dirty="0" smtClean="0">
+                <a:latin typeface="Arial" panose="020B0604020202020204" pitchFamily="34" charset="0"/>
+                <a:cs typeface="Arial" panose="020B0604020202020204" pitchFamily="34" charset="0"/>
+              </a:rPr>
+              <a:t>chân Pin và các cảm biến.</a:t>
+            </a:r>
+            <a:endParaRPr lang="en-US" sz="2000" dirty="0">
+              <a:latin typeface="Arial" panose="020B0604020202020204" pitchFamily="34" charset="0"/>
+              <a:cs typeface="Arial" panose="020B0604020202020204" pitchFamily="34" charset="0"/>
+            </a:endParaRPr>
+          </a:p>
+        </p:txBody>
+      </p:sp>
+      <p:sp>
+        <p:nvSpPr>
+          <p:cNvPr id="13" name="Rectangle 12"/>
           <p:cNvSpPr/>
           <p:nvPr/>
         </p:nvSpPr>
         <p:spPr>
           <a:xfrm>
-            <a:off x="740348" y="1650861"/>
+            <a:off x="740348" y="2602821"/>
             <a:ext cx="171494" cy="171494"/>
           </a:xfrm>
           <a:prstGeom prst="rect">
             <a:avLst/>
           </a:prstGeom>
           <a:solidFill>
-            <a:srgbClr val="64C7E9"/>
+            <a:srgbClr val="EC5F77"/>
           </a:solidFill>
           <a:ln>
             <a:noFill/>
@@ -2881,14 +3846,14 @@
       </p:sp>
       <p:sp>
         <p:nvSpPr>
-          <p:cNvPr id="12" name="TextBox 11"/>
+          <p:cNvPr id="14" name="TextBox 13"/>
           <p:cNvSpPr txBox="1"/>
           <p:nvPr/>
         </p:nvSpPr>
         <p:spPr>
           <a:xfrm>
-            <a:off x="1112166" y="1514576"/>
-            <a:ext cx="3199800" cy="1631216"/>
+            <a:off x="1049602" y="2464560"/>
+            <a:ext cx="3199800" cy="1015663"/>
           </a:xfrm>
           <a:prstGeom prst="rect">
             <a:avLst/>
@@ -2906,21 +3871,21 @@
                 <a:latin typeface="Arial" panose="020B0604020202020204" pitchFamily="34" charset="0"/>
                 <a:cs typeface="Arial" panose="020B0604020202020204" pitchFamily="34" charset="0"/>
               </a:rPr>
-              <a:t>Bạn có thể hiển thị ra màn hình LED các hình ảnh khác nhau một cách </a:t>
+              <a:t>Tất cả chúng được gọi là </a:t>
             </a:r>
             <a:r>
               <a:rPr lang="en-US" sz="2000" b="1" dirty="0" smtClean="0">
                 <a:latin typeface="Arial" panose="020B0604020202020204" pitchFamily="34" charset="0"/>
                 <a:cs typeface="Arial" panose="020B0604020202020204" pitchFamily="34" charset="0"/>
               </a:rPr>
-              <a:t>tuần tự, nối tiếp</a:t>
+              <a:t>inputs</a:t>
             </a:r>
             <a:r>
               <a:rPr lang="en-US" sz="2000" dirty="0" smtClean="0">
                 <a:latin typeface="Arial" panose="020B0604020202020204" pitchFamily="34" charset="0"/>
                 <a:cs typeface="Arial" panose="020B0604020202020204" pitchFamily="34" charset="0"/>
               </a:rPr>
-              <a:t> nhau như hình minh họa bên phải.</a:t>
+              <a:t> (dữ liệu đầu vào) của chương trình.</a:t>
             </a:r>
             <a:endParaRPr lang="en-US" sz="2000" dirty="0">
               <a:latin typeface="Arial" panose="020B0604020202020204" pitchFamily="34" charset="0"/>
@@ -2929,23 +3894,113 @@
           </a:p>
         </p:txBody>
       </p:sp>
-      <p:sp>
-        <p:nvSpPr>
-          <p:cNvPr id="13" name="Rectangle 12"/>
+      <p:pic>
+        <p:nvPicPr>
+          <p:cNvPr id="16" name="Google Shape;136;p3"/>
+          <p:cNvPicPr preferRelativeResize="0"/>
+          <p:nvPr/>
+        </p:nvPicPr>
+        <p:blipFill rotWithShape="1">
+          <a:blip r:embed="rId2">
+            <a:alphaModFix/>
+          </a:blip>
+          <a:srcRect/>
+          <a:stretch/>
+        </p:blipFill>
+        <p:spPr>
+          <a:xfrm>
+            <a:off x="5021869" y="1394495"/>
+            <a:ext cx="3441169" cy="2620911"/>
+          </a:xfrm>
+          <a:prstGeom prst="rect">
+            <a:avLst/>
+          </a:prstGeom>
+          <a:noFill/>
+          <a:ln>
+            <a:noFill/>
+          </a:ln>
+        </p:spPr>
+      </p:pic>
+      <p:pic>
+        <p:nvPicPr>
+          <p:cNvPr id="17" name="Google Shape;200;p11"/>
+          <p:cNvPicPr preferRelativeResize="0"/>
+          <p:nvPr/>
+        </p:nvPicPr>
+        <p:blipFill rotWithShape="1">
+          <a:blip r:embed="rId2">
+            <a:alphaModFix/>
+          </a:blip>
+          <a:srcRect l="4366" t="37916" r="77772" b="31726"/>
+          <a:stretch/>
+        </p:blipFill>
+        <p:spPr>
+          <a:xfrm>
+            <a:off x="5185302" y="4248131"/>
+            <a:ext cx="1444067" cy="1972992"/>
+          </a:xfrm>
+          <a:prstGeom prst="rect">
+            <a:avLst/>
+          </a:prstGeom>
+          <a:noFill/>
+          <a:ln>
+            <a:noFill/>
+          </a:ln>
+        </p:spPr>
+      </p:pic>
+      <p:pic>
+        <p:nvPicPr>
+          <p:cNvPr id="18" name="Google Shape;201;p11"/>
+          <p:cNvPicPr preferRelativeResize="0"/>
+          <p:nvPr/>
+        </p:nvPicPr>
+        <p:blipFill rotWithShape="1">
+          <a:blip r:embed="rId2">
+            <a:alphaModFix/>
+          </a:blip>
+          <a:srcRect l="77634" t="30674" r="5764" b="41529"/>
+          <a:stretch/>
+        </p:blipFill>
+        <p:spPr>
+          <a:xfrm>
+            <a:off x="6901776" y="4277510"/>
+            <a:ext cx="1444068" cy="1943613"/>
+          </a:xfrm>
+          <a:prstGeom prst="rect">
+            <a:avLst/>
+          </a:prstGeom>
+          <a:noFill/>
+          <a:ln>
+            <a:noFill/>
+          </a:ln>
+        </p:spPr>
+      </p:pic>
+      <p:sp>
+        <p:nvSpPr>
+          <p:cNvPr id="15" name="Rectangle 14"/>
           <p:cNvSpPr/>
           <p:nvPr/>
         </p:nvSpPr>
         <p:spPr>
           <a:xfrm>
-            <a:off x="740348" y="3418425"/>
-            <a:ext cx="171494" cy="171494"/>
-          </a:xfrm>
-          <a:prstGeom prst="rect">
-            <a:avLst/>
-          </a:prstGeom>
-          <a:solidFill>
-            <a:srgbClr val="64C7E9"/>
-          </a:solidFill>
+            <a:off x="301925" y="1051379"/>
+            <a:ext cx="8454964" cy="27432"/>
+          </a:xfrm>
+          <a:prstGeom prst="rect">
+            <a:avLst/>
+          </a:prstGeom>
+          <a:gradFill flip="none" rotWithShape="1">
+            <a:gsLst>
+              <a:gs pos="15000">
+                <a:srgbClr val="EC5F77"/>
+              </a:gs>
+              <a:gs pos="100000">
+                <a:srgbClr val="A8589E"/>
+              </a:gs>
+            </a:gsLst>
+            <a:lin ang="0" scaled="1"/>
+            <a:tileRect/>
+          </a:gradFill>
           <a:ln>
             <a:noFill/>
           </a:ln>
@@ -2977,13 +4032,101 @@
       </p:sp>
       <p:sp>
         <p:nvSpPr>
-          <p:cNvPr id="14" name="TextBox 13"/>
+          <p:cNvPr id="19" name="TextBox 18"/>
           <p:cNvSpPr txBox="1"/>
           <p:nvPr/>
         </p:nvSpPr>
         <p:spPr>
           <a:xfrm>
-            <a:off x="1158840" y="3310325"/>
+            <a:off x="248815" y="546584"/>
+            <a:ext cx="7374995" cy="461665"/>
+          </a:xfrm>
+          <a:prstGeom prst="rect">
+            <a:avLst/>
+          </a:prstGeom>
+          <a:noFill/>
+        </p:spPr>
+        <p:txBody>
+          <a:bodyPr wrap="square" rtlCol="0">
+            <a:spAutoFit/>
+          </a:bodyPr>
+          <a:lstStyle/>
+          <a:p>
+            <a:r>
+              <a:rPr lang="en-US" sz="2400" b="1" dirty="0" smtClean="0">
+                <a:solidFill>
+                  <a:srgbClr val="EC5F77"/>
+                </a:solidFill>
+                <a:latin typeface="UTM Helve" panose="02040603050506020204" pitchFamily="18" charset="0"/>
+                <a:ea typeface="Roboto" pitchFamily="2" charset="0"/>
+              </a:rPr>
+              <a:t>2.1 Inputs - đầu vào</a:t>
+            </a:r>
+            <a:endParaRPr lang="en-US" sz="2400" b="1" dirty="0">
+              <a:solidFill>
+                <a:srgbClr val="EC5F77"/>
+              </a:solidFill>
+              <a:latin typeface="UTM Helve" panose="02040603050506020204" pitchFamily="18" charset="0"/>
+              <a:ea typeface="Roboto" pitchFamily="2" charset="0"/>
+            </a:endParaRPr>
+          </a:p>
+        </p:txBody>
+      </p:sp>
+      <p:sp>
+        <p:nvSpPr>
+          <p:cNvPr id="20" name="Rectangle 19"/>
+          <p:cNvSpPr/>
+          <p:nvPr/>
+        </p:nvSpPr>
+        <p:spPr>
+          <a:xfrm>
+            <a:off x="740348" y="3795517"/>
+            <a:ext cx="171494" cy="171494"/>
+          </a:xfrm>
+          <a:prstGeom prst="rect">
+            <a:avLst/>
+          </a:prstGeom>
+          <a:solidFill>
+            <a:srgbClr val="EC5F77"/>
+          </a:solidFill>
+          <a:ln>
+            <a:noFill/>
+          </a:ln>
+        </p:spPr>
+        <p:style>
+          <a:lnRef idx="2">
+            <a:schemeClr val="accent1">
+              <a:shade val="50000"/>
+            </a:schemeClr>
+          </a:lnRef>
+          <a:fillRef idx="1">
+            <a:schemeClr val="accent1"/>
+          </a:fillRef>
+          <a:effectRef idx="0">
+            <a:schemeClr val="accent1"/>
+          </a:effectRef>
+          <a:fontRef idx="minor">
+            <a:schemeClr val="lt1"/>
+          </a:fontRef>
+        </p:style>
+        <p:txBody>
+          <a:bodyPr rtlCol="0" anchor="ctr"/>
+          <a:lstStyle/>
+          <a:p>
+            <a:pPr algn="ctr"/>
+            <a:endParaRPr lang="en-US"/>
+          </a:p>
+        </p:txBody>
+      </p:sp>
+      <p:sp>
+        <p:nvSpPr>
+          <p:cNvPr id="21" name="TextBox 20"/>
+          <p:cNvSpPr txBox="1"/>
+          <p:nvPr/>
+        </p:nvSpPr>
+        <p:spPr>
+          <a:xfrm>
+            <a:off x="1049602" y="3657256"/>
             <a:ext cx="3199800" cy="1938992"/>
           </a:xfrm>
           <a:prstGeom prst="rect">
@@ -3002,24 +4145,16 @@
                 <a:latin typeface="Arial" panose="020B0604020202020204" pitchFamily="34" charset="0"/>
                 <a:cs typeface="Arial" panose="020B0604020202020204" pitchFamily="34" charset="0"/>
               </a:rPr>
-              <a:t>Bạn cũng có thể chèn vào giữa các blocks một block </a:t>
+              <a:t>Ví dụ: Khi nhấn nút A, bạn có thể cho micro:bit hiển thị ra LED hình trái tim.</a:t>
             </a:r>
-            <a:r>
-              <a:rPr lang="en-US" sz="2000" dirty="0" smtClean="0">
-                <a:solidFill>
-                  <a:srgbClr val="FF0000"/>
-                </a:solidFill>
-                <a:latin typeface="Arial" panose="020B0604020202020204" pitchFamily="34" charset="0"/>
-                <a:cs typeface="Arial" panose="020B0604020202020204" pitchFamily="34" charset="0"/>
-              </a:rPr>
-              <a:t>pause (ms) seconds</a:t>
-            </a:r>
+          </a:p>
+          <a:p>
             <a:r>
               <a:rPr lang="en-US" sz="2000" dirty="0" smtClean="0">
                 <a:latin typeface="Arial" panose="020B0604020202020204" pitchFamily="34" charset="0"/>
                 <a:cs typeface="Arial" panose="020B0604020202020204" pitchFamily="34" charset="0"/>
               </a:rPr>
-              <a:t> để tạo ra khoảng thời gian dừng trước khi chạy sang block tiếp theo</a:t>
+              <a:t>Hoặc khi lắc micro:bit thì hiển thị ra LED hình mặt cười.</a:t>
             </a:r>
             <a:endParaRPr lang="en-US" sz="2000" dirty="0">
               <a:latin typeface="Arial" panose="020B0604020202020204" pitchFamily="34" charset="0"/>
@@ -3028,87 +4163,6 @@
           </a:p>
         </p:txBody>
       </p:sp>
-      <p:pic>
-        <p:nvPicPr>
-          <p:cNvPr id="16" name="Google Shape;136;p3"/>
-          <p:cNvPicPr preferRelativeResize="0"/>
-          <p:nvPr/>
-        </p:nvPicPr>
-        <p:blipFill rotWithShape="1">
-          <a:blip r:embed="rId2">
-            <a:alphaModFix/>
-          </a:blip>
-          <a:srcRect/>
-          <a:stretch/>
-        </p:blipFill>
-        <p:spPr>
-          <a:xfrm>
-            <a:off x="5021869" y="1394495"/>
-            <a:ext cx="3441169" cy="2620911"/>
-          </a:xfrm>
-          <a:prstGeom prst="rect">
-            <a:avLst/>
-          </a:prstGeom>
-          <a:noFill/>
-          <a:ln>
-            <a:noFill/>
-          </a:ln>
-        </p:spPr>
-      </p:pic>
-      <p:pic>
-        <p:nvPicPr>
-          <p:cNvPr id="17" name="Google Shape;200;p11"/>
-          <p:cNvPicPr preferRelativeResize="0"/>
-          <p:nvPr/>
-        </p:nvPicPr>
-        <p:blipFill rotWithShape="1">
-          <a:blip r:embed="rId2">
-            <a:alphaModFix/>
-          </a:blip>
-          <a:srcRect l="4366" t="37916" r="77772" b="31726"/>
-          <a:stretch/>
-        </p:blipFill>
-        <p:spPr>
-          <a:xfrm>
-            <a:off x="5185302" y="4248131"/>
-            <a:ext cx="1444067" cy="1972992"/>
-          </a:xfrm>
-          <a:prstGeom prst="rect">
-            <a:avLst/>
-          </a:prstGeom>
-          <a:noFill/>
-          <a:ln>
-            <a:noFill/>
-          </a:ln>
-        </p:spPr>
-      </p:pic>
-      <p:pic>
-        <p:nvPicPr>
-          <p:cNvPr id="18" name="Google Shape;201;p11"/>
-          <p:cNvPicPr preferRelativeResize="0"/>
-          <p:nvPr/>
-        </p:nvPicPr>
-        <p:blipFill rotWithShape="1">
-          <a:blip r:embed="rId2">
-            <a:alphaModFix/>
-          </a:blip>
-          <a:srcRect l="77634" t="30674" r="5764" b="41529"/>
-          <a:stretch/>
-        </p:blipFill>
-        <p:spPr>
-          <a:xfrm>
-            <a:off x="6901776" y="4277510"/>
-            <a:ext cx="1444068" cy="1943613"/>
-          </a:xfrm>
-          <a:prstGeom prst="rect">
-            <a:avLst/>
-          </a:prstGeom>
-          <a:noFill/>
-          <a:ln>
-            <a:noFill/>
-          </a:ln>
-        </p:spPr>
-      </p:pic>
     </p:spTree>
     <p:extLst>
       <p:ext uri="{BB962C8B-B14F-4D97-AF65-F5344CB8AC3E}">
@@ -3165,7 +4219,46 @@
       </p:sp>
       <p:sp>
         <p:nvSpPr>
-          <p:cNvPr id="3" name="Rectangle 2"/>
+          <p:cNvPr id="6" name="AutoShape 2" descr="https://cdn.sanity.io/images/ajwvhvgo/production/1d5802331620511efe3b5de846ac15de85b508e3-383x313.gif?bg=fff&amp;w=1.3333333333333333&amp;h=0&amp;q=90&amp;fit=min&amp;auto=format"/>
+          <p:cNvSpPr>
+            <a:spLocks noChangeAspect="1" noChangeArrowheads="1"/>
+          </p:cNvSpPr>
+          <p:nvPr/>
+        </p:nvSpPr>
+        <p:spPr bwMode="auto">
+          <a:xfrm>
+            <a:off x="155575" y="-144463"/>
+            <a:ext cx="304800" cy="304801"/>
+          </a:xfrm>
+          <a:prstGeom prst="rect">
+            <a:avLst/>
+          </a:prstGeom>
+          <a:noFill/>
+          <a:extLst>
+            <a:ext uri="{909E8E84-426E-40DD-AFC4-6F175D3DCCD1}">
+              <a14:hiddenFill xmlns:a14="http://schemas.microsoft.com/office/drawing/2010/main">
+                <a:solidFill>
+                  <a:srgbClr val="FFFFFF"/>
+                </a:solidFill>
+              </a14:hiddenFill>
+            </a:ext>
+          </a:extLst>
+        </p:spPr>
+        <p:txBody>
+          <a:bodyPr vert="horz" wrap="square" lIns="91440" tIns="45720" rIns="91440" bIns="45720" numCol="1" anchor="t" anchorCtr="0" compatLnSpc="1">
+            <a:prstTxWarp prst="textNoShape">
+              <a:avLst/>
+            </a:prstTxWarp>
+          </a:bodyPr>
+          <a:lstStyle/>
+          <a:p>
+            <a:endParaRPr lang="en-US"/>
+          </a:p>
+        </p:txBody>
+      </p:sp>
+      <p:sp>
+        <p:nvSpPr>
+          <p:cNvPr id="15" name="Rectangle 14"/>
           <p:cNvSpPr/>
           <p:nvPr/>
         </p:nvSpPr>
@@ -3220,7 +4313,7 @@
       </p:sp>
       <p:sp>
         <p:nvSpPr>
-          <p:cNvPr id="4" name="TextBox 3"/>
+          <p:cNvPr id="19" name="TextBox 18"/>
           <p:cNvSpPr txBox="1"/>
           <p:nvPr/>
         </p:nvSpPr>
@@ -3248,70 +4341,845 @@
                 <a:latin typeface="UTM Helve" panose="02040603050506020204" pitchFamily="18" charset="0"/>
                 <a:ea typeface="Roboto" pitchFamily="2" charset="0"/>
               </a:rPr>
-              <a:t>1.4 Animations </a:t>
+              <a:t>2.1 Inputs - đầu vào</a:t>
             </a:r>
-            <a:r>
-              <a:rPr lang="en-US" sz="2400" b="1" dirty="0">
-                <a:solidFill>
-                  <a:srgbClr val="EC5F77"/>
-                </a:solidFill>
-                <a:latin typeface="UTM Helve" panose="02040603050506020204" pitchFamily="18" charset="0"/>
-                <a:ea typeface="Roboto" pitchFamily="2" charset="0"/>
-              </a:rPr>
-              <a:t>- Chuyển động </a:t>
-            </a:r>
-          </a:p>
-        </p:txBody>
-      </p:sp>
-      <p:sp>
-        <p:nvSpPr>
-          <p:cNvPr id="6" name="AutoShape 2" descr="https://cdn.sanity.io/images/ajwvhvgo/production/1d5802331620511efe3b5de846ac15de85b508e3-383x313.gif?bg=fff&amp;w=1.3333333333333333&amp;h=0&amp;q=90&amp;fit=min&amp;auto=format"/>
-          <p:cNvSpPr>
-            <a:spLocks noChangeAspect="1" noChangeArrowheads="1"/>
-          </p:cNvSpPr>
-          <p:nvPr/>
-        </p:nvSpPr>
-        <p:spPr bwMode="auto">
-          <a:xfrm>
-            <a:off x="155575" y="-144463"/>
-            <a:ext cx="304800" cy="304801"/>
+            <a:endParaRPr lang="en-US" sz="2400" b="1" dirty="0">
+              <a:solidFill>
+                <a:srgbClr val="EC5F77"/>
+              </a:solidFill>
+              <a:latin typeface="UTM Helve" panose="02040603050506020204" pitchFamily="18" charset="0"/>
+              <a:ea typeface="Roboto" pitchFamily="2" charset="0"/>
+            </a:endParaRPr>
+          </a:p>
+        </p:txBody>
+      </p:sp>
+      <p:graphicFrame>
+        <p:nvGraphicFramePr>
+          <p:cNvPr id="3" name="Table 2"/>
+          <p:cNvGraphicFramePr>
+            <a:graphicFrameLocks noGrp="1"/>
+          </p:cNvGraphicFramePr>
+          <p:nvPr>
+            <p:extLst>
+              <p:ext uri="{D42A27DB-BD31-4B8C-83A1-F6EECF244321}">
+                <p14:modId xmlns:p14="http://schemas.microsoft.com/office/powerpoint/2010/main" val="3289183952"/>
+              </p:ext>
+            </p:extLst>
+          </p:nvPr>
+        </p:nvGraphicFramePr>
+        <p:xfrm>
+          <a:off x="837840" y="1913837"/>
+          <a:ext cx="7508004" cy="4504506"/>
+        </p:xfrm>
+        <a:graphic>
+          <a:graphicData uri="http://schemas.openxmlformats.org/drawingml/2006/table">
+            <a:tbl>
+              <a:tblPr firstRow="1" bandRow="1">
+                <a:tableStyleId>{5C22544A-7EE6-4342-B048-85BDC9FD1C3A}</a:tableStyleId>
+              </a:tblPr>
+              <a:tblGrid>
+                <a:gridCol w="2210160">
+                  <a:extLst>
+                    <a:ext uri="{9D8B030D-6E8A-4147-A177-3AD203B41FA5}">
+                      <a16:colId xmlns:a16="http://schemas.microsoft.com/office/drawing/2014/main" val="3329859543"/>
+                    </a:ext>
+                  </a:extLst>
+                </a:gridCol>
+                <a:gridCol w="2438400">
+                  <a:extLst>
+                    <a:ext uri="{9D8B030D-6E8A-4147-A177-3AD203B41FA5}">
+                      <a16:colId xmlns:a16="http://schemas.microsoft.com/office/drawing/2014/main" val="4123360921"/>
+                    </a:ext>
+                  </a:extLst>
+                </a:gridCol>
+                <a:gridCol w="2859444">
+                  <a:extLst>
+                    <a:ext uri="{9D8B030D-6E8A-4147-A177-3AD203B41FA5}">
+                      <a16:colId xmlns:a16="http://schemas.microsoft.com/office/drawing/2014/main" val="30481143"/>
+                    </a:ext>
+                  </a:extLst>
+                </a:gridCol>
+              </a:tblGrid>
+              <a:tr h="1304106">
+                <a:tc>
+                  <a:txBody>
+                    <a:bodyPr/>
+                    <a:lstStyle/>
+                    <a:p>
+                      <a:endParaRPr lang="en-US" dirty="0"/>
+                    </a:p>
+                  </a:txBody>
+                  <a:tcPr>
+                    <a:lnL w="12700" cap="flat" cmpd="sng" algn="ctr">
+                      <a:solidFill>
+                        <a:schemeClr val="tx1"/>
+                      </a:solidFill>
+                      <a:prstDash val="solid"/>
+                      <a:round/>
+                      <a:headEnd type="none" w="med" len="med"/>
+                      <a:tailEnd type="none" w="med" len="med"/>
+                    </a:lnL>
+                    <a:lnR w="12700" cap="flat" cmpd="sng" algn="ctr">
+                      <a:solidFill>
+                        <a:schemeClr val="tx1"/>
+                      </a:solidFill>
+                      <a:prstDash val="solid"/>
+                      <a:round/>
+                      <a:headEnd type="none" w="med" len="med"/>
+                      <a:tailEnd type="none" w="med" len="med"/>
+                    </a:lnR>
+                    <a:lnT w="12700" cap="flat" cmpd="sng" algn="ctr">
+                      <a:solidFill>
+                        <a:schemeClr val="tx1"/>
+                      </a:solidFill>
+                      <a:prstDash val="solid"/>
+                      <a:round/>
+                      <a:headEnd type="none" w="med" len="med"/>
+                      <a:tailEnd type="none" w="med" len="med"/>
+                    </a:lnT>
+                    <a:lnB w="12700" cap="flat" cmpd="sng" algn="ctr">
+                      <a:solidFill>
+                        <a:schemeClr val="tx1"/>
+                      </a:solidFill>
+                      <a:prstDash val="solid"/>
+                      <a:round/>
+                      <a:headEnd type="none" w="med" len="med"/>
+                      <a:tailEnd type="none" w="med" len="med"/>
+                    </a:lnB>
+                    <a:solidFill>
+                      <a:schemeClr val="bg1"/>
+                    </a:solidFill>
+                  </a:tcPr>
+                </a:tc>
+                <a:tc>
+                  <a:txBody>
+                    <a:bodyPr/>
+                    <a:lstStyle/>
+                    <a:p>
+                      <a:r>
+                        <a:rPr lang="en-US" b="0" dirty="0" smtClean="0">
+                          <a:solidFill>
+                            <a:schemeClr val="tx1"/>
+                          </a:solidFill>
+                        </a:rPr>
+                        <a:t>Nhấn</a:t>
+                      </a:r>
+                      <a:r>
+                        <a:rPr lang="en-US" b="0" baseline="0" dirty="0" smtClean="0">
+                          <a:solidFill>
+                            <a:schemeClr val="tx1"/>
+                          </a:solidFill>
+                        </a:rPr>
+                        <a:t> nút A thì trong MakeCode bạn có thể bặt được sự kiện đó với block như cột bên</a:t>
+                      </a:r>
+                      <a:endParaRPr lang="en-US" b="0" dirty="0">
+                        <a:solidFill>
+                          <a:schemeClr val="tx1"/>
+                        </a:solidFill>
+                      </a:endParaRPr>
+                    </a:p>
+                  </a:txBody>
+                  <a:tcPr>
+                    <a:lnL w="12700" cap="flat" cmpd="sng" algn="ctr">
+                      <a:solidFill>
+                        <a:schemeClr val="tx1"/>
+                      </a:solidFill>
+                      <a:prstDash val="solid"/>
+                      <a:round/>
+                      <a:headEnd type="none" w="med" len="med"/>
+                      <a:tailEnd type="none" w="med" len="med"/>
+                    </a:lnL>
+                    <a:lnR w="12700" cap="flat" cmpd="sng" algn="ctr">
+                      <a:solidFill>
+                        <a:schemeClr val="tx1"/>
+                      </a:solidFill>
+                      <a:prstDash val="solid"/>
+                      <a:round/>
+                      <a:headEnd type="none" w="med" len="med"/>
+                      <a:tailEnd type="none" w="med" len="med"/>
+                    </a:lnR>
+                    <a:lnT w="12700" cap="flat" cmpd="sng" algn="ctr">
+                      <a:solidFill>
+                        <a:schemeClr val="tx1"/>
+                      </a:solidFill>
+                      <a:prstDash val="solid"/>
+                      <a:round/>
+                      <a:headEnd type="none" w="med" len="med"/>
+                      <a:tailEnd type="none" w="med" len="med"/>
+                    </a:lnT>
+                    <a:lnB w="12700" cap="flat" cmpd="sng" algn="ctr">
+                      <a:solidFill>
+                        <a:schemeClr val="tx1"/>
+                      </a:solidFill>
+                      <a:prstDash val="solid"/>
+                      <a:round/>
+                      <a:headEnd type="none" w="med" len="med"/>
+                      <a:tailEnd type="none" w="med" len="med"/>
+                    </a:lnB>
+                    <a:solidFill>
+                      <a:schemeClr val="bg1"/>
+                    </a:solidFill>
+                  </a:tcPr>
+                </a:tc>
+                <a:tc>
+                  <a:txBody>
+                    <a:bodyPr/>
+                    <a:lstStyle/>
+                    <a:p>
+                      <a:endParaRPr lang="en-US" dirty="0"/>
+                    </a:p>
+                  </a:txBody>
+                  <a:tcPr>
+                    <a:lnL w="12700" cap="flat" cmpd="sng" algn="ctr">
+                      <a:solidFill>
+                        <a:schemeClr val="tx1"/>
+                      </a:solidFill>
+                      <a:prstDash val="solid"/>
+                      <a:round/>
+                      <a:headEnd type="none" w="med" len="med"/>
+                      <a:tailEnd type="none" w="med" len="med"/>
+                    </a:lnL>
+                    <a:lnR w="12700" cap="flat" cmpd="sng" algn="ctr">
+                      <a:solidFill>
+                        <a:schemeClr val="tx1"/>
+                      </a:solidFill>
+                      <a:prstDash val="solid"/>
+                      <a:round/>
+                      <a:headEnd type="none" w="med" len="med"/>
+                      <a:tailEnd type="none" w="med" len="med"/>
+                    </a:lnR>
+                    <a:lnT w="12700" cap="flat" cmpd="sng" algn="ctr">
+                      <a:solidFill>
+                        <a:schemeClr val="tx1"/>
+                      </a:solidFill>
+                      <a:prstDash val="solid"/>
+                      <a:round/>
+                      <a:headEnd type="none" w="med" len="med"/>
+                      <a:tailEnd type="none" w="med" len="med"/>
+                    </a:lnT>
+                    <a:lnB w="12700" cap="flat" cmpd="sng" algn="ctr">
+                      <a:solidFill>
+                        <a:schemeClr val="tx1"/>
+                      </a:solidFill>
+                      <a:prstDash val="solid"/>
+                      <a:round/>
+                      <a:headEnd type="none" w="med" len="med"/>
+                      <a:tailEnd type="none" w="med" len="med"/>
+                    </a:lnB>
+                    <a:solidFill>
+                      <a:schemeClr val="bg1"/>
+                    </a:solidFill>
+                  </a:tcPr>
+                </a:tc>
+                <a:extLst>
+                  <a:ext uri="{0D108BD9-81ED-4DB2-BD59-A6C34878D82A}">
+                    <a16:rowId xmlns:a16="http://schemas.microsoft.com/office/drawing/2014/main" val="3164012550"/>
+                  </a:ext>
+                </a:extLst>
+              </a:tr>
+              <a:tr h="1394439">
+                <a:tc>
+                  <a:txBody>
+                    <a:bodyPr/>
+                    <a:lstStyle/>
+                    <a:p>
+                      <a:endParaRPr lang="en-US" dirty="0"/>
+                    </a:p>
+                  </a:txBody>
+                  <a:tcPr>
+                    <a:lnL w="12700" cap="flat" cmpd="sng" algn="ctr">
+                      <a:solidFill>
+                        <a:schemeClr val="tx1"/>
+                      </a:solidFill>
+                      <a:prstDash val="solid"/>
+                      <a:round/>
+                      <a:headEnd type="none" w="med" len="med"/>
+                      <a:tailEnd type="none" w="med" len="med"/>
+                    </a:lnL>
+                    <a:lnR w="12700" cap="flat" cmpd="sng" algn="ctr">
+                      <a:solidFill>
+                        <a:schemeClr val="tx1"/>
+                      </a:solidFill>
+                      <a:prstDash val="solid"/>
+                      <a:round/>
+                      <a:headEnd type="none" w="med" len="med"/>
+                      <a:tailEnd type="none" w="med" len="med"/>
+                    </a:lnR>
+                    <a:lnT w="12700" cap="flat" cmpd="sng" algn="ctr">
+                      <a:solidFill>
+                        <a:schemeClr val="tx1"/>
+                      </a:solidFill>
+                      <a:prstDash val="solid"/>
+                      <a:round/>
+                      <a:headEnd type="none" w="med" len="med"/>
+                      <a:tailEnd type="none" w="med" len="med"/>
+                    </a:lnT>
+                    <a:lnB w="12700" cap="flat" cmpd="sng" algn="ctr">
+                      <a:solidFill>
+                        <a:schemeClr val="tx1"/>
+                      </a:solidFill>
+                      <a:prstDash val="solid"/>
+                      <a:round/>
+                      <a:headEnd type="none" w="med" len="med"/>
+                      <a:tailEnd type="none" w="med" len="med"/>
+                    </a:lnB>
+                    <a:solidFill>
+                      <a:schemeClr val="bg1"/>
+                    </a:solidFill>
+                  </a:tcPr>
+                </a:tc>
+                <a:tc>
+                  <a:txBody>
+                    <a:bodyPr/>
+                    <a:lstStyle/>
+                    <a:p>
+                      <a:pPr marL="0" marR="0" indent="0" algn="l" defTabSz="914400" rtl="0" eaLnBrk="1" fontAlgn="auto" latinLnBrk="0" hangingPunct="1">
+                        <a:lnSpc>
+                          <a:spcPct val="100000"/>
+                        </a:lnSpc>
+                        <a:spcBef>
+                          <a:spcPts val="0"/>
+                        </a:spcBef>
+                        <a:spcAft>
+                          <a:spcPts val="0"/>
+                        </a:spcAft>
+                        <a:buClrTx/>
+                        <a:buSzTx/>
+                        <a:buFontTx/>
+                        <a:buNone/>
+                        <a:tabLst/>
+                        <a:defRPr/>
+                      </a:pPr>
+                      <a:r>
+                        <a:rPr lang="en-US" b="0" dirty="0" smtClean="0">
+                          <a:solidFill>
+                            <a:schemeClr val="tx1"/>
+                          </a:solidFill>
+                        </a:rPr>
+                        <a:t>Nhấn</a:t>
+                      </a:r>
+                      <a:r>
+                        <a:rPr lang="en-US" b="0" baseline="0" dirty="0" smtClean="0">
+                          <a:solidFill>
+                            <a:schemeClr val="tx1"/>
+                          </a:solidFill>
+                        </a:rPr>
+                        <a:t> nút B thì trong MakeCode bạn có thể bặt được sự kiện đó với block như cột bên</a:t>
+                      </a:r>
+                      <a:endParaRPr lang="en-US" b="0" dirty="0" smtClean="0">
+                        <a:solidFill>
+                          <a:schemeClr val="tx1"/>
+                        </a:solidFill>
+                      </a:endParaRPr>
+                    </a:p>
+                    <a:p>
+                      <a:endParaRPr lang="en-US" dirty="0"/>
+                    </a:p>
+                  </a:txBody>
+                  <a:tcPr>
+                    <a:lnL w="12700" cap="flat" cmpd="sng" algn="ctr">
+                      <a:solidFill>
+                        <a:schemeClr val="tx1"/>
+                      </a:solidFill>
+                      <a:prstDash val="solid"/>
+                      <a:round/>
+                      <a:headEnd type="none" w="med" len="med"/>
+                      <a:tailEnd type="none" w="med" len="med"/>
+                    </a:lnL>
+                    <a:lnR w="12700" cap="flat" cmpd="sng" algn="ctr">
+                      <a:solidFill>
+                        <a:schemeClr val="tx1"/>
+                      </a:solidFill>
+                      <a:prstDash val="solid"/>
+                      <a:round/>
+                      <a:headEnd type="none" w="med" len="med"/>
+                      <a:tailEnd type="none" w="med" len="med"/>
+                    </a:lnR>
+                    <a:lnT w="12700" cap="flat" cmpd="sng" algn="ctr">
+                      <a:solidFill>
+                        <a:schemeClr val="tx1"/>
+                      </a:solidFill>
+                      <a:prstDash val="solid"/>
+                      <a:round/>
+                      <a:headEnd type="none" w="med" len="med"/>
+                      <a:tailEnd type="none" w="med" len="med"/>
+                    </a:lnT>
+                    <a:lnB w="12700" cap="flat" cmpd="sng" algn="ctr">
+                      <a:solidFill>
+                        <a:schemeClr val="tx1"/>
+                      </a:solidFill>
+                      <a:prstDash val="solid"/>
+                      <a:round/>
+                      <a:headEnd type="none" w="med" len="med"/>
+                      <a:tailEnd type="none" w="med" len="med"/>
+                    </a:lnB>
+                    <a:solidFill>
+                      <a:schemeClr val="bg1"/>
+                    </a:solidFill>
+                  </a:tcPr>
+                </a:tc>
+                <a:tc>
+                  <a:txBody>
+                    <a:bodyPr/>
+                    <a:lstStyle/>
+                    <a:p>
+                      <a:endParaRPr lang="en-US" dirty="0"/>
+                    </a:p>
+                  </a:txBody>
+                  <a:tcPr>
+                    <a:lnL w="12700" cap="flat" cmpd="sng" algn="ctr">
+                      <a:solidFill>
+                        <a:schemeClr val="tx1"/>
+                      </a:solidFill>
+                      <a:prstDash val="solid"/>
+                      <a:round/>
+                      <a:headEnd type="none" w="med" len="med"/>
+                      <a:tailEnd type="none" w="med" len="med"/>
+                    </a:lnL>
+                    <a:lnR w="12700" cap="flat" cmpd="sng" algn="ctr">
+                      <a:solidFill>
+                        <a:schemeClr val="tx1"/>
+                      </a:solidFill>
+                      <a:prstDash val="solid"/>
+                      <a:round/>
+                      <a:headEnd type="none" w="med" len="med"/>
+                      <a:tailEnd type="none" w="med" len="med"/>
+                    </a:lnR>
+                    <a:lnT w="12700" cap="flat" cmpd="sng" algn="ctr">
+                      <a:solidFill>
+                        <a:schemeClr val="tx1"/>
+                      </a:solidFill>
+                      <a:prstDash val="solid"/>
+                      <a:round/>
+                      <a:headEnd type="none" w="med" len="med"/>
+                      <a:tailEnd type="none" w="med" len="med"/>
+                    </a:lnT>
+                    <a:lnB w="12700" cap="flat" cmpd="sng" algn="ctr">
+                      <a:solidFill>
+                        <a:schemeClr val="tx1"/>
+                      </a:solidFill>
+                      <a:prstDash val="solid"/>
+                      <a:round/>
+                      <a:headEnd type="none" w="med" len="med"/>
+                      <a:tailEnd type="none" w="med" len="med"/>
+                    </a:lnB>
+                    <a:solidFill>
+                      <a:schemeClr val="bg1"/>
+                    </a:solidFill>
+                  </a:tcPr>
+                </a:tc>
+                <a:extLst>
+                  <a:ext uri="{0D108BD9-81ED-4DB2-BD59-A6C34878D82A}">
+                    <a16:rowId xmlns:a16="http://schemas.microsoft.com/office/drawing/2014/main" val="756618085"/>
+                  </a:ext>
+                </a:extLst>
+              </a:tr>
+              <a:tr h="1655896">
+                <a:tc>
+                  <a:txBody>
+                    <a:bodyPr/>
+                    <a:lstStyle/>
+                    <a:p>
+                      <a:endParaRPr lang="en-US"/>
+                    </a:p>
+                  </a:txBody>
+                  <a:tcPr>
+                    <a:lnL w="12700" cap="flat" cmpd="sng" algn="ctr">
+                      <a:solidFill>
+                        <a:schemeClr val="tx1"/>
+                      </a:solidFill>
+                      <a:prstDash val="solid"/>
+                      <a:round/>
+                      <a:headEnd type="none" w="med" len="med"/>
+                      <a:tailEnd type="none" w="med" len="med"/>
+                    </a:lnL>
+                    <a:lnR w="12700" cap="flat" cmpd="sng" algn="ctr">
+                      <a:solidFill>
+                        <a:schemeClr val="tx1"/>
+                      </a:solidFill>
+                      <a:prstDash val="solid"/>
+                      <a:round/>
+                      <a:headEnd type="none" w="med" len="med"/>
+                      <a:tailEnd type="none" w="med" len="med"/>
+                    </a:lnR>
+                    <a:lnT w="12700" cap="flat" cmpd="sng" algn="ctr">
+                      <a:solidFill>
+                        <a:schemeClr val="tx1"/>
+                      </a:solidFill>
+                      <a:prstDash val="solid"/>
+                      <a:round/>
+                      <a:headEnd type="none" w="med" len="med"/>
+                      <a:tailEnd type="none" w="med" len="med"/>
+                    </a:lnT>
+                    <a:lnB w="12700" cap="flat" cmpd="sng" algn="ctr">
+                      <a:solidFill>
+                        <a:schemeClr val="tx1"/>
+                      </a:solidFill>
+                      <a:prstDash val="solid"/>
+                      <a:round/>
+                      <a:headEnd type="none" w="med" len="med"/>
+                      <a:tailEnd type="none" w="med" len="med"/>
+                    </a:lnB>
+                    <a:solidFill>
+                      <a:schemeClr val="bg1"/>
+                    </a:solidFill>
+                  </a:tcPr>
+                </a:tc>
+                <a:tc>
+                  <a:txBody>
+                    <a:bodyPr/>
+                    <a:lstStyle/>
+                    <a:p>
+                      <a:pPr marL="0" marR="0" indent="0" algn="l" defTabSz="914400" rtl="0" eaLnBrk="1" fontAlgn="auto" latinLnBrk="0" hangingPunct="1">
+                        <a:lnSpc>
+                          <a:spcPct val="100000"/>
+                        </a:lnSpc>
+                        <a:spcBef>
+                          <a:spcPts val="0"/>
+                        </a:spcBef>
+                        <a:spcAft>
+                          <a:spcPts val="0"/>
+                        </a:spcAft>
+                        <a:buClrTx/>
+                        <a:buSzTx/>
+                        <a:buFontTx/>
+                        <a:buNone/>
+                        <a:tabLst/>
+                        <a:defRPr/>
+                      </a:pPr>
+                      <a:r>
+                        <a:rPr lang="en-US" b="0" dirty="0" smtClean="0">
+                          <a:solidFill>
+                            <a:schemeClr val="tx1"/>
+                          </a:solidFill>
+                        </a:rPr>
+                        <a:t>Nhấn</a:t>
+                      </a:r>
+                      <a:r>
+                        <a:rPr lang="en-US" b="0" baseline="0" dirty="0" smtClean="0">
+                          <a:solidFill>
+                            <a:schemeClr val="tx1"/>
+                          </a:solidFill>
+                        </a:rPr>
+                        <a:t> cả nút A và B  thì trong MakeCode bạn có thể bặt được sự kiện đó với block như cột bên</a:t>
+                      </a:r>
+                      <a:endParaRPr lang="en-US" b="0" dirty="0" smtClean="0">
+                        <a:solidFill>
+                          <a:schemeClr val="tx1"/>
+                        </a:solidFill>
+                      </a:endParaRPr>
+                    </a:p>
+                    <a:p>
+                      <a:endParaRPr lang="en-US" dirty="0"/>
+                    </a:p>
+                  </a:txBody>
+                  <a:tcPr>
+                    <a:lnL w="12700" cap="flat" cmpd="sng" algn="ctr">
+                      <a:solidFill>
+                        <a:schemeClr val="tx1"/>
+                      </a:solidFill>
+                      <a:prstDash val="solid"/>
+                      <a:round/>
+                      <a:headEnd type="none" w="med" len="med"/>
+                      <a:tailEnd type="none" w="med" len="med"/>
+                    </a:lnL>
+                    <a:lnR w="12700" cap="flat" cmpd="sng" algn="ctr">
+                      <a:solidFill>
+                        <a:schemeClr val="tx1"/>
+                      </a:solidFill>
+                      <a:prstDash val="solid"/>
+                      <a:round/>
+                      <a:headEnd type="none" w="med" len="med"/>
+                      <a:tailEnd type="none" w="med" len="med"/>
+                    </a:lnR>
+                    <a:lnT w="12700" cap="flat" cmpd="sng" algn="ctr">
+                      <a:solidFill>
+                        <a:schemeClr val="tx1"/>
+                      </a:solidFill>
+                      <a:prstDash val="solid"/>
+                      <a:round/>
+                      <a:headEnd type="none" w="med" len="med"/>
+                      <a:tailEnd type="none" w="med" len="med"/>
+                    </a:lnT>
+                    <a:lnB w="12700" cap="flat" cmpd="sng" algn="ctr">
+                      <a:solidFill>
+                        <a:schemeClr val="tx1"/>
+                      </a:solidFill>
+                      <a:prstDash val="solid"/>
+                      <a:round/>
+                      <a:headEnd type="none" w="med" len="med"/>
+                      <a:tailEnd type="none" w="med" len="med"/>
+                    </a:lnB>
+                    <a:solidFill>
+                      <a:schemeClr val="bg1"/>
+                    </a:solidFill>
+                  </a:tcPr>
+                </a:tc>
+                <a:tc>
+                  <a:txBody>
+                    <a:bodyPr/>
+                    <a:lstStyle/>
+                    <a:p>
+                      <a:endParaRPr lang="en-US" dirty="0"/>
+                    </a:p>
+                  </a:txBody>
+                  <a:tcPr>
+                    <a:lnL w="12700" cap="flat" cmpd="sng" algn="ctr">
+                      <a:solidFill>
+                        <a:schemeClr val="tx1"/>
+                      </a:solidFill>
+                      <a:prstDash val="solid"/>
+                      <a:round/>
+                      <a:headEnd type="none" w="med" len="med"/>
+                      <a:tailEnd type="none" w="med" len="med"/>
+                    </a:lnL>
+                    <a:lnR w="12700" cap="flat" cmpd="sng" algn="ctr">
+                      <a:solidFill>
+                        <a:schemeClr val="tx1"/>
+                      </a:solidFill>
+                      <a:prstDash val="solid"/>
+                      <a:round/>
+                      <a:headEnd type="none" w="med" len="med"/>
+                      <a:tailEnd type="none" w="med" len="med"/>
+                    </a:lnR>
+                    <a:lnT w="12700" cap="flat" cmpd="sng" algn="ctr">
+                      <a:solidFill>
+                        <a:schemeClr val="tx1"/>
+                      </a:solidFill>
+                      <a:prstDash val="solid"/>
+                      <a:round/>
+                      <a:headEnd type="none" w="med" len="med"/>
+                      <a:tailEnd type="none" w="med" len="med"/>
+                    </a:lnT>
+                    <a:lnB w="12700" cap="flat" cmpd="sng" algn="ctr">
+                      <a:solidFill>
+                        <a:schemeClr val="tx1"/>
+                      </a:solidFill>
+                      <a:prstDash val="solid"/>
+                      <a:round/>
+                      <a:headEnd type="none" w="med" len="med"/>
+                      <a:tailEnd type="none" w="med" len="med"/>
+                    </a:lnB>
+                    <a:solidFill>
+                      <a:schemeClr val="bg1"/>
+                    </a:solidFill>
+                  </a:tcPr>
+                </a:tc>
+                <a:extLst>
+                  <a:ext uri="{0D108BD9-81ED-4DB2-BD59-A6C34878D82A}">
+                    <a16:rowId xmlns:a16="http://schemas.microsoft.com/office/drawing/2014/main" val="36493384"/>
+                  </a:ext>
+                </a:extLst>
+              </a:tr>
+            </a:tbl>
+          </a:graphicData>
+        </a:graphic>
+      </p:graphicFrame>
+      <p:pic>
+        <p:nvPicPr>
+          <p:cNvPr id="17" name="Google Shape;200;p11"/>
+          <p:cNvPicPr preferRelativeResize="0"/>
+          <p:nvPr/>
+        </p:nvPicPr>
+        <p:blipFill rotWithShape="1">
+          <a:blip r:embed="rId2">
+            <a:alphaModFix/>
+          </a:blip>
+          <a:srcRect l="4366" t="37916" r="77772" b="31726"/>
+          <a:stretch/>
+        </p:blipFill>
+        <p:spPr>
+          <a:xfrm>
+            <a:off x="1421685" y="2201600"/>
+            <a:ext cx="573260" cy="783231"/>
           </a:xfrm>
           <a:prstGeom prst="rect">
             <a:avLst/>
           </a:prstGeom>
           <a:noFill/>
-          <a:extLst>
-            <a:ext uri="{909E8E84-426E-40DD-AFC4-6F175D3DCCD1}">
-              <a14:hiddenFill xmlns:a14="http://schemas.microsoft.com/office/drawing/2010/main">
-                <a:solidFill>
-                  <a:srgbClr val="FFFFFF"/>
-                </a:solidFill>
-              </a14:hiddenFill>
-            </a:ext>
-          </a:extLst>
-        </p:spPr>
-        <p:txBody>
-          <a:bodyPr vert="horz" wrap="square" lIns="91440" tIns="45720" rIns="91440" bIns="45720" numCol="1" anchor="t" anchorCtr="0" compatLnSpc="1">
-            <a:prstTxWarp prst="textNoShape">
-              <a:avLst/>
-            </a:prstTxWarp>
-          </a:bodyPr>
-          <a:lstStyle/>
-          <a:p>
-            <a:endParaRPr lang="en-US"/>
-          </a:p>
-        </p:txBody>
-      </p:sp>
-      <p:sp>
-        <p:nvSpPr>
-          <p:cNvPr id="8" name="TextBox 7"/>
+          <a:ln>
+            <a:noFill/>
+          </a:ln>
+        </p:spPr>
+      </p:pic>
+      <p:pic>
+        <p:nvPicPr>
+          <p:cNvPr id="18" name="Google Shape;201;p11"/>
+          <p:cNvPicPr preferRelativeResize="0"/>
+          <p:nvPr/>
+        </p:nvPicPr>
+        <p:blipFill rotWithShape="1">
+          <a:blip r:embed="rId2">
+            <a:alphaModFix/>
+          </a:blip>
+          <a:srcRect l="77634" t="30674" r="5764" b="41529"/>
+          <a:stretch/>
+        </p:blipFill>
+        <p:spPr>
+          <a:xfrm>
+            <a:off x="1421685" y="3571210"/>
+            <a:ext cx="573261" cy="771568"/>
+          </a:xfrm>
+          <a:prstGeom prst="rect">
+            <a:avLst/>
+          </a:prstGeom>
+          <a:noFill/>
+          <a:ln>
+            <a:noFill/>
+          </a:ln>
+        </p:spPr>
+      </p:pic>
+      <p:pic>
+        <p:nvPicPr>
+          <p:cNvPr id="22" name="Google Shape;200;p11"/>
+          <p:cNvPicPr preferRelativeResize="0"/>
+          <p:nvPr/>
+        </p:nvPicPr>
+        <p:blipFill rotWithShape="1">
+          <a:blip r:embed="rId2">
+            <a:alphaModFix/>
+          </a:blip>
+          <a:srcRect l="4366" t="37916" r="77772" b="31726"/>
+          <a:stretch/>
+        </p:blipFill>
+        <p:spPr>
+          <a:xfrm>
+            <a:off x="1421685" y="5109590"/>
+            <a:ext cx="573260" cy="783231"/>
+          </a:xfrm>
+          <a:prstGeom prst="rect">
+            <a:avLst/>
+          </a:prstGeom>
+          <a:noFill/>
+          <a:ln>
+            <a:noFill/>
+          </a:ln>
+        </p:spPr>
+      </p:pic>
+      <p:pic>
+        <p:nvPicPr>
+          <p:cNvPr id="23" name="Google Shape;201;p11"/>
+          <p:cNvPicPr preferRelativeResize="0"/>
+          <p:nvPr/>
+        </p:nvPicPr>
+        <p:blipFill rotWithShape="1">
+          <a:blip r:embed="rId2">
+            <a:alphaModFix/>
+          </a:blip>
+          <a:srcRect l="77634" t="30674" r="5764" b="41529"/>
+          <a:stretch/>
+        </p:blipFill>
+        <p:spPr>
+          <a:xfrm>
+            <a:off x="2142636" y="5121253"/>
+            <a:ext cx="573261" cy="771568"/>
+          </a:xfrm>
+          <a:prstGeom prst="rect">
+            <a:avLst/>
+          </a:prstGeom>
+          <a:noFill/>
+          <a:ln>
+            <a:noFill/>
+          </a:ln>
+        </p:spPr>
+      </p:pic>
+      <p:pic>
+        <p:nvPicPr>
+          <p:cNvPr id="24" name="Picture 23" descr="Text&#10;&#10;Description automatically generated with medium confidence">
+            <a:extLst>
+              <a:ext uri="{FF2B5EF4-FFF2-40B4-BE49-F238E27FC236}">
+                <a16:creationId xmlns:a16="http://schemas.microsoft.com/office/drawing/2014/main" id="{54DF792A-2DB1-5D4F-BBF0-63F3893B5060}"/>
+              </a:ext>
+            </a:extLst>
+          </p:cNvPr>
+          <p:cNvPicPr>
+            <a:picLocks noChangeAspect="1"/>
+          </p:cNvPicPr>
+          <p:nvPr/>
+        </p:nvPicPr>
+        <p:blipFill rotWithShape="1">
+          <a:blip r:embed="rId3"/>
+          <a:srcRect r="49966"/>
+          <a:stretch/>
+        </p:blipFill>
+        <p:spPr>
+          <a:xfrm>
+            <a:off x="5870485" y="1999671"/>
+            <a:ext cx="2049009" cy="1075434"/>
+          </a:xfrm>
+          <a:prstGeom prst="rect">
+            <a:avLst/>
+          </a:prstGeom>
+        </p:spPr>
+      </p:pic>
+      <p:pic>
+        <p:nvPicPr>
+          <p:cNvPr id="25" name="Picture 24" descr="Text&#10;&#10;Description automatically generated with medium confidence">
+            <a:extLst>
+              <a:ext uri="{FF2B5EF4-FFF2-40B4-BE49-F238E27FC236}">
+                <a16:creationId xmlns:a16="http://schemas.microsoft.com/office/drawing/2014/main" id="{54DF792A-2DB1-5D4F-BBF0-63F3893B5060}"/>
+              </a:ext>
+            </a:extLst>
+          </p:cNvPr>
+          <p:cNvPicPr>
+            <a:picLocks noChangeAspect="1"/>
+          </p:cNvPicPr>
+          <p:nvPr/>
+        </p:nvPicPr>
+        <p:blipFill rotWithShape="1">
+          <a:blip r:embed="rId3"/>
+          <a:srcRect l="49584"/>
+          <a:stretch/>
+        </p:blipFill>
+        <p:spPr>
+          <a:xfrm>
+            <a:off x="5854822" y="3420771"/>
+            <a:ext cx="2064672" cy="1075434"/>
+          </a:xfrm>
+          <a:prstGeom prst="rect">
+            <a:avLst/>
+          </a:prstGeom>
+        </p:spPr>
+      </p:pic>
+      <p:pic>
+        <p:nvPicPr>
+          <p:cNvPr id="26" name="Picture 25" descr="A picture containing text&#10;&#10;Description automatically generated">
+            <a:extLst>
+              <a:ext uri="{FF2B5EF4-FFF2-40B4-BE49-F238E27FC236}">
+                <a16:creationId xmlns:a16="http://schemas.microsoft.com/office/drawing/2014/main" id="{B70C5C97-E444-844E-82E0-A8ADF84841A2}"/>
+              </a:ext>
+            </a:extLst>
+          </p:cNvPr>
+          <p:cNvPicPr>
+            <a:picLocks noChangeAspect="1"/>
+          </p:cNvPicPr>
+          <p:nvPr/>
+        </p:nvPicPr>
+        <p:blipFill rotWithShape="1">
+          <a:blip r:embed="rId4"/>
+          <a:srcRect r="40951"/>
+          <a:stretch/>
+        </p:blipFill>
+        <p:spPr>
+          <a:xfrm>
+            <a:off x="5820559" y="4971797"/>
+            <a:ext cx="2269135" cy="1058815"/>
+          </a:xfrm>
+          <a:prstGeom prst="rect">
+            <a:avLst/>
+          </a:prstGeom>
+        </p:spPr>
+      </p:pic>
+      <p:sp>
+        <p:nvSpPr>
+          <p:cNvPr id="27" name="TextBox 26"/>
           <p:cNvSpPr txBox="1"/>
           <p:nvPr/>
         </p:nvSpPr>
         <p:spPr>
           <a:xfrm>
-            <a:off x="1463641" y="1364739"/>
-            <a:ext cx="2845470" cy="461665"/>
+            <a:off x="1463640" y="1245471"/>
+            <a:ext cx="6882203" cy="461665"/>
           </a:xfrm>
           <a:prstGeom prst="rect">
             <a:avLst/>
@@ -3335,7 +5203,7 @@
                 <a:latin typeface="UTM Helve" panose="02040603050506020204" pitchFamily="18" charset="0"/>
                 <a:ea typeface="Roboto" pitchFamily="2" charset="0"/>
               </a:rPr>
-              <a:t>Phép thuật</a:t>
+              <a:t>Mối tương quan Inputs và Blocks</a:t>
             </a:r>
             <a:endParaRPr lang="en-US" sz="2400" b="1" dirty="0">
               <a:solidFill>
@@ -3352,14 +5220,14 @@
       </p:sp>
       <p:pic>
         <p:nvPicPr>
-          <p:cNvPr id="9" name="Picture 8"/>
+          <p:cNvPr id="28" name="Picture 27"/>
           <p:cNvPicPr>
             <a:picLocks noChangeAspect="1"/>
           </p:cNvPicPr>
           <p:nvPr/>
         </p:nvPicPr>
         <p:blipFill>
-          <a:blip r:embed="rId2">
+          <a:blip r:embed="rId5">
             <a:extLst>
               <a:ext uri="{28A0092B-C50C-407E-A947-70E740481C1C}">
                 <a14:useLocalDpi xmlns:a14="http://schemas.microsoft.com/office/drawing/2010/main" val="0"/>
@@ -3372,7 +5240,7 @@
         </p:blipFill>
         <p:spPr>
           <a:xfrm>
-            <a:off x="907388" y="1437696"/>
+            <a:off x="907388" y="1318428"/>
             <a:ext cx="466725" cy="409575"/>
           </a:xfrm>
           <a:prstGeom prst="rect">
@@ -3380,97 +5248,10 @@
           </a:prstGeom>
         </p:spPr>
       </p:pic>
-      <p:pic>
-        <p:nvPicPr>
-          <p:cNvPr id="19" name="Google Shape;168;g1120406a16f_0_0"/>
-          <p:cNvPicPr preferRelativeResize="0"/>
-          <p:nvPr/>
-        </p:nvPicPr>
-        <p:blipFill>
-          <a:blip r:embed="rId3">
-            <a:alphaModFix/>
-          </a:blip>
-          <a:stretch>
-            <a:fillRect/>
-          </a:stretch>
-        </p:blipFill>
-        <p:spPr>
-          <a:xfrm>
-            <a:off x="1218194" y="1959978"/>
-            <a:ext cx="6622425" cy="3483300"/>
-          </a:xfrm>
-          <a:prstGeom prst="rect">
-            <a:avLst/>
-          </a:prstGeom>
-          <a:noFill/>
-          <a:ln>
-            <a:noFill/>
-          </a:ln>
-        </p:spPr>
-      </p:pic>
-      <p:sp>
-        <p:nvSpPr>
-          <p:cNvPr id="20" name="Title 1"/>
-          <p:cNvSpPr txBox="1">
-            <a:spLocks/>
-          </p:cNvSpPr>
-          <p:nvPr/>
-        </p:nvSpPr>
-        <p:spPr>
-          <a:xfrm>
-            <a:off x="907388" y="5576851"/>
-            <a:ext cx="7628774" cy="747593"/>
-          </a:xfrm>
-          <a:prstGeom prst="rect">
-            <a:avLst/>
-          </a:prstGeom>
-        </p:spPr>
-        <p:txBody>
-          <a:bodyPr/>
-          <a:lstStyle>
-            <a:lvl1pPr algn="l" defTabSz="914400" rtl="0" eaLnBrk="1" latinLnBrk="0" hangingPunct="1">
-              <a:lnSpc>
-                <a:spcPct val="90000"/>
-              </a:lnSpc>
-              <a:spcBef>
-                <a:spcPct val="0"/>
-              </a:spcBef>
-              <a:buNone/>
-              <a:defRPr sz="3200" b="1" kern="1200">
-                <a:solidFill>
-                  <a:srgbClr val="019DD0"/>
-                </a:solidFill>
-                <a:latin typeface="Arial" panose="020B0604020202020204" pitchFamily="34" charset="0"/>
-                <a:ea typeface="+mj-ea"/>
-                <a:cs typeface="Arial" panose="020B0604020202020204" pitchFamily="34" charset="0"/>
-              </a:defRPr>
-            </a:lvl1pPr>
-          </a:lstStyle>
-          <a:p>
-            <a:pPr>
-              <a:lnSpc>
-                <a:spcPct val="100000"/>
-              </a:lnSpc>
-            </a:pPr>
-            <a:r>
-              <a:rPr lang="en-US" sz="1800" b="0" dirty="0" smtClean="0">
-                <a:solidFill>
-                  <a:schemeClr val="tx1">
-                    <a:lumMod val="95000"/>
-                    <a:lumOff val="5000"/>
-                  </a:schemeClr>
-                </a:solidFill>
-                <a:ea typeface="Roboto Condensed" pitchFamily="2" charset="0"/>
-              </a:rPr>
-              <a:t>Với trí tưởng tượng của mình, bạn có thể tạo ra hình ảnh chuyển động trên giấy với LED Planner</a:t>
-            </a:r>
-          </a:p>
-        </p:txBody>
-      </p:sp>
     </p:spTree>
     <p:extLst>
       <p:ext uri="{BB962C8B-B14F-4D97-AF65-F5344CB8AC3E}">
-        <p14:creationId xmlns:p14="http://schemas.microsoft.com/office/powerpoint/2010/main" val="3727928972"/>
+        <p14:creationId xmlns:p14="http://schemas.microsoft.com/office/powerpoint/2010/main" val="1832946807"/>
       </p:ext>
     </p:extLst>
   </p:cSld>
@@ -3538,10 +5319,10 @@
           <a:gradFill flip="none" rotWithShape="1">
             <a:gsLst>
               <a:gs pos="15000">
-                <a:srgbClr val="67C7DF"/>
+                <a:srgbClr val="EC5F77"/>
               </a:gs>
               <a:gs pos="100000">
-                <a:srgbClr val="5EB130"/>
+                <a:srgbClr val="A8589E"/>
               </a:gs>
             </a:gsLst>
             <a:lin ang="0" scaled="1"/>
@@ -3601,75 +5382,57 @@
             <a:r>
               <a:rPr lang="en-US" sz="2400" b="1" dirty="0" smtClean="0">
                 <a:solidFill>
-                  <a:srgbClr val="64C7E9"/>
+                  <a:srgbClr val="EC5F77"/>
                 </a:solidFill>
                 <a:latin typeface="UTM Helve" panose="02040603050506020204" pitchFamily="18" charset="0"/>
                 <a:ea typeface="Roboto" pitchFamily="2" charset="0"/>
               </a:rPr>
-              <a:t>1.4 Animations </a:t>
+              <a:t>2.1 Inputs - đầu vào</a:t>
             </a:r>
-            <a:r>
-              <a:rPr lang="en-US" sz="2400" b="1" dirty="0">
-                <a:solidFill>
-                  <a:srgbClr val="64C7E9"/>
-                </a:solidFill>
-                <a:latin typeface="UTM Helve" panose="02040603050506020204" pitchFamily="18" charset="0"/>
-                <a:ea typeface="Roboto" pitchFamily="2" charset="0"/>
-              </a:rPr>
-              <a:t>- Chuyển động </a:t>
-            </a:r>
-          </a:p>
-        </p:txBody>
-      </p:sp>
-      <p:sp>
-        <p:nvSpPr>
-          <p:cNvPr id="6" name="AutoShape 2" descr="https://cdn.sanity.io/images/ajwvhvgo/production/1d5802331620511efe3b5de846ac15de85b508e3-383x313.gif?bg=fff&amp;w=1.3333333333333333&amp;h=0&amp;q=90&amp;fit=min&amp;auto=format"/>
-          <p:cNvSpPr>
-            <a:spLocks noChangeAspect="1" noChangeArrowheads="1"/>
-          </p:cNvSpPr>
-          <p:nvPr/>
-        </p:nvSpPr>
-        <p:spPr bwMode="auto">
-          <a:xfrm>
-            <a:off x="155575" y="-144463"/>
-            <a:ext cx="304800" cy="304801"/>
-          </a:xfrm>
-          <a:prstGeom prst="rect">
-            <a:avLst/>
-          </a:prstGeom>
-          <a:noFill/>
-          <a:extLst>
-            <a:ext uri="{909E8E84-426E-40DD-AFC4-6F175D3DCCD1}">
-              <a14:hiddenFill xmlns:a14="http://schemas.microsoft.com/office/drawing/2010/main">
-                <a:solidFill>
-                  <a:srgbClr val="FFFFFF"/>
-                </a:solidFill>
-              </a14:hiddenFill>
-            </a:ext>
-          </a:extLst>
-        </p:spPr>
-        <p:txBody>
-          <a:bodyPr vert="horz" wrap="square" lIns="91440" tIns="45720" rIns="91440" bIns="45720" numCol="1" anchor="t" anchorCtr="0" compatLnSpc="1">
-            <a:prstTxWarp prst="textNoShape">
-              <a:avLst/>
-            </a:prstTxWarp>
-          </a:bodyPr>
-          <a:lstStyle/>
-          <a:p>
-            <a:endParaRPr lang="en-US"/>
-          </a:p>
-        </p:txBody>
-      </p:sp>
-      <p:sp>
-        <p:nvSpPr>
-          <p:cNvPr id="8" name="TextBox 7"/>
+            <a:endParaRPr lang="en-US" sz="2400" b="1" dirty="0">
+              <a:solidFill>
+                <a:srgbClr val="EC5F77"/>
+              </a:solidFill>
+              <a:latin typeface="UTM Helve" panose="02040603050506020204" pitchFamily="18" charset="0"/>
+              <a:ea typeface="Roboto" pitchFamily="2" charset="0"/>
+            </a:endParaRPr>
+          </a:p>
+        </p:txBody>
+      </p:sp>
+      <p:pic>
+        <p:nvPicPr>
+          <p:cNvPr id="5" name="Picture 4"/>
+          <p:cNvPicPr>
+            <a:picLocks noChangeAspect="1"/>
+          </p:cNvPicPr>
+          <p:nvPr/>
+        </p:nvPicPr>
+        <p:blipFill>
+          <a:blip r:embed="rId2"/>
+          <a:stretch>
+            <a:fillRect/>
+          </a:stretch>
+        </p:blipFill>
+        <p:spPr>
+          <a:xfrm>
+            <a:off x="837841" y="1423714"/>
+            <a:ext cx="2949431" cy="4950582"/>
+          </a:xfrm>
+          <a:prstGeom prst="rect">
+            <a:avLst/>
+          </a:prstGeom>
+        </p:spPr>
+      </p:pic>
+      <p:sp>
+        <p:nvSpPr>
+          <p:cNvPr id="6" name="TextBox 5"/>
           <p:cNvSpPr txBox="1"/>
           <p:nvPr/>
         </p:nvSpPr>
         <p:spPr>
           <a:xfrm>
-            <a:off x="1098981" y="1272143"/>
-            <a:ext cx="2845470" cy="461665"/>
+            <a:off x="4221009" y="1609377"/>
+            <a:ext cx="3500287" cy="1323439"/>
           </a:xfrm>
           <a:prstGeom prst="rect">
             <a:avLst/>
@@ -3683,64 +5446,44 @@
           <a:lstStyle/>
           <a:p>
             <a:r>
-              <a:rPr lang="en-US" sz="2400" b="1" dirty="0" smtClean="0">
+              <a:rPr lang="en-US" sz="2000" b="1" dirty="0" smtClean="0">
+                <a:latin typeface="Arial" panose="020B0604020202020204" pitchFamily="34" charset="0"/>
+                <a:cs typeface="Arial" panose="020B0604020202020204" pitchFamily="34" charset="0"/>
+              </a:rPr>
+              <a:t>Tất cả các dữ liệu đầu vào đều nằm trong block Input</a:t>
+            </a:r>
+          </a:p>
+          <a:p>
+            <a:r>
+              <a:rPr lang="en-US" sz="2000" b="1" dirty="0" smtClean="0">
+                <a:latin typeface="Arial" panose="020B0604020202020204" pitchFamily="34" charset="0"/>
+                <a:cs typeface="Arial" panose="020B0604020202020204" pitchFamily="34" charset="0"/>
+              </a:rPr>
+              <a:t>Được phân biện bằng khối màu </a:t>
+            </a:r>
+            <a:r>
+              <a:rPr lang="en-US" sz="2000" b="1" dirty="0" smtClean="0">
                 <a:solidFill>
-                  <a:schemeClr val="tx1">
-                    <a:lumMod val="85000"/>
-                    <a:lumOff val="15000"/>
-                  </a:schemeClr>
+                  <a:srgbClr val="C232CD"/>
                 </a:solidFill>
-                <a:latin typeface="UTM Helve" panose="02040603050506020204" pitchFamily="18" charset="0"/>
-                <a:ea typeface="Roboto" pitchFamily="2" charset="0"/>
+                <a:latin typeface="Arial" panose="020B0604020202020204" pitchFamily="34" charset="0"/>
+                <a:cs typeface="Arial" panose="020B0604020202020204" pitchFamily="34" charset="0"/>
               </a:rPr>
-              <a:t>Phép thuật</a:t>
+              <a:t>Tím</a:t>
             </a:r>
-            <a:endParaRPr lang="en-US" sz="2400" b="1" dirty="0">
+            <a:endParaRPr lang="en-US" sz="2000" b="1" dirty="0">
               <a:solidFill>
-                <a:schemeClr val="tx1">
-                  <a:lumMod val="85000"/>
-                  <a:lumOff val="15000"/>
-                </a:schemeClr>
+                <a:srgbClr val="C232CD"/>
               </a:solidFill>
-              <a:latin typeface="UTM Helve" panose="02040603050506020204" pitchFamily="18" charset="0"/>
-              <a:ea typeface="Roboto" pitchFamily="2" charset="0"/>
+              <a:latin typeface="Arial" panose="020B0604020202020204" pitchFamily="34" charset="0"/>
+              <a:cs typeface="Arial" panose="020B0604020202020204" pitchFamily="34" charset="0"/>
             </a:endParaRPr>
           </a:p>
         </p:txBody>
       </p:sp>
       <p:pic>
         <p:nvPicPr>
-          <p:cNvPr id="9" name="Picture 8"/>
-          <p:cNvPicPr>
-            <a:picLocks noChangeAspect="1"/>
-          </p:cNvPicPr>
-          <p:nvPr/>
-        </p:nvPicPr>
-        <p:blipFill>
-          <a:blip r:embed="rId2">
-            <a:extLst>
-              <a:ext uri="{28A0092B-C50C-407E-A947-70E740481C1C}">
-                <a14:useLocalDpi xmlns:a14="http://schemas.microsoft.com/office/drawing/2010/main" val="0"/>
-              </a:ext>
-            </a:extLst>
-          </a:blip>
-          <a:stretch>
-            <a:fillRect/>
-          </a:stretch>
-        </p:blipFill>
-        <p:spPr>
-          <a:xfrm>
-            <a:off x="542728" y="1345100"/>
-            <a:ext cx="466725" cy="409575"/>
-          </a:xfrm>
-          <a:prstGeom prst="rect">
-            <a:avLst/>
-          </a:prstGeom>
-        </p:spPr>
-      </p:pic>
-      <p:pic>
-        <p:nvPicPr>
-          <p:cNvPr id="12" name="Google Shape;196;p10"/>
+          <p:cNvPr id="7" name="Google Shape;174;p8"/>
           <p:cNvPicPr preferRelativeResize="0"/>
           <p:nvPr/>
         </p:nvPicPr>
@@ -3753,8 +5496,8 @@
         </p:blipFill>
         <p:spPr>
           <a:xfrm>
-            <a:off x="6024942" y="1589024"/>
-            <a:ext cx="2571049" cy="2101820"/>
+            <a:off x="4123523" y="3322475"/>
+            <a:ext cx="2494773" cy="3061253"/>
           </a:xfrm>
           <a:prstGeom prst="rect">
             <a:avLst/>
@@ -3765,206 +5508,16 @@
           </a:ln>
         </p:spPr>
       </p:pic>
-      <p:pic>
-        <p:nvPicPr>
-          <p:cNvPr id="13" name="Google Shape;197;p10"/>
-          <p:cNvPicPr preferRelativeResize="0"/>
-          <p:nvPr/>
-        </p:nvPicPr>
-        <p:blipFill rotWithShape="1">
-          <a:blip r:embed="rId4">
-            <a:alphaModFix/>
-          </a:blip>
-          <a:srcRect/>
-          <a:stretch/>
-        </p:blipFill>
-        <p:spPr>
-          <a:xfrm>
-            <a:off x="6024943" y="3887604"/>
-            <a:ext cx="2571049" cy="2210688"/>
-          </a:xfrm>
-          <a:prstGeom prst="rect">
-            <a:avLst/>
-          </a:prstGeom>
-          <a:noFill/>
-          <a:ln>
-            <a:noFill/>
-          </a:ln>
-        </p:spPr>
-      </p:pic>
-      <p:pic>
-        <p:nvPicPr>
-          <p:cNvPr id="14" name="Google Shape;198;p10"/>
-          <p:cNvPicPr preferRelativeResize="0"/>
-          <p:nvPr/>
-        </p:nvPicPr>
-        <p:blipFill rotWithShape="1">
-          <a:blip r:embed="rId5">
-            <a:alphaModFix/>
-          </a:blip>
-          <a:srcRect/>
-          <a:stretch/>
-        </p:blipFill>
-        <p:spPr>
-          <a:xfrm>
-            <a:off x="4151887" y="1642483"/>
-            <a:ext cx="1873055" cy="4517760"/>
-          </a:xfrm>
-          <a:prstGeom prst="rect">
-            <a:avLst/>
-          </a:prstGeom>
-          <a:noFill/>
-          <a:ln>
-            <a:noFill/>
-          </a:ln>
-        </p:spPr>
-      </p:pic>
-      <p:sp>
-        <p:nvSpPr>
-          <p:cNvPr id="15" name="Title 1"/>
-          <p:cNvSpPr txBox="1">
-            <a:spLocks/>
-          </p:cNvSpPr>
-          <p:nvPr/>
-        </p:nvSpPr>
-        <p:spPr>
-          <a:xfrm>
-            <a:off x="907388" y="2025540"/>
-            <a:ext cx="2962247" cy="928366"/>
-          </a:xfrm>
-          <a:prstGeom prst="rect">
-            <a:avLst/>
-          </a:prstGeom>
-        </p:spPr>
-        <p:txBody>
-          <a:bodyPr/>
-          <a:lstStyle>
-            <a:lvl1pPr algn="l" defTabSz="914400" rtl="0" eaLnBrk="1" latinLnBrk="0" hangingPunct="1">
-              <a:lnSpc>
-                <a:spcPct val="90000"/>
-              </a:lnSpc>
-              <a:spcBef>
-                <a:spcPct val="0"/>
-              </a:spcBef>
-              <a:buNone/>
-              <a:defRPr sz="3200" b="1" kern="1200">
-                <a:solidFill>
-                  <a:srgbClr val="019DD0"/>
-                </a:solidFill>
-                <a:latin typeface="Arial" panose="020B0604020202020204" pitchFamily="34" charset="0"/>
-                <a:ea typeface="+mj-ea"/>
-                <a:cs typeface="Arial" panose="020B0604020202020204" pitchFamily="34" charset="0"/>
-              </a:defRPr>
-            </a:lvl1pPr>
-          </a:lstStyle>
-          <a:p>
-            <a:pPr>
-              <a:lnSpc>
-                <a:spcPct val="100000"/>
-              </a:lnSpc>
-            </a:pPr>
-            <a:r>
-              <a:rPr lang="en-US" sz="2000" b="0" dirty="0" smtClean="0">
-                <a:solidFill>
-                  <a:schemeClr val="tx1">
-                    <a:lumMod val="95000"/>
-                    <a:lumOff val="5000"/>
-                  </a:schemeClr>
-                </a:solidFill>
-                <a:ea typeface="Roboto Condensed" pitchFamily="2" charset="0"/>
-              </a:rPr>
-              <a:t>Để tạo ra chuyển động liên tục, bạn sử dụng block forever</a:t>
-            </a:r>
-            <a:endParaRPr lang="en-US" sz="2000" dirty="0" smtClean="0">
-              <a:solidFill>
-                <a:schemeClr val="tx1">
-                  <a:lumMod val="95000"/>
-                  <a:lumOff val="5000"/>
-                </a:schemeClr>
-              </a:solidFill>
-              <a:ea typeface="Roboto Condensed" pitchFamily="2" charset="0"/>
-            </a:endParaRPr>
-          </a:p>
-        </p:txBody>
-      </p:sp>
-      <p:sp>
-        <p:nvSpPr>
-          <p:cNvPr id="17" name="Title 1"/>
-          <p:cNvSpPr txBox="1">
-            <a:spLocks/>
-          </p:cNvSpPr>
-          <p:nvPr/>
-        </p:nvSpPr>
-        <p:spPr>
-          <a:xfrm>
-            <a:off x="915647" y="4198552"/>
-            <a:ext cx="2953988" cy="1129105"/>
-          </a:xfrm>
-          <a:prstGeom prst="rect">
-            <a:avLst/>
-          </a:prstGeom>
-        </p:spPr>
-        <p:txBody>
-          <a:bodyPr/>
-          <a:lstStyle>
-            <a:lvl1pPr algn="l" defTabSz="914400" rtl="0" eaLnBrk="1" latinLnBrk="0" hangingPunct="1">
-              <a:lnSpc>
-                <a:spcPct val="90000"/>
-              </a:lnSpc>
-              <a:spcBef>
-                <a:spcPct val="0"/>
-              </a:spcBef>
-              <a:buNone/>
-              <a:defRPr sz="3200" b="1" kern="1200">
-                <a:solidFill>
-                  <a:srgbClr val="019DD0"/>
-                </a:solidFill>
-                <a:latin typeface="Arial" panose="020B0604020202020204" pitchFamily="34" charset="0"/>
-                <a:ea typeface="+mj-ea"/>
-                <a:cs typeface="Arial" panose="020B0604020202020204" pitchFamily="34" charset="0"/>
-              </a:defRPr>
-            </a:lvl1pPr>
-          </a:lstStyle>
-          <a:p>
-            <a:pPr>
-              <a:lnSpc>
-                <a:spcPct val="100000"/>
-              </a:lnSpc>
-            </a:pPr>
-            <a:r>
-              <a:rPr lang="en-US" sz="2000" b="0" dirty="0" smtClean="0">
-                <a:solidFill>
-                  <a:schemeClr val="tx1">
-                    <a:lumMod val="95000"/>
-                    <a:lumOff val="5000"/>
-                  </a:schemeClr>
-                </a:solidFill>
-                <a:ea typeface="Roboto Condensed" pitchFamily="2" charset="0"/>
-              </a:rPr>
-              <a:t>Chèn vào giữa mỗi hình ảnh một block pause (ms) seconds. Ví dụ như hình bên</a:t>
-            </a:r>
-            <a:endParaRPr lang="en-US" sz="2000" dirty="0" smtClean="0">
-              <a:solidFill>
-                <a:schemeClr val="tx1">
-                  <a:lumMod val="95000"/>
-                  <a:lumOff val="5000"/>
-                </a:schemeClr>
-              </a:solidFill>
-              <a:ea typeface="Roboto Condensed" pitchFamily="2" charset="0"/>
-            </a:endParaRPr>
-          </a:p>
-        </p:txBody>
-      </p:sp>
-      <p:sp>
-        <p:nvSpPr>
-          <p:cNvPr id="18" name="Rounded Rectangle 17"/>
+      <p:sp>
+        <p:nvSpPr>
+          <p:cNvPr id="8" name="Rounded Rectangle 7"/>
           <p:cNvSpPr/>
           <p:nvPr/>
         </p:nvSpPr>
         <p:spPr>
           <a:xfrm>
-            <a:off x="748811" y="1881810"/>
-            <a:ext cx="3302111" cy="4452731"/>
+            <a:off x="4123523" y="1423713"/>
+            <a:ext cx="3933799" cy="1713098"/>
           </a:xfrm>
           <a:prstGeom prst="roundRect">
             <a:avLst>
@@ -3972,9 +5525,9 @@
             </a:avLst>
           </a:prstGeom>
           <a:noFill/>
-          <a:ln w="19050">
+          <a:ln w="28575">
             <a:solidFill>
-              <a:srgbClr val="64C7E9"/>
+              <a:srgbClr val="EC5F77"/>
             </a:solidFill>
             <a:prstDash val="sysDash"/>
           </a:ln>
@@ -4004,393 +5557,10 @@
           </a:p>
         </p:txBody>
       </p:sp>
-      <p:sp>
-        <p:nvSpPr>
-          <p:cNvPr id="19" name="Oval 18"/>
-          <p:cNvSpPr/>
-          <p:nvPr/>
-        </p:nvSpPr>
-        <p:spPr>
-          <a:xfrm>
-            <a:off x="542728" y="2087194"/>
-            <a:ext cx="365760" cy="365760"/>
-          </a:xfrm>
-          <a:prstGeom prst="ellipse">
-            <a:avLst/>
-          </a:prstGeom>
-          <a:solidFill>
-            <a:srgbClr val="5EB130"/>
-          </a:solidFill>
-          <a:ln>
-            <a:noFill/>
-          </a:ln>
-        </p:spPr>
-        <p:style>
-          <a:lnRef idx="2">
-            <a:schemeClr val="accent1">
-              <a:shade val="50000"/>
-            </a:schemeClr>
-          </a:lnRef>
-          <a:fillRef idx="1">
-            <a:schemeClr val="accent1"/>
-          </a:fillRef>
-          <a:effectRef idx="0">
-            <a:schemeClr val="accent1"/>
-          </a:effectRef>
-          <a:fontRef idx="minor">
-            <a:schemeClr val="lt1"/>
-          </a:fontRef>
-        </p:style>
-        <p:txBody>
-          <a:bodyPr rtlCol="0" anchor="ctr"/>
-          <a:lstStyle/>
-          <a:p>
-            <a:pPr algn="ctr"/>
-            <a:r>
-              <a:rPr lang="en-US" b="1" dirty="0" smtClean="0">
-                <a:latin typeface="Arial" panose="020B0604020202020204" pitchFamily="34" charset="0"/>
-                <a:cs typeface="Arial" panose="020B0604020202020204" pitchFamily="34" charset="0"/>
-              </a:rPr>
-              <a:t>1</a:t>
-            </a:r>
-            <a:endParaRPr lang="en-US" b="1" dirty="0">
-              <a:latin typeface="Arial" panose="020B0604020202020204" pitchFamily="34" charset="0"/>
-              <a:cs typeface="Arial" panose="020B0604020202020204" pitchFamily="34" charset="0"/>
-            </a:endParaRPr>
-          </a:p>
-        </p:txBody>
-      </p:sp>
-      <p:sp>
-        <p:nvSpPr>
-          <p:cNvPr id="21" name="Oval 20"/>
-          <p:cNvSpPr/>
-          <p:nvPr/>
-        </p:nvSpPr>
-        <p:spPr>
-          <a:xfrm>
-            <a:off x="542728" y="3192341"/>
-            <a:ext cx="365760" cy="365760"/>
-          </a:xfrm>
-          <a:prstGeom prst="ellipse">
-            <a:avLst/>
-          </a:prstGeom>
-          <a:solidFill>
-            <a:srgbClr val="5EB130"/>
-          </a:solidFill>
-          <a:ln>
-            <a:noFill/>
-          </a:ln>
-        </p:spPr>
-        <p:style>
-          <a:lnRef idx="2">
-            <a:schemeClr val="accent1">
-              <a:shade val="50000"/>
-            </a:schemeClr>
-          </a:lnRef>
-          <a:fillRef idx="1">
-            <a:schemeClr val="accent1"/>
-          </a:fillRef>
-          <a:effectRef idx="0">
-            <a:schemeClr val="accent1"/>
-          </a:effectRef>
-          <a:fontRef idx="minor">
-            <a:schemeClr val="lt1"/>
-          </a:fontRef>
-        </p:style>
-        <p:txBody>
-          <a:bodyPr rtlCol="0" anchor="ctr"/>
-          <a:lstStyle/>
-          <a:p>
-            <a:pPr algn="ctr"/>
-            <a:r>
-              <a:rPr lang="en-US" b="1" dirty="0" smtClean="0">
-                <a:latin typeface="Arial" panose="020B0604020202020204" pitchFamily="34" charset="0"/>
-                <a:cs typeface="Arial" panose="020B0604020202020204" pitchFamily="34" charset="0"/>
-              </a:rPr>
-              <a:t>2</a:t>
-            </a:r>
-            <a:endParaRPr lang="en-US" b="1" dirty="0">
-              <a:latin typeface="Arial" panose="020B0604020202020204" pitchFamily="34" charset="0"/>
-              <a:cs typeface="Arial" panose="020B0604020202020204" pitchFamily="34" charset="0"/>
-            </a:endParaRPr>
-          </a:p>
-        </p:txBody>
-      </p:sp>
-      <p:sp>
-        <p:nvSpPr>
-          <p:cNvPr id="22" name="Oval 21"/>
-          <p:cNvSpPr/>
-          <p:nvPr/>
-        </p:nvSpPr>
-        <p:spPr>
-          <a:xfrm>
-            <a:off x="542728" y="4310219"/>
-            <a:ext cx="365760" cy="365760"/>
-          </a:xfrm>
-          <a:prstGeom prst="ellipse">
-            <a:avLst/>
-          </a:prstGeom>
-          <a:solidFill>
-            <a:srgbClr val="5EB130"/>
-          </a:solidFill>
-          <a:ln>
-            <a:noFill/>
-          </a:ln>
-        </p:spPr>
-        <p:style>
-          <a:lnRef idx="2">
-            <a:schemeClr val="accent1">
-              <a:shade val="50000"/>
-            </a:schemeClr>
-          </a:lnRef>
-          <a:fillRef idx="1">
-            <a:schemeClr val="accent1"/>
-          </a:fillRef>
-          <a:effectRef idx="0">
-            <a:schemeClr val="accent1"/>
-          </a:effectRef>
-          <a:fontRef idx="minor">
-            <a:schemeClr val="lt1"/>
-          </a:fontRef>
-        </p:style>
-        <p:txBody>
-          <a:bodyPr rtlCol="0" anchor="ctr"/>
-          <a:lstStyle/>
-          <a:p>
-            <a:pPr algn="ctr"/>
-            <a:r>
-              <a:rPr lang="en-US" b="1" dirty="0" smtClean="0">
-                <a:latin typeface="Arial" panose="020B0604020202020204" pitchFamily="34" charset="0"/>
-                <a:cs typeface="Arial" panose="020B0604020202020204" pitchFamily="34" charset="0"/>
-              </a:rPr>
-              <a:t>3</a:t>
-            </a:r>
-            <a:endParaRPr lang="en-US" b="1" dirty="0">
-              <a:latin typeface="Arial" panose="020B0604020202020204" pitchFamily="34" charset="0"/>
-              <a:cs typeface="Arial" panose="020B0604020202020204" pitchFamily="34" charset="0"/>
-            </a:endParaRPr>
-          </a:p>
-        </p:txBody>
-      </p:sp>
-      <p:sp>
-        <p:nvSpPr>
-          <p:cNvPr id="23" name="Oval 22"/>
-          <p:cNvSpPr/>
-          <p:nvPr/>
-        </p:nvSpPr>
-        <p:spPr>
-          <a:xfrm>
-            <a:off x="542728" y="5562422"/>
-            <a:ext cx="365760" cy="365760"/>
-          </a:xfrm>
-          <a:prstGeom prst="ellipse">
-            <a:avLst/>
-          </a:prstGeom>
-          <a:solidFill>
-            <a:srgbClr val="5EB130"/>
-          </a:solidFill>
-          <a:ln>
-            <a:noFill/>
-          </a:ln>
-        </p:spPr>
-        <p:style>
-          <a:lnRef idx="2">
-            <a:schemeClr val="accent1">
-              <a:shade val="50000"/>
-            </a:schemeClr>
-          </a:lnRef>
-          <a:fillRef idx="1">
-            <a:schemeClr val="accent1"/>
-          </a:fillRef>
-          <a:effectRef idx="0">
-            <a:schemeClr val="accent1"/>
-          </a:effectRef>
-          <a:fontRef idx="minor">
-            <a:schemeClr val="lt1"/>
-          </a:fontRef>
-        </p:style>
-        <p:txBody>
-          <a:bodyPr rtlCol="0" anchor="ctr"/>
-          <a:lstStyle/>
-          <a:p>
-            <a:pPr algn="ctr"/>
-            <a:r>
-              <a:rPr lang="en-US" b="1" dirty="0">
-                <a:latin typeface="Arial" panose="020B0604020202020204" pitchFamily="34" charset="0"/>
-                <a:cs typeface="Arial" panose="020B0604020202020204" pitchFamily="34" charset="0"/>
-              </a:rPr>
-              <a:t>4</a:t>
-            </a:r>
-          </a:p>
-        </p:txBody>
-      </p:sp>
-      <p:sp>
-        <p:nvSpPr>
-          <p:cNvPr id="25" name="Title 1"/>
-          <p:cNvSpPr txBox="1">
-            <a:spLocks/>
-          </p:cNvSpPr>
-          <p:nvPr/>
-        </p:nvSpPr>
-        <p:spPr>
-          <a:xfrm>
-            <a:off x="915647" y="5537022"/>
-            <a:ext cx="3135275" cy="771223"/>
-          </a:xfrm>
-          <a:prstGeom prst="rect">
-            <a:avLst/>
-          </a:prstGeom>
-        </p:spPr>
-        <p:txBody>
-          <a:bodyPr/>
-          <a:lstStyle>
-            <a:lvl1pPr algn="l" defTabSz="914400" rtl="0" eaLnBrk="1" latinLnBrk="0" hangingPunct="1">
-              <a:lnSpc>
-                <a:spcPct val="90000"/>
-              </a:lnSpc>
-              <a:spcBef>
-                <a:spcPct val="0"/>
-              </a:spcBef>
-              <a:buNone/>
-              <a:defRPr sz="3200" b="1" kern="1200">
-                <a:solidFill>
-                  <a:srgbClr val="019DD0"/>
-                </a:solidFill>
-                <a:latin typeface="Arial" panose="020B0604020202020204" pitchFamily="34" charset="0"/>
-                <a:ea typeface="+mj-ea"/>
-                <a:cs typeface="Arial" panose="020B0604020202020204" pitchFamily="34" charset="0"/>
-              </a:defRPr>
-            </a:lvl1pPr>
-          </a:lstStyle>
-          <a:p>
-            <a:pPr>
-              <a:lnSpc>
-                <a:spcPct val="100000"/>
-              </a:lnSpc>
-            </a:pPr>
-            <a:r>
-              <a:rPr lang="en-US" sz="2000" b="0" dirty="0">
-                <a:solidFill>
-                  <a:schemeClr val="tx1">
-                    <a:lumMod val="95000"/>
-                    <a:lumOff val="5000"/>
-                  </a:schemeClr>
-                </a:solidFill>
-                <a:ea typeface="Roboto Condensed" pitchFamily="2" charset="0"/>
-              </a:rPr>
-              <a:t>Xem trước kết quả ở trình mô phỏng </a:t>
-            </a:r>
-            <a:r>
-              <a:rPr lang="en-US" sz="2000" dirty="0" smtClean="0">
-                <a:solidFill>
-                  <a:schemeClr val="tx1">
-                    <a:lumMod val="95000"/>
-                    <a:lumOff val="5000"/>
-                  </a:schemeClr>
-                </a:solidFill>
-                <a:ea typeface="Roboto Condensed" pitchFamily="2" charset="0"/>
-              </a:rPr>
-              <a:t>Simulator</a:t>
-            </a:r>
-          </a:p>
-        </p:txBody>
-      </p:sp>
-      <p:sp>
-        <p:nvSpPr>
-          <p:cNvPr id="27" name="Title 1"/>
-          <p:cNvSpPr txBox="1">
-            <a:spLocks/>
-          </p:cNvSpPr>
-          <p:nvPr/>
-        </p:nvSpPr>
-        <p:spPr>
-          <a:xfrm>
-            <a:off x="907388" y="3125470"/>
-            <a:ext cx="2962247" cy="928366"/>
-          </a:xfrm>
-          <a:prstGeom prst="rect">
-            <a:avLst/>
-          </a:prstGeom>
-        </p:spPr>
-        <p:txBody>
-          <a:bodyPr/>
-          <a:lstStyle>
-            <a:lvl1pPr algn="l" defTabSz="914400" rtl="0" eaLnBrk="1" latinLnBrk="0" hangingPunct="1">
-              <a:lnSpc>
-                <a:spcPct val="90000"/>
-              </a:lnSpc>
-              <a:spcBef>
-                <a:spcPct val="0"/>
-              </a:spcBef>
-              <a:buNone/>
-              <a:defRPr sz="3200" b="1" kern="1200">
-                <a:solidFill>
-                  <a:srgbClr val="019DD0"/>
-                </a:solidFill>
-                <a:latin typeface="Arial" panose="020B0604020202020204" pitchFamily="34" charset="0"/>
-                <a:ea typeface="+mj-ea"/>
-                <a:cs typeface="Arial" panose="020B0604020202020204" pitchFamily="34" charset="0"/>
-              </a:defRPr>
-            </a:lvl1pPr>
-          </a:lstStyle>
-          <a:p>
-            <a:pPr>
-              <a:lnSpc>
-                <a:spcPct val="100000"/>
-              </a:lnSpc>
-            </a:pPr>
-            <a:r>
-              <a:rPr lang="en-US" sz="2000" b="0" dirty="0" smtClean="0">
-                <a:solidFill>
-                  <a:schemeClr val="tx1">
-                    <a:lumMod val="95000"/>
-                    <a:lumOff val="5000"/>
-                  </a:schemeClr>
-                </a:solidFill>
-                <a:ea typeface="Roboto Condensed" pitchFamily="2" charset="0"/>
-              </a:rPr>
-              <a:t>Sử dụng block </a:t>
-            </a:r>
-            <a:r>
-              <a:rPr lang="en-US" sz="2000" dirty="0" smtClean="0">
-                <a:solidFill>
-                  <a:schemeClr val="tx1">
-                    <a:lumMod val="95000"/>
-                    <a:lumOff val="5000"/>
-                  </a:schemeClr>
-                </a:solidFill>
-                <a:ea typeface="Roboto Condensed" pitchFamily="2" charset="0"/>
-              </a:rPr>
-              <a:t>show leds</a:t>
-            </a:r>
-            <a:r>
-              <a:rPr lang="en-US" sz="2000" b="0" dirty="0" smtClean="0">
-                <a:solidFill>
-                  <a:schemeClr val="tx1">
-                    <a:lumMod val="95000"/>
-                    <a:lumOff val="5000"/>
-                  </a:schemeClr>
-                </a:solidFill>
-                <a:ea typeface="Roboto Condensed" pitchFamily="2" charset="0"/>
-              </a:rPr>
-              <a:t> để tạo ra các hình ảnh khác nhau</a:t>
-            </a:r>
-            <a:endParaRPr lang="en-US" sz="2000" dirty="0" smtClean="0">
-              <a:solidFill>
-                <a:schemeClr val="tx1">
-                  <a:lumMod val="95000"/>
-                  <a:lumOff val="5000"/>
-                </a:schemeClr>
-              </a:solidFill>
-              <a:ea typeface="Roboto Condensed" pitchFamily="2" charset="0"/>
-            </a:endParaRPr>
-          </a:p>
-        </p:txBody>
-      </p:sp>
     </p:spTree>
     <p:extLst>
       <p:ext uri="{BB962C8B-B14F-4D97-AF65-F5344CB8AC3E}">
-        <p14:creationId xmlns:p14="http://schemas.microsoft.com/office/powerpoint/2010/main" val="3342966614"/>
+        <p14:creationId xmlns:p14="http://schemas.microsoft.com/office/powerpoint/2010/main" val="2243288744"/>
       </p:ext>
     </p:extLst>
   </p:cSld>
@@ -4443,7 +5613,182 @@
       </p:sp>
       <p:sp>
         <p:nvSpPr>
-          <p:cNvPr id="3" name="Title 1"/>
+          <p:cNvPr id="3" name="Rectangle 2"/>
+          <p:cNvSpPr/>
+          <p:nvPr/>
+        </p:nvSpPr>
+        <p:spPr>
+          <a:xfrm>
+            <a:off x="301925" y="1051379"/>
+            <a:ext cx="8454964" cy="27432"/>
+          </a:xfrm>
+          <a:prstGeom prst="rect">
+            <a:avLst/>
+          </a:prstGeom>
+          <a:gradFill flip="none" rotWithShape="1">
+            <a:gsLst>
+              <a:gs pos="15000">
+                <a:srgbClr val="EC5F77"/>
+              </a:gs>
+              <a:gs pos="100000">
+                <a:srgbClr val="A8589E"/>
+              </a:gs>
+            </a:gsLst>
+            <a:lin ang="0" scaled="1"/>
+            <a:tileRect/>
+          </a:gradFill>
+          <a:ln>
+            <a:noFill/>
+          </a:ln>
+        </p:spPr>
+        <p:style>
+          <a:lnRef idx="2">
+            <a:schemeClr val="accent1">
+              <a:shade val="50000"/>
+            </a:schemeClr>
+          </a:lnRef>
+          <a:fillRef idx="1">
+            <a:schemeClr val="accent1"/>
+          </a:fillRef>
+          <a:effectRef idx="0">
+            <a:schemeClr val="accent1"/>
+          </a:effectRef>
+          <a:fontRef idx="minor">
+            <a:schemeClr val="lt1"/>
+          </a:fontRef>
+        </p:style>
+        <p:txBody>
+          <a:bodyPr rtlCol="0" anchor="ctr"/>
+          <a:lstStyle/>
+          <a:p>
+            <a:pPr algn="ctr"/>
+            <a:endParaRPr lang="en-US"/>
+          </a:p>
+        </p:txBody>
+      </p:sp>
+      <p:sp>
+        <p:nvSpPr>
+          <p:cNvPr id="4" name="TextBox 3"/>
+          <p:cNvSpPr txBox="1"/>
+          <p:nvPr/>
+        </p:nvSpPr>
+        <p:spPr>
+          <a:xfrm>
+            <a:off x="248815" y="546584"/>
+            <a:ext cx="7374995" cy="461665"/>
+          </a:xfrm>
+          <a:prstGeom prst="rect">
+            <a:avLst/>
+          </a:prstGeom>
+          <a:noFill/>
+        </p:spPr>
+        <p:txBody>
+          <a:bodyPr wrap="square" rtlCol="0">
+            <a:spAutoFit/>
+          </a:bodyPr>
+          <a:lstStyle/>
+          <a:p>
+            <a:r>
+              <a:rPr lang="en-US" sz="2400" b="1" dirty="0" smtClean="0">
+                <a:solidFill>
+                  <a:srgbClr val="EC5F77"/>
+                </a:solidFill>
+                <a:latin typeface="UTM Helve" panose="02040603050506020204" pitchFamily="18" charset="0"/>
+                <a:ea typeface="Roboto" pitchFamily="2" charset="0"/>
+              </a:rPr>
+              <a:t>2.1 Inputs - đầu vào</a:t>
+            </a:r>
+            <a:endParaRPr lang="en-US" sz="2400" b="1" dirty="0">
+              <a:solidFill>
+                <a:srgbClr val="EC5F77"/>
+              </a:solidFill>
+              <a:latin typeface="UTM Helve" panose="02040603050506020204" pitchFamily="18" charset="0"/>
+              <a:ea typeface="Roboto" pitchFamily="2" charset="0"/>
+            </a:endParaRPr>
+          </a:p>
+        </p:txBody>
+      </p:sp>
+      <p:sp>
+        <p:nvSpPr>
+          <p:cNvPr id="5" name="TextBox 4"/>
+          <p:cNvSpPr txBox="1"/>
+          <p:nvPr/>
+        </p:nvSpPr>
+        <p:spPr>
+          <a:xfrm>
+            <a:off x="1098980" y="1272143"/>
+            <a:ext cx="5487349" cy="461665"/>
+          </a:xfrm>
+          <a:prstGeom prst="rect">
+            <a:avLst/>
+          </a:prstGeom>
+          <a:noFill/>
+        </p:spPr>
+        <p:txBody>
+          <a:bodyPr wrap="square" rtlCol="0">
+            <a:spAutoFit/>
+          </a:bodyPr>
+          <a:lstStyle/>
+          <a:p>
+            <a:r>
+              <a:rPr lang="vi-VN" sz="2400" b="1">
+                <a:solidFill>
+                  <a:schemeClr val="tx1">
+                    <a:lumMod val="85000"/>
+                    <a:lumOff val="15000"/>
+                  </a:schemeClr>
+                </a:solidFill>
+                <a:latin typeface="UTM Helve" panose="02040603050506020204" pitchFamily="18" charset="0"/>
+                <a:ea typeface="Roboto" pitchFamily="2" charset="0"/>
+              </a:rPr>
+              <a:t>Tạo chương trình Emotion badge</a:t>
+            </a:r>
+            <a:endParaRPr lang="en-US" sz="2400" b="1" dirty="0">
+              <a:solidFill>
+                <a:schemeClr val="tx1">
+                  <a:lumMod val="85000"/>
+                  <a:lumOff val="15000"/>
+                </a:schemeClr>
+              </a:solidFill>
+              <a:latin typeface="UTM Helve" panose="02040603050506020204" pitchFamily="18" charset="0"/>
+              <a:ea typeface="Roboto" pitchFamily="2" charset="0"/>
+            </a:endParaRPr>
+          </a:p>
+        </p:txBody>
+      </p:sp>
+      <p:pic>
+        <p:nvPicPr>
+          <p:cNvPr id="6" name="Picture 5"/>
+          <p:cNvPicPr>
+            <a:picLocks noChangeAspect="1"/>
+          </p:cNvPicPr>
+          <p:nvPr/>
+        </p:nvPicPr>
+        <p:blipFill>
+          <a:blip r:embed="rId2">
+            <a:extLst>
+              <a:ext uri="{28A0092B-C50C-407E-A947-70E740481C1C}">
+                <a14:useLocalDpi xmlns:a14="http://schemas.microsoft.com/office/drawing/2010/main" val="0"/>
+              </a:ext>
+            </a:extLst>
+          </a:blip>
+          <a:stretch>
+            <a:fillRect/>
+          </a:stretch>
+        </p:blipFill>
+        <p:spPr>
+          <a:xfrm>
+            <a:off x="542728" y="1345100"/>
+            <a:ext cx="466725" cy="409575"/>
+          </a:xfrm>
+          <a:prstGeom prst="rect">
+            <a:avLst/>
+          </a:prstGeom>
+        </p:spPr>
+      </p:pic>
+      <p:sp>
+        <p:nvSpPr>
+          <p:cNvPr id="7" name="Title 1"/>
           <p:cNvSpPr txBox="1">
             <a:spLocks/>
           </p:cNvSpPr>
@@ -4451,8 +5796,8 @@
         </p:nvSpPr>
         <p:spPr>
           <a:xfrm>
-            <a:off x="709053" y="4862785"/>
-            <a:ext cx="5644503" cy="508846"/>
+            <a:off x="907388" y="2224320"/>
+            <a:ext cx="3359812" cy="783921"/>
           </a:xfrm>
           <a:prstGeom prst="rect">
             <a:avLst/>
@@ -4495,38 +5840,118 @@
                 </a:solidFill>
                 <a:ea typeface="Roboto Condensed" pitchFamily="2" charset="0"/>
               </a:rPr>
-              <a:t>Bước 1: Click Download tải file về máy tính</a:t>
+              <a:t>Nhấn button A thì hiển thị mặt cười.</a:t>
             </a:r>
-          </a:p>
-        </p:txBody>
-      </p:sp>
-      <p:pic>
-        <p:nvPicPr>
-          <p:cNvPr id="4" name="Picture 3"/>
-          <p:cNvPicPr>
-            <a:picLocks noChangeAspect="1"/>
-          </p:cNvPicPr>
-          <p:nvPr/>
-        </p:nvPicPr>
-        <p:blipFill>
-          <a:blip r:embed="rId2"/>
-          <a:stretch>
-            <a:fillRect/>
-          </a:stretch>
-        </p:blipFill>
-        <p:spPr>
-          <a:xfrm>
-            <a:off x="5743928" y="4822111"/>
-            <a:ext cx="2909512" cy="456394"/>
-          </a:xfrm>
-          <a:prstGeom prst="rect">
-            <a:avLst/>
-          </a:prstGeom>
-        </p:spPr>
-      </p:pic>
-      <p:sp>
-        <p:nvSpPr>
-          <p:cNvPr id="5" name="Title 1"/>
+            <a:endParaRPr lang="en-US" sz="2000" dirty="0" smtClean="0">
+              <a:solidFill>
+                <a:schemeClr val="tx1">
+                  <a:lumMod val="95000"/>
+                  <a:lumOff val="5000"/>
+                </a:schemeClr>
+              </a:solidFill>
+              <a:ea typeface="Roboto Condensed" pitchFamily="2" charset="0"/>
+            </a:endParaRPr>
+          </a:p>
+        </p:txBody>
+      </p:sp>
+      <p:sp>
+        <p:nvSpPr>
+          <p:cNvPr id="9" name="Rounded Rectangle 8"/>
+          <p:cNvSpPr/>
+          <p:nvPr/>
+        </p:nvSpPr>
+        <p:spPr>
+          <a:xfrm>
+            <a:off x="602588" y="2033157"/>
+            <a:ext cx="3909703" cy="2035260"/>
+          </a:xfrm>
+          <a:prstGeom prst="roundRect">
+            <a:avLst>
+              <a:gd name="adj" fmla="val 3719"/>
+            </a:avLst>
+          </a:prstGeom>
+          <a:noFill/>
+          <a:ln w="19050">
+            <a:solidFill>
+              <a:srgbClr val="EC5F77"/>
+            </a:solidFill>
+            <a:prstDash val="sysDash"/>
+          </a:ln>
+        </p:spPr>
+        <p:style>
+          <a:lnRef idx="2">
+            <a:schemeClr val="accent1">
+              <a:shade val="50000"/>
+            </a:schemeClr>
+          </a:lnRef>
+          <a:fillRef idx="1">
+            <a:schemeClr val="accent1"/>
+          </a:fillRef>
+          <a:effectRef idx="0">
+            <a:schemeClr val="accent1"/>
+          </a:effectRef>
+          <a:fontRef idx="minor">
+            <a:schemeClr val="lt1"/>
+          </a:fontRef>
+        </p:style>
+        <p:txBody>
+          <a:bodyPr rtlCol="0" anchor="ctr"/>
+          <a:lstStyle/>
+          <a:p>
+            <a:pPr algn="ctr"/>
+            <a:endParaRPr lang="en-US"/>
+          </a:p>
+        </p:txBody>
+      </p:sp>
+      <p:sp>
+        <p:nvSpPr>
+          <p:cNvPr id="10" name="Rectangle 9"/>
+          <p:cNvSpPr/>
+          <p:nvPr/>
+        </p:nvSpPr>
+        <p:spPr>
+          <a:xfrm>
+            <a:off x="735894" y="2353224"/>
+            <a:ext cx="171494" cy="171494"/>
+          </a:xfrm>
+          <a:prstGeom prst="rect">
+            <a:avLst/>
+          </a:prstGeom>
+          <a:solidFill>
+            <a:srgbClr val="EC5F77"/>
+          </a:solidFill>
+          <a:ln>
+            <a:noFill/>
+          </a:ln>
+        </p:spPr>
+        <p:style>
+          <a:lnRef idx="2">
+            <a:schemeClr val="accent1">
+              <a:shade val="50000"/>
+            </a:schemeClr>
+          </a:lnRef>
+          <a:fillRef idx="1">
+            <a:schemeClr val="accent1"/>
+          </a:fillRef>
+          <a:effectRef idx="0">
+            <a:schemeClr val="accent1"/>
+          </a:effectRef>
+          <a:fontRef idx="minor">
+            <a:schemeClr val="lt1"/>
+          </a:fontRef>
+        </p:style>
+        <p:txBody>
+          <a:bodyPr rtlCol="0" anchor="ctr"/>
+          <a:lstStyle/>
+          <a:p>
+            <a:pPr algn="ctr"/>
+            <a:endParaRPr lang="en-US"/>
+          </a:p>
+        </p:txBody>
+      </p:sp>
+      <p:sp>
+        <p:nvSpPr>
+          <p:cNvPr id="11" name="Title 1"/>
           <p:cNvSpPr txBox="1">
             <a:spLocks/>
           </p:cNvSpPr>
@@ -4534,8 +5959,8 @@
         </p:nvSpPr>
         <p:spPr>
           <a:xfrm>
-            <a:off x="709053" y="5412305"/>
-            <a:ext cx="8047836" cy="496573"/>
+            <a:off x="907388" y="3138720"/>
+            <a:ext cx="3359812" cy="783921"/>
           </a:xfrm>
           <a:prstGeom prst="rect">
             <a:avLst/>
@@ -4578,37 +6003,37 @@
                 </a:solidFill>
                 <a:ea typeface="Roboto Condensed" pitchFamily="2" charset="0"/>
               </a:rPr>
-              <a:t>Bước 2: Gắn đầu USB vào máy tính, đầu micro USB vào micro:bit </a:t>
+              <a:t>Nhấn button B thì hiển thị mặt buồn.</a:t>
             </a:r>
-          </a:p>
-        </p:txBody>
-      </p:sp>
-      <p:sp>
-        <p:nvSpPr>
-          <p:cNvPr id="6" name="Rectangle 5"/>
+            <a:endParaRPr lang="en-US" sz="2000" dirty="0" smtClean="0">
+              <a:solidFill>
+                <a:schemeClr val="tx1">
+                  <a:lumMod val="95000"/>
+                  <a:lumOff val="5000"/>
+                </a:schemeClr>
+              </a:solidFill>
+              <a:ea typeface="Roboto Condensed" pitchFamily="2" charset="0"/>
+            </a:endParaRPr>
+          </a:p>
+        </p:txBody>
+      </p:sp>
+      <p:sp>
+        <p:nvSpPr>
+          <p:cNvPr id="12" name="Rectangle 11"/>
           <p:cNvSpPr/>
           <p:nvPr/>
         </p:nvSpPr>
         <p:spPr>
           <a:xfrm>
-            <a:off x="301925" y="1051379"/>
-            <a:ext cx="8454964" cy="27432"/>
-          </a:xfrm>
-          <a:prstGeom prst="rect">
-            <a:avLst/>
-          </a:prstGeom>
-          <a:gradFill flip="none" rotWithShape="1">
-            <a:gsLst>
-              <a:gs pos="15000">
-                <a:srgbClr val="67C7DF"/>
-              </a:gs>
-              <a:gs pos="100000">
-                <a:srgbClr val="5EB130"/>
-              </a:gs>
-            </a:gsLst>
-            <a:lin ang="0" scaled="1"/>
-            <a:tileRect/>
-          </a:gradFill>
+            <a:off x="735894" y="3267624"/>
+            <a:ext cx="171494" cy="171494"/>
+          </a:xfrm>
+          <a:prstGeom prst="rect">
+            <a:avLst/>
+          </a:prstGeom>
+          <a:solidFill>
+            <a:srgbClr val="EC5F77"/>
+          </a:solidFill>
           <a:ln>
             <a:noFill/>
           </a:ln>
@@ -4638,155 +6063,91 @@
           </a:p>
         </p:txBody>
       </p:sp>
-      <p:sp>
-        <p:nvSpPr>
-          <p:cNvPr id="7" name="TextBox 6"/>
-          <p:cNvSpPr txBox="1"/>
-          <p:nvPr/>
-        </p:nvSpPr>
-        <p:spPr>
-          <a:xfrm>
-            <a:off x="248815" y="546584"/>
-            <a:ext cx="7374995" cy="461665"/>
-          </a:xfrm>
-          <a:prstGeom prst="rect">
-            <a:avLst/>
-          </a:prstGeom>
-          <a:noFill/>
-        </p:spPr>
-        <p:txBody>
-          <a:bodyPr wrap="square" rtlCol="0">
-            <a:spAutoFit/>
-          </a:bodyPr>
-          <a:lstStyle/>
-          <a:p>
-            <a:r>
-              <a:rPr lang="en-US" sz="2400" b="1" dirty="0" smtClean="0">
-                <a:solidFill>
-                  <a:srgbClr val="64C7E9"/>
-                </a:solidFill>
-                <a:latin typeface="UTM Helve" panose="02040603050506020204" pitchFamily="18" charset="0"/>
-                <a:ea typeface="Roboto" pitchFamily="2" charset="0"/>
-              </a:rPr>
-              <a:t>1.4 </a:t>
-            </a:r>
-            <a:r>
-              <a:rPr lang="en-US" sz="2400" b="1" dirty="0">
-                <a:solidFill>
-                  <a:srgbClr val="64C7E9"/>
-                </a:solidFill>
-                <a:latin typeface="UTM Helve" panose="02040603050506020204" pitchFamily="18" charset="0"/>
-                <a:ea typeface="Roboto" pitchFamily="2" charset="0"/>
-              </a:rPr>
-              <a:t>Animations - Chuyển động</a:t>
-            </a:r>
-          </a:p>
-        </p:txBody>
-      </p:sp>
-      <p:sp>
-        <p:nvSpPr>
-          <p:cNvPr id="8" name="TextBox 7"/>
-          <p:cNvSpPr txBox="1"/>
-          <p:nvPr/>
-        </p:nvSpPr>
-        <p:spPr>
-          <a:xfrm>
-            <a:off x="1265305" y="1364739"/>
-            <a:ext cx="5649845" cy="461665"/>
-          </a:xfrm>
-          <a:prstGeom prst="rect">
-            <a:avLst/>
-          </a:prstGeom>
-          <a:noFill/>
-        </p:spPr>
-        <p:txBody>
-          <a:bodyPr wrap="square" rtlCol="0">
-            <a:spAutoFit/>
-          </a:bodyPr>
-          <a:lstStyle/>
-          <a:p>
-            <a:r>
-              <a:rPr lang="en-US" sz="2400" b="1" dirty="0" smtClean="0">
-                <a:solidFill>
-                  <a:schemeClr val="tx1">
-                    <a:lumMod val="85000"/>
-                    <a:lumOff val="15000"/>
-                  </a:schemeClr>
-                </a:solidFill>
-                <a:latin typeface="UTM Helve" panose="02040603050506020204" pitchFamily="18" charset="0"/>
-                <a:ea typeface="Roboto" pitchFamily="2" charset="0"/>
-              </a:rPr>
-              <a:t>Đưa chương trình vào micro:bit</a:t>
-            </a:r>
-            <a:endParaRPr lang="en-US" sz="2400" b="1" dirty="0">
-              <a:solidFill>
-                <a:schemeClr val="tx1">
-                  <a:lumMod val="85000"/>
-                  <a:lumOff val="15000"/>
-                </a:schemeClr>
-              </a:solidFill>
-              <a:latin typeface="UTM Helve" panose="02040603050506020204" pitchFamily="18" charset="0"/>
-              <a:ea typeface="Roboto" pitchFamily="2" charset="0"/>
-            </a:endParaRPr>
-          </a:p>
-        </p:txBody>
-      </p:sp>
       <p:pic>
         <p:nvPicPr>
-          <p:cNvPr id="9" name="Picture 8"/>
+          <p:cNvPr id="13" name="Picture 12" descr="Text&#10;&#10;Description automatically generated with medium confidence">
+            <a:extLst>
+              <a:ext uri="{FF2B5EF4-FFF2-40B4-BE49-F238E27FC236}">
+                <a16:creationId xmlns:a16="http://schemas.microsoft.com/office/drawing/2014/main" id="{54DF792A-2DB1-5D4F-BBF0-63F3893B5060}"/>
+              </a:ext>
+            </a:extLst>
+          </p:cNvPr>
           <p:cNvPicPr>
             <a:picLocks noChangeAspect="1"/>
           </p:cNvPicPr>
           <p:nvPr/>
         </p:nvPicPr>
-        <p:blipFill>
-          <a:blip r:embed="rId3">
+        <p:blipFill rotWithShape="1">
+          <a:blip r:embed="rId3"/>
+          <a:srcRect r="49966"/>
+          <a:stretch/>
+        </p:blipFill>
+        <p:spPr>
+          <a:xfrm>
+            <a:off x="5870485" y="1999671"/>
+            <a:ext cx="2049009" cy="1075434"/>
+          </a:xfrm>
+          <a:prstGeom prst="rect">
+            <a:avLst/>
+          </a:prstGeom>
+        </p:spPr>
+      </p:pic>
+      <p:pic>
+        <p:nvPicPr>
+          <p:cNvPr id="14" name="Picture 13" descr="Text&#10;&#10;Description automatically generated with medium confidence">
             <a:extLst>
-              <a:ext uri="{28A0092B-C50C-407E-A947-70E740481C1C}">
-                <a14:useLocalDpi xmlns:a14="http://schemas.microsoft.com/office/drawing/2010/main" val="0"/>
+              <a:ext uri="{FF2B5EF4-FFF2-40B4-BE49-F238E27FC236}">
+                <a16:creationId xmlns:a16="http://schemas.microsoft.com/office/drawing/2014/main" id="{54DF792A-2DB1-5D4F-BBF0-63F3893B5060}"/>
               </a:ext>
             </a:extLst>
-          </a:blip>
+          </p:cNvPr>
+          <p:cNvPicPr>
+            <a:picLocks noChangeAspect="1"/>
+          </p:cNvPicPr>
+          <p:nvPr/>
+        </p:nvPicPr>
+        <p:blipFill rotWithShape="1">
+          <a:blip r:embed="rId3"/>
+          <a:srcRect l="49584"/>
+          <a:stretch/>
+        </p:blipFill>
+        <p:spPr>
+          <a:xfrm>
+            <a:off x="5854822" y="3178474"/>
+            <a:ext cx="2064672" cy="1075434"/>
+          </a:xfrm>
+          <a:prstGeom prst="rect">
+            <a:avLst/>
+          </a:prstGeom>
+        </p:spPr>
+      </p:pic>
+      <p:pic>
+        <p:nvPicPr>
+          <p:cNvPr id="15" name="Picture 14"/>
+          <p:cNvPicPr>
+            <a:picLocks noChangeAspect="1"/>
+          </p:cNvPicPr>
+          <p:nvPr/>
+        </p:nvPicPr>
+        <p:blipFill>
+          <a:blip r:embed="rId4"/>
           <a:stretch>
             <a:fillRect/>
           </a:stretch>
         </p:blipFill>
         <p:spPr>
           <a:xfrm>
-            <a:off x="709053" y="1437696"/>
-            <a:ext cx="466725" cy="409575"/>
+            <a:off x="5854822" y="4519771"/>
+            <a:ext cx="2400635" cy="1047896"/>
           </a:xfrm>
           <a:prstGeom prst="rect">
             <a:avLst/>
           </a:prstGeom>
         </p:spPr>
       </p:pic>
-      <p:pic>
-        <p:nvPicPr>
-          <p:cNvPr id="11" name="Picture 10"/>
-          <p:cNvPicPr>
-            <a:picLocks noChangeAspect="1"/>
-          </p:cNvPicPr>
-          <p:nvPr/>
-        </p:nvPicPr>
-        <p:blipFill rotWithShape="1">
-          <a:blip r:embed="rId4"/>
-          <a:srcRect t="9567"/>
-          <a:stretch/>
-        </p:blipFill>
-        <p:spPr>
-          <a:xfrm>
-            <a:off x="1477989" y="1992477"/>
-            <a:ext cx="6441059" cy="2452204"/>
-          </a:xfrm>
-          <a:prstGeom prst="rect">
-            <a:avLst/>
-          </a:prstGeom>
-        </p:spPr>
-      </p:pic>
-      <p:sp>
-        <p:nvSpPr>
-          <p:cNvPr id="12" name="Title 1"/>
+      <p:sp>
+        <p:nvSpPr>
+          <p:cNvPr id="16" name="Title 1"/>
           <p:cNvSpPr txBox="1">
             <a:spLocks/>
           </p:cNvSpPr>
@@ -4794,8 +6155,8 @@
         </p:nvSpPr>
         <p:spPr>
           <a:xfrm>
-            <a:off x="709053" y="5983805"/>
-            <a:ext cx="8047836" cy="496573"/>
+            <a:off x="602588" y="4783746"/>
+            <a:ext cx="4526003" cy="783921"/>
           </a:xfrm>
           <a:prstGeom prst="rect">
             <a:avLst/>
@@ -4837,16 +6198,38 @@
                   </a:schemeClr>
                 </a:solidFill>
                 <a:ea typeface="Roboto Condensed" pitchFamily="2" charset="0"/>
+                <a:sym typeface="Wingdings" panose="05000000000000000000" pitchFamily="2" charset="2"/>
               </a:rPr>
-              <a:t>Bước 3: Copy file .hex vào micro:bit </a:t>
+              <a:t> </a:t>
             </a:r>
+            <a:r>
+              <a:rPr lang="en-US" sz="2000" b="0" dirty="0" smtClean="0">
+                <a:solidFill>
+                  <a:schemeClr val="tx1">
+                    <a:lumMod val="95000"/>
+                    <a:lumOff val="5000"/>
+                  </a:schemeClr>
+                </a:solidFill>
+                <a:ea typeface="Roboto Condensed" pitchFamily="2" charset="0"/>
+              </a:rPr>
+              <a:t>Sử dụng các blocks như phần gợi ý bên phải</a:t>
+            </a:r>
+            <a:endParaRPr lang="en-US" sz="2000" dirty="0" smtClean="0">
+              <a:solidFill>
+                <a:schemeClr val="tx1">
+                  <a:lumMod val="95000"/>
+                  <a:lumOff val="5000"/>
+                </a:schemeClr>
+              </a:solidFill>
+              <a:ea typeface="Roboto Condensed" pitchFamily="2" charset="0"/>
+            </a:endParaRPr>
           </a:p>
         </p:txBody>
       </p:sp>
     </p:spTree>
     <p:extLst>
       <p:ext uri="{BB962C8B-B14F-4D97-AF65-F5344CB8AC3E}">
-        <p14:creationId xmlns:p14="http://schemas.microsoft.com/office/powerpoint/2010/main" val="3773185111"/>
+        <p14:creationId xmlns:p14="http://schemas.microsoft.com/office/powerpoint/2010/main" val="108643759"/>
       </p:ext>
     </p:extLst>
   </p:cSld>
@@ -4899,7 +6282,124 @@
       </p:sp>
       <p:sp>
         <p:nvSpPr>
-          <p:cNvPr id="3" name="Rectangle 2"/>
+          <p:cNvPr id="6" name="AutoShape 2" descr="https://cdn.sanity.io/images/ajwvhvgo/production/1d5802331620511efe3b5de846ac15de85b508e3-383x313.gif?bg=fff&amp;w=1.3333333333333333&amp;h=0&amp;q=90&amp;fit=min&amp;auto=format"/>
+          <p:cNvSpPr>
+            <a:spLocks noChangeAspect="1" noChangeArrowheads="1"/>
+          </p:cNvSpPr>
+          <p:nvPr/>
+        </p:nvSpPr>
+        <p:spPr bwMode="auto">
+          <a:xfrm>
+            <a:off x="155575" y="-144463"/>
+            <a:ext cx="304800" cy="304801"/>
+          </a:xfrm>
+          <a:prstGeom prst="rect">
+            <a:avLst/>
+          </a:prstGeom>
+          <a:noFill/>
+          <a:extLst>
+            <a:ext uri="{909E8E84-426E-40DD-AFC4-6F175D3DCCD1}">
+              <a14:hiddenFill xmlns:a14="http://schemas.microsoft.com/office/drawing/2010/main">
+                <a:solidFill>
+                  <a:srgbClr val="FFFFFF"/>
+                </a:solidFill>
+              </a14:hiddenFill>
+            </a:ext>
+          </a:extLst>
+        </p:spPr>
+        <p:txBody>
+          <a:bodyPr vert="horz" wrap="square" lIns="91440" tIns="45720" rIns="91440" bIns="45720" numCol="1" anchor="t" anchorCtr="0" compatLnSpc="1">
+            <a:prstTxWarp prst="textNoShape">
+              <a:avLst/>
+            </a:prstTxWarp>
+          </a:bodyPr>
+          <a:lstStyle/>
+          <a:p>
+            <a:endParaRPr lang="en-US"/>
+          </a:p>
+        </p:txBody>
+      </p:sp>
+      <p:sp>
+        <p:nvSpPr>
+          <p:cNvPr id="8" name="TextBox 7"/>
+          <p:cNvSpPr txBox="1"/>
+          <p:nvPr/>
+        </p:nvSpPr>
+        <p:spPr>
+          <a:xfrm>
+            <a:off x="1098981" y="1272143"/>
+            <a:ext cx="5209054" cy="461665"/>
+          </a:xfrm>
+          <a:prstGeom prst="rect">
+            <a:avLst/>
+          </a:prstGeom>
+          <a:noFill/>
+        </p:spPr>
+        <p:txBody>
+          <a:bodyPr wrap="square" rtlCol="0">
+            <a:spAutoFit/>
+          </a:bodyPr>
+          <a:lstStyle/>
+          <a:p>
+            <a:r>
+              <a:rPr lang="en-US" sz="2400" b="1" dirty="0" smtClean="0">
+                <a:solidFill>
+                  <a:schemeClr val="tx1">
+                    <a:lumMod val="85000"/>
+                    <a:lumOff val="15000"/>
+                  </a:schemeClr>
+                </a:solidFill>
+                <a:latin typeface="UTM Helve" panose="02040603050506020204" pitchFamily="18" charset="0"/>
+                <a:ea typeface="Roboto" pitchFamily="2" charset="0"/>
+              </a:rPr>
+              <a:t>Các inputs đầu vào khác</a:t>
+            </a:r>
+            <a:endParaRPr lang="en-US" sz="2400" b="1" dirty="0">
+              <a:solidFill>
+                <a:schemeClr val="tx1">
+                  <a:lumMod val="85000"/>
+                  <a:lumOff val="15000"/>
+                </a:schemeClr>
+              </a:solidFill>
+              <a:latin typeface="UTM Helve" panose="02040603050506020204" pitchFamily="18" charset="0"/>
+              <a:ea typeface="Roboto" pitchFamily="2" charset="0"/>
+            </a:endParaRPr>
+          </a:p>
+        </p:txBody>
+      </p:sp>
+      <p:pic>
+        <p:nvPicPr>
+          <p:cNvPr id="9" name="Picture 8"/>
+          <p:cNvPicPr>
+            <a:picLocks noChangeAspect="1"/>
+          </p:cNvPicPr>
+          <p:nvPr/>
+        </p:nvPicPr>
+        <p:blipFill>
+          <a:blip r:embed="rId2">
+            <a:extLst>
+              <a:ext uri="{28A0092B-C50C-407E-A947-70E740481C1C}">
+                <a14:useLocalDpi xmlns:a14="http://schemas.microsoft.com/office/drawing/2010/main" val="0"/>
+              </a:ext>
+            </a:extLst>
+          </a:blip>
+          <a:stretch>
+            <a:fillRect/>
+          </a:stretch>
+        </p:blipFill>
+        <p:spPr>
+          <a:xfrm>
+            <a:off x="542728" y="1345100"/>
+            <a:ext cx="466725" cy="409575"/>
+          </a:xfrm>
+          <a:prstGeom prst="rect">
+            <a:avLst/>
+          </a:prstGeom>
+        </p:spPr>
+      </p:pic>
+      <p:sp>
+        <p:nvSpPr>
+          <p:cNvPr id="20" name="Rectangle 19"/>
           <p:cNvSpPr/>
           <p:nvPr/>
         </p:nvSpPr>
@@ -4914,10 +6414,10 @@
           <a:gradFill flip="none" rotWithShape="1">
             <a:gsLst>
               <a:gs pos="15000">
-                <a:srgbClr val="67C7DF"/>
+                <a:srgbClr val="EC5F77"/>
               </a:gs>
               <a:gs pos="100000">
-                <a:srgbClr val="5EB130"/>
+                <a:srgbClr val="A8589E"/>
               </a:gs>
             </a:gsLst>
             <a:lin ang="0" scaled="1"/>
@@ -4954,7 +6454,7 @@
       </p:sp>
       <p:sp>
         <p:nvSpPr>
-          <p:cNvPr id="4" name="TextBox 3"/>
+          <p:cNvPr id="24" name="TextBox 23"/>
           <p:cNvSpPr txBox="1"/>
           <p:nvPr/>
         </p:nvSpPr>
@@ -4977,23 +6477,2047 @@
             <a:r>
               <a:rPr lang="en-US" sz="2400" b="1" dirty="0" smtClean="0">
                 <a:solidFill>
-                  <a:srgbClr val="64C7E9"/>
+                  <a:srgbClr val="EC5F77"/>
                 </a:solidFill>
                 <a:latin typeface="UTM Helve" panose="02040603050506020204" pitchFamily="18" charset="0"/>
                 <a:ea typeface="Roboto" pitchFamily="2" charset="0"/>
               </a:rPr>
-              <a:t>1.4 </a:t>
+              <a:t>2.1 Inputs - đầu vào</a:t>
             </a:r>
+            <a:endParaRPr lang="en-US" sz="2400" b="1" dirty="0">
+              <a:solidFill>
+                <a:srgbClr val="EC5F77"/>
+              </a:solidFill>
+              <a:latin typeface="UTM Helve" panose="02040603050506020204" pitchFamily="18" charset="0"/>
+              <a:ea typeface="Roboto" pitchFamily="2" charset="0"/>
+            </a:endParaRPr>
+          </a:p>
+        </p:txBody>
+      </p:sp>
+      <p:graphicFrame>
+        <p:nvGraphicFramePr>
+          <p:cNvPr id="10" name="Table 9"/>
+          <p:cNvGraphicFramePr>
+            <a:graphicFrameLocks noGrp="1"/>
+          </p:cNvGraphicFramePr>
+          <p:nvPr>
+            <p:extLst>
+              <p:ext uri="{D42A27DB-BD31-4B8C-83A1-F6EECF244321}">
+                <p14:modId xmlns:p14="http://schemas.microsoft.com/office/powerpoint/2010/main" val="2075484624"/>
+              </p:ext>
+            </p:extLst>
+          </p:nvPr>
+        </p:nvGraphicFramePr>
+        <p:xfrm>
+          <a:off x="672451" y="2016460"/>
+          <a:ext cx="8084438" cy="4291575"/>
+        </p:xfrm>
+        <a:graphic>
+          <a:graphicData uri="http://schemas.openxmlformats.org/drawingml/2006/table">
+            <a:tbl>
+              <a:tblPr firstRow="1" bandRow="1">
+                <a:tableStyleId>{5C22544A-7EE6-4342-B048-85BDC9FD1C3A}</a:tableStyleId>
+              </a:tblPr>
+              <a:tblGrid>
+                <a:gridCol w="4042219">
+                  <a:extLst>
+                    <a:ext uri="{9D8B030D-6E8A-4147-A177-3AD203B41FA5}">
+                      <a16:colId xmlns:a16="http://schemas.microsoft.com/office/drawing/2014/main" val="3778830513"/>
+                    </a:ext>
+                  </a:extLst>
+                </a:gridCol>
+                <a:gridCol w="4042219">
+                  <a:extLst>
+                    <a:ext uri="{9D8B030D-6E8A-4147-A177-3AD203B41FA5}">
+                      <a16:colId xmlns:a16="http://schemas.microsoft.com/office/drawing/2014/main" val="3735388886"/>
+                    </a:ext>
+                  </a:extLst>
+                </a:gridCol>
+              </a:tblGrid>
+              <a:tr h="858315">
+                <a:tc>
+                  <a:txBody>
+                    <a:bodyPr/>
+                    <a:lstStyle/>
+                    <a:p>
+                      <a:pPr algn="l"/>
+                      <a:r>
+                        <a:rPr lang="en-US" b="1" dirty="0" smtClean="0">
+                          <a:solidFill>
+                            <a:sysClr val="windowText" lastClr="000000"/>
+                          </a:solidFill>
+                        </a:rPr>
+                        <a:t>Accelerometer</a:t>
+                      </a:r>
+                      <a:r>
+                        <a:rPr lang="en-US" b="0" dirty="0" smtClean="0">
+                          <a:solidFill>
+                            <a:sysClr val="windowText" lastClr="000000"/>
+                          </a:solidFill>
+                        </a:rPr>
+                        <a:t> - Cảm biến gia tốc kế</a:t>
+                      </a:r>
+                      <a:endParaRPr lang="en-US" b="0" dirty="0">
+                        <a:solidFill>
+                          <a:sysClr val="windowText" lastClr="000000"/>
+                        </a:solidFill>
+                      </a:endParaRPr>
+                    </a:p>
+                  </a:txBody>
+                  <a:tcPr anchor="ctr">
+                    <a:lnL w="12700" cap="flat" cmpd="sng" algn="ctr">
+                      <a:solidFill>
+                        <a:schemeClr val="tx1"/>
+                      </a:solidFill>
+                      <a:prstDash val="solid"/>
+                      <a:round/>
+                      <a:headEnd type="none" w="med" len="med"/>
+                      <a:tailEnd type="none" w="med" len="med"/>
+                    </a:lnL>
+                    <a:lnR w="12700" cap="flat" cmpd="sng" algn="ctr">
+                      <a:solidFill>
+                        <a:schemeClr val="tx1"/>
+                      </a:solidFill>
+                      <a:prstDash val="solid"/>
+                      <a:round/>
+                      <a:headEnd type="none" w="med" len="med"/>
+                      <a:tailEnd type="none" w="med" len="med"/>
+                    </a:lnR>
+                    <a:lnT w="12700" cap="flat" cmpd="sng" algn="ctr">
+                      <a:solidFill>
+                        <a:schemeClr val="tx1"/>
+                      </a:solidFill>
+                      <a:prstDash val="solid"/>
+                      <a:round/>
+                      <a:headEnd type="none" w="med" len="med"/>
+                      <a:tailEnd type="none" w="med" len="med"/>
+                    </a:lnT>
+                    <a:lnB w="12700" cap="flat" cmpd="sng" algn="ctr">
+                      <a:solidFill>
+                        <a:schemeClr val="tx1"/>
+                      </a:solidFill>
+                      <a:prstDash val="solid"/>
+                      <a:round/>
+                      <a:headEnd type="none" w="med" len="med"/>
+                      <a:tailEnd type="none" w="med" len="med"/>
+                    </a:lnB>
+                    <a:solidFill>
+                      <a:schemeClr val="bg1"/>
+                    </a:solidFill>
+                  </a:tcPr>
+                </a:tc>
+                <a:tc>
+                  <a:txBody>
+                    <a:bodyPr/>
+                    <a:lstStyle/>
+                    <a:p>
+                      <a:pPr algn="ctr"/>
+                      <a:endParaRPr lang="en-US" dirty="0">
+                        <a:solidFill>
+                          <a:sysClr val="windowText" lastClr="000000"/>
+                        </a:solidFill>
+                      </a:endParaRPr>
+                    </a:p>
+                  </a:txBody>
+                  <a:tcPr anchor="ctr">
+                    <a:lnL w="12700" cap="flat" cmpd="sng" algn="ctr">
+                      <a:solidFill>
+                        <a:schemeClr val="tx1"/>
+                      </a:solidFill>
+                      <a:prstDash val="solid"/>
+                      <a:round/>
+                      <a:headEnd type="none" w="med" len="med"/>
+                      <a:tailEnd type="none" w="med" len="med"/>
+                    </a:lnL>
+                    <a:lnR w="12700" cap="flat" cmpd="sng" algn="ctr">
+                      <a:solidFill>
+                        <a:schemeClr val="tx1"/>
+                      </a:solidFill>
+                      <a:prstDash val="solid"/>
+                      <a:round/>
+                      <a:headEnd type="none" w="med" len="med"/>
+                      <a:tailEnd type="none" w="med" len="med"/>
+                    </a:lnR>
+                    <a:lnT w="12700" cap="flat" cmpd="sng" algn="ctr">
+                      <a:solidFill>
+                        <a:schemeClr val="tx1"/>
+                      </a:solidFill>
+                      <a:prstDash val="solid"/>
+                      <a:round/>
+                      <a:headEnd type="none" w="med" len="med"/>
+                      <a:tailEnd type="none" w="med" len="med"/>
+                    </a:lnT>
+                    <a:lnB w="12700" cap="flat" cmpd="sng" algn="ctr">
+                      <a:solidFill>
+                        <a:schemeClr val="tx1"/>
+                      </a:solidFill>
+                      <a:prstDash val="solid"/>
+                      <a:round/>
+                      <a:headEnd type="none" w="med" len="med"/>
+                      <a:tailEnd type="none" w="med" len="med"/>
+                    </a:lnB>
+                    <a:solidFill>
+                      <a:schemeClr val="bg1"/>
+                    </a:solidFill>
+                  </a:tcPr>
+                </a:tc>
+                <a:extLst>
+                  <a:ext uri="{0D108BD9-81ED-4DB2-BD59-A6C34878D82A}">
+                    <a16:rowId xmlns:a16="http://schemas.microsoft.com/office/drawing/2014/main" val="4054433595"/>
+                  </a:ext>
+                </a:extLst>
+              </a:tr>
+              <a:tr h="858315">
+                <a:tc>
+                  <a:txBody>
+                    <a:bodyPr/>
+                    <a:lstStyle/>
+                    <a:p>
+                      <a:pPr algn="l"/>
+                      <a:r>
+                        <a:rPr lang="en-US" b="1" dirty="0" smtClean="0">
+                          <a:solidFill>
+                            <a:sysClr val="windowText" lastClr="000000"/>
+                          </a:solidFill>
+                        </a:rPr>
+                        <a:t>On Shake </a:t>
+                      </a:r>
+                      <a:r>
+                        <a:rPr lang="en-US" dirty="0" smtClean="0">
+                          <a:solidFill>
+                            <a:sysClr val="windowText" lastClr="000000"/>
+                          </a:solidFill>
+                        </a:rPr>
+                        <a:t>– Lắc micro:bit</a:t>
+                      </a:r>
+                      <a:endParaRPr lang="en-US" dirty="0">
+                        <a:solidFill>
+                          <a:sysClr val="windowText" lastClr="000000"/>
+                        </a:solidFill>
+                      </a:endParaRPr>
+                    </a:p>
+                  </a:txBody>
+                  <a:tcPr anchor="ctr">
+                    <a:lnL w="12700" cap="flat" cmpd="sng" algn="ctr">
+                      <a:solidFill>
+                        <a:schemeClr val="tx1"/>
+                      </a:solidFill>
+                      <a:prstDash val="solid"/>
+                      <a:round/>
+                      <a:headEnd type="none" w="med" len="med"/>
+                      <a:tailEnd type="none" w="med" len="med"/>
+                    </a:lnL>
+                    <a:lnR w="12700" cap="flat" cmpd="sng" algn="ctr">
+                      <a:solidFill>
+                        <a:schemeClr val="tx1"/>
+                      </a:solidFill>
+                      <a:prstDash val="solid"/>
+                      <a:round/>
+                      <a:headEnd type="none" w="med" len="med"/>
+                      <a:tailEnd type="none" w="med" len="med"/>
+                    </a:lnR>
+                    <a:lnT w="12700" cap="flat" cmpd="sng" algn="ctr">
+                      <a:solidFill>
+                        <a:schemeClr val="tx1"/>
+                      </a:solidFill>
+                      <a:prstDash val="solid"/>
+                      <a:round/>
+                      <a:headEnd type="none" w="med" len="med"/>
+                      <a:tailEnd type="none" w="med" len="med"/>
+                    </a:lnT>
+                    <a:lnB w="12700" cap="flat" cmpd="sng" algn="ctr">
+                      <a:solidFill>
+                        <a:schemeClr val="tx1"/>
+                      </a:solidFill>
+                      <a:prstDash val="solid"/>
+                      <a:round/>
+                      <a:headEnd type="none" w="med" len="med"/>
+                      <a:tailEnd type="none" w="med" len="med"/>
+                    </a:lnB>
+                    <a:solidFill>
+                      <a:schemeClr val="bg1"/>
+                    </a:solidFill>
+                  </a:tcPr>
+                </a:tc>
+                <a:tc>
+                  <a:txBody>
+                    <a:bodyPr/>
+                    <a:lstStyle/>
+                    <a:p>
+                      <a:pPr algn="ctr"/>
+                      <a:endParaRPr lang="en-US" dirty="0">
+                        <a:solidFill>
+                          <a:sysClr val="windowText" lastClr="000000"/>
+                        </a:solidFill>
+                      </a:endParaRPr>
+                    </a:p>
+                  </a:txBody>
+                  <a:tcPr anchor="ctr">
+                    <a:lnL w="12700" cap="flat" cmpd="sng" algn="ctr">
+                      <a:solidFill>
+                        <a:schemeClr val="tx1"/>
+                      </a:solidFill>
+                      <a:prstDash val="solid"/>
+                      <a:round/>
+                      <a:headEnd type="none" w="med" len="med"/>
+                      <a:tailEnd type="none" w="med" len="med"/>
+                    </a:lnL>
+                    <a:lnR w="12700" cap="flat" cmpd="sng" algn="ctr">
+                      <a:solidFill>
+                        <a:schemeClr val="tx1"/>
+                      </a:solidFill>
+                      <a:prstDash val="solid"/>
+                      <a:round/>
+                      <a:headEnd type="none" w="med" len="med"/>
+                      <a:tailEnd type="none" w="med" len="med"/>
+                    </a:lnR>
+                    <a:lnT w="12700" cap="flat" cmpd="sng" algn="ctr">
+                      <a:solidFill>
+                        <a:schemeClr val="tx1"/>
+                      </a:solidFill>
+                      <a:prstDash val="solid"/>
+                      <a:round/>
+                      <a:headEnd type="none" w="med" len="med"/>
+                      <a:tailEnd type="none" w="med" len="med"/>
+                    </a:lnT>
+                    <a:lnB w="12700" cap="flat" cmpd="sng" algn="ctr">
+                      <a:solidFill>
+                        <a:schemeClr val="tx1"/>
+                      </a:solidFill>
+                      <a:prstDash val="solid"/>
+                      <a:round/>
+                      <a:headEnd type="none" w="med" len="med"/>
+                      <a:tailEnd type="none" w="med" len="med"/>
+                    </a:lnB>
+                    <a:solidFill>
+                      <a:schemeClr val="bg1"/>
+                    </a:solidFill>
+                  </a:tcPr>
+                </a:tc>
+                <a:extLst>
+                  <a:ext uri="{0D108BD9-81ED-4DB2-BD59-A6C34878D82A}">
+                    <a16:rowId xmlns:a16="http://schemas.microsoft.com/office/drawing/2014/main" val="2142479997"/>
+                  </a:ext>
+                </a:extLst>
+              </a:tr>
+              <a:tr h="858315">
+                <a:tc>
+                  <a:txBody>
+                    <a:bodyPr/>
+                    <a:lstStyle/>
+                    <a:p>
+                      <a:pPr algn="l"/>
+                      <a:r>
+                        <a:rPr lang="en-US" b="1" dirty="0" smtClean="0">
+                          <a:solidFill>
+                            <a:sysClr val="windowText" lastClr="000000"/>
+                          </a:solidFill>
+                        </a:rPr>
+                        <a:t>Temperature Sensor </a:t>
+                      </a:r>
+                      <a:r>
+                        <a:rPr lang="en-US" dirty="0" smtClean="0">
+                          <a:solidFill>
+                            <a:sysClr val="windowText" lastClr="000000"/>
+                          </a:solidFill>
+                        </a:rPr>
+                        <a:t>– Cảm biến</a:t>
+                      </a:r>
+                      <a:r>
+                        <a:rPr lang="en-US" baseline="0" dirty="0" smtClean="0">
+                          <a:solidFill>
+                            <a:sysClr val="windowText" lastClr="000000"/>
+                          </a:solidFill>
+                        </a:rPr>
+                        <a:t> nhiệt độ</a:t>
+                      </a:r>
+                      <a:endParaRPr lang="en-US" dirty="0">
+                        <a:solidFill>
+                          <a:sysClr val="windowText" lastClr="000000"/>
+                        </a:solidFill>
+                      </a:endParaRPr>
+                    </a:p>
+                  </a:txBody>
+                  <a:tcPr anchor="ctr">
+                    <a:lnL w="12700" cap="flat" cmpd="sng" algn="ctr">
+                      <a:solidFill>
+                        <a:schemeClr val="tx1"/>
+                      </a:solidFill>
+                      <a:prstDash val="solid"/>
+                      <a:round/>
+                      <a:headEnd type="none" w="med" len="med"/>
+                      <a:tailEnd type="none" w="med" len="med"/>
+                    </a:lnL>
+                    <a:lnR w="12700" cap="flat" cmpd="sng" algn="ctr">
+                      <a:solidFill>
+                        <a:schemeClr val="tx1"/>
+                      </a:solidFill>
+                      <a:prstDash val="solid"/>
+                      <a:round/>
+                      <a:headEnd type="none" w="med" len="med"/>
+                      <a:tailEnd type="none" w="med" len="med"/>
+                    </a:lnR>
+                    <a:lnT w="12700" cap="flat" cmpd="sng" algn="ctr">
+                      <a:solidFill>
+                        <a:schemeClr val="tx1"/>
+                      </a:solidFill>
+                      <a:prstDash val="solid"/>
+                      <a:round/>
+                      <a:headEnd type="none" w="med" len="med"/>
+                      <a:tailEnd type="none" w="med" len="med"/>
+                    </a:lnT>
+                    <a:lnB w="12700" cap="flat" cmpd="sng" algn="ctr">
+                      <a:solidFill>
+                        <a:schemeClr val="tx1"/>
+                      </a:solidFill>
+                      <a:prstDash val="solid"/>
+                      <a:round/>
+                      <a:headEnd type="none" w="med" len="med"/>
+                      <a:tailEnd type="none" w="med" len="med"/>
+                    </a:lnB>
+                    <a:solidFill>
+                      <a:schemeClr val="bg1"/>
+                    </a:solidFill>
+                  </a:tcPr>
+                </a:tc>
+                <a:tc>
+                  <a:txBody>
+                    <a:bodyPr/>
+                    <a:lstStyle/>
+                    <a:p>
+                      <a:pPr algn="ctr"/>
+                      <a:endParaRPr lang="en-US" dirty="0">
+                        <a:solidFill>
+                          <a:sysClr val="windowText" lastClr="000000"/>
+                        </a:solidFill>
+                      </a:endParaRPr>
+                    </a:p>
+                  </a:txBody>
+                  <a:tcPr anchor="ctr">
+                    <a:lnL w="12700" cap="flat" cmpd="sng" algn="ctr">
+                      <a:solidFill>
+                        <a:schemeClr val="tx1"/>
+                      </a:solidFill>
+                      <a:prstDash val="solid"/>
+                      <a:round/>
+                      <a:headEnd type="none" w="med" len="med"/>
+                      <a:tailEnd type="none" w="med" len="med"/>
+                    </a:lnL>
+                    <a:lnR w="12700" cap="flat" cmpd="sng" algn="ctr">
+                      <a:solidFill>
+                        <a:schemeClr val="tx1"/>
+                      </a:solidFill>
+                      <a:prstDash val="solid"/>
+                      <a:round/>
+                      <a:headEnd type="none" w="med" len="med"/>
+                      <a:tailEnd type="none" w="med" len="med"/>
+                    </a:lnR>
+                    <a:lnT w="12700" cap="flat" cmpd="sng" algn="ctr">
+                      <a:solidFill>
+                        <a:schemeClr val="tx1"/>
+                      </a:solidFill>
+                      <a:prstDash val="solid"/>
+                      <a:round/>
+                      <a:headEnd type="none" w="med" len="med"/>
+                      <a:tailEnd type="none" w="med" len="med"/>
+                    </a:lnT>
+                    <a:lnB w="12700" cap="flat" cmpd="sng" algn="ctr">
+                      <a:solidFill>
+                        <a:schemeClr val="tx1"/>
+                      </a:solidFill>
+                      <a:prstDash val="solid"/>
+                      <a:round/>
+                      <a:headEnd type="none" w="med" len="med"/>
+                      <a:tailEnd type="none" w="med" len="med"/>
+                    </a:lnB>
+                    <a:solidFill>
+                      <a:schemeClr val="bg1"/>
+                    </a:solidFill>
+                  </a:tcPr>
+                </a:tc>
+                <a:extLst>
+                  <a:ext uri="{0D108BD9-81ED-4DB2-BD59-A6C34878D82A}">
+                    <a16:rowId xmlns:a16="http://schemas.microsoft.com/office/drawing/2014/main" val="1639463110"/>
+                  </a:ext>
+                </a:extLst>
+              </a:tr>
+              <a:tr h="858315">
+                <a:tc>
+                  <a:txBody>
+                    <a:bodyPr/>
+                    <a:lstStyle/>
+                    <a:p>
+                      <a:pPr algn="l"/>
+                      <a:r>
+                        <a:rPr lang="en-US" b="1" dirty="0" smtClean="0">
+                          <a:solidFill>
+                            <a:sysClr val="windowText" lastClr="000000"/>
+                          </a:solidFill>
+                        </a:rPr>
+                        <a:t>Compass</a:t>
+                      </a:r>
+                      <a:r>
+                        <a:rPr lang="en-US" dirty="0" smtClean="0">
+                          <a:solidFill>
+                            <a:sysClr val="windowText" lastClr="000000"/>
+                          </a:solidFill>
+                        </a:rPr>
+                        <a:t> – Cảm biến</a:t>
+                      </a:r>
+                      <a:r>
+                        <a:rPr lang="en-US" baseline="0" dirty="0" smtClean="0">
+                          <a:solidFill>
+                            <a:sysClr val="windowText" lastClr="000000"/>
+                          </a:solidFill>
+                        </a:rPr>
+                        <a:t> la bàn</a:t>
+                      </a:r>
+                      <a:endParaRPr lang="en-US" dirty="0">
+                        <a:solidFill>
+                          <a:sysClr val="windowText" lastClr="000000"/>
+                        </a:solidFill>
+                      </a:endParaRPr>
+                    </a:p>
+                  </a:txBody>
+                  <a:tcPr anchor="ctr">
+                    <a:lnL w="12700" cap="flat" cmpd="sng" algn="ctr">
+                      <a:solidFill>
+                        <a:schemeClr val="tx1"/>
+                      </a:solidFill>
+                      <a:prstDash val="solid"/>
+                      <a:round/>
+                      <a:headEnd type="none" w="med" len="med"/>
+                      <a:tailEnd type="none" w="med" len="med"/>
+                    </a:lnL>
+                    <a:lnR w="12700" cap="flat" cmpd="sng" algn="ctr">
+                      <a:solidFill>
+                        <a:schemeClr val="tx1"/>
+                      </a:solidFill>
+                      <a:prstDash val="solid"/>
+                      <a:round/>
+                      <a:headEnd type="none" w="med" len="med"/>
+                      <a:tailEnd type="none" w="med" len="med"/>
+                    </a:lnR>
+                    <a:lnT w="12700" cap="flat" cmpd="sng" algn="ctr">
+                      <a:solidFill>
+                        <a:schemeClr val="tx1"/>
+                      </a:solidFill>
+                      <a:prstDash val="solid"/>
+                      <a:round/>
+                      <a:headEnd type="none" w="med" len="med"/>
+                      <a:tailEnd type="none" w="med" len="med"/>
+                    </a:lnT>
+                    <a:lnB w="12700" cap="flat" cmpd="sng" algn="ctr">
+                      <a:solidFill>
+                        <a:schemeClr val="tx1"/>
+                      </a:solidFill>
+                      <a:prstDash val="solid"/>
+                      <a:round/>
+                      <a:headEnd type="none" w="med" len="med"/>
+                      <a:tailEnd type="none" w="med" len="med"/>
+                    </a:lnB>
+                    <a:solidFill>
+                      <a:schemeClr val="bg1"/>
+                    </a:solidFill>
+                  </a:tcPr>
+                </a:tc>
+                <a:tc>
+                  <a:txBody>
+                    <a:bodyPr/>
+                    <a:lstStyle/>
+                    <a:p>
+                      <a:pPr algn="ctr"/>
+                      <a:endParaRPr lang="en-US" dirty="0">
+                        <a:solidFill>
+                          <a:sysClr val="windowText" lastClr="000000"/>
+                        </a:solidFill>
+                      </a:endParaRPr>
+                    </a:p>
+                  </a:txBody>
+                  <a:tcPr anchor="ctr">
+                    <a:lnL w="12700" cap="flat" cmpd="sng" algn="ctr">
+                      <a:solidFill>
+                        <a:schemeClr val="tx1"/>
+                      </a:solidFill>
+                      <a:prstDash val="solid"/>
+                      <a:round/>
+                      <a:headEnd type="none" w="med" len="med"/>
+                      <a:tailEnd type="none" w="med" len="med"/>
+                    </a:lnL>
+                    <a:lnR w="12700" cap="flat" cmpd="sng" algn="ctr">
+                      <a:solidFill>
+                        <a:schemeClr val="tx1"/>
+                      </a:solidFill>
+                      <a:prstDash val="solid"/>
+                      <a:round/>
+                      <a:headEnd type="none" w="med" len="med"/>
+                      <a:tailEnd type="none" w="med" len="med"/>
+                    </a:lnR>
+                    <a:lnT w="12700" cap="flat" cmpd="sng" algn="ctr">
+                      <a:solidFill>
+                        <a:schemeClr val="tx1"/>
+                      </a:solidFill>
+                      <a:prstDash val="solid"/>
+                      <a:round/>
+                      <a:headEnd type="none" w="med" len="med"/>
+                      <a:tailEnd type="none" w="med" len="med"/>
+                    </a:lnT>
+                    <a:lnB w="12700" cap="flat" cmpd="sng" algn="ctr">
+                      <a:solidFill>
+                        <a:schemeClr val="tx1"/>
+                      </a:solidFill>
+                      <a:prstDash val="solid"/>
+                      <a:round/>
+                      <a:headEnd type="none" w="med" len="med"/>
+                      <a:tailEnd type="none" w="med" len="med"/>
+                    </a:lnB>
+                    <a:solidFill>
+                      <a:schemeClr val="bg1"/>
+                    </a:solidFill>
+                  </a:tcPr>
+                </a:tc>
+                <a:extLst>
+                  <a:ext uri="{0D108BD9-81ED-4DB2-BD59-A6C34878D82A}">
+                    <a16:rowId xmlns:a16="http://schemas.microsoft.com/office/drawing/2014/main" val="1415485619"/>
+                  </a:ext>
+                </a:extLst>
+              </a:tr>
+              <a:tr h="858315">
+                <a:tc>
+                  <a:txBody>
+                    <a:bodyPr/>
+                    <a:lstStyle/>
+                    <a:p>
+                      <a:pPr algn="l"/>
+                      <a:r>
+                        <a:rPr lang="en-US" b="1" dirty="0" smtClean="0">
+                          <a:solidFill>
+                            <a:sysClr val="windowText" lastClr="000000"/>
+                          </a:solidFill>
+                        </a:rPr>
+                        <a:t>Light sensor </a:t>
+                      </a:r>
+                      <a:r>
+                        <a:rPr lang="en-US" dirty="0" smtClean="0">
+                          <a:solidFill>
+                            <a:sysClr val="windowText" lastClr="000000"/>
+                          </a:solidFill>
+                        </a:rPr>
+                        <a:t>- </a:t>
+                      </a:r>
+                      <a:r>
+                        <a:rPr lang="vi-VN" dirty="0" smtClean="0">
+                          <a:solidFill>
+                            <a:sysClr val="windowText" lastClr="000000"/>
+                          </a:solidFill>
+                        </a:rPr>
+                        <a:t>Cảm biến cường độ ánh sáng</a:t>
+                      </a:r>
+                      <a:endParaRPr lang="en-US" dirty="0">
+                        <a:solidFill>
+                          <a:sysClr val="windowText" lastClr="000000"/>
+                        </a:solidFill>
+                      </a:endParaRPr>
+                    </a:p>
+                  </a:txBody>
+                  <a:tcPr anchor="ctr">
+                    <a:lnL w="12700" cap="flat" cmpd="sng" algn="ctr">
+                      <a:solidFill>
+                        <a:schemeClr val="tx1"/>
+                      </a:solidFill>
+                      <a:prstDash val="solid"/>
+                      <a:round/>
+                      <a:headEnd type="none" w="med" len="med"/>
+                      <a:tailEnd type="none" w="med" len="med"/>
+                    </a:lnL>
+                    <a:lnR w="12700" cap="flat" cmpd="sng" algn="ctr">
+                      <a:solidFill>
+                        <a:schemeClr val="tx1"/>
+                      </a:solidFill>
+                      <a:prstDash val="solid"/>
+                      <a:round/>
+                      <a:headEnd type="none" w="med" len="med"/>
+                      <a:tailEnd type="none" w="med" len="med"/>
+                    </a:lnR>
+                    <a:lnT w="12700" cap="flat" cmpd="sng" algn="ctr">
+                      <a:solidFill>
+                        <a:schemeClr val="tx1"/>
+                      </a:solidFill>
+                      <a:prstDash val="solid"/>
+                      <a:round/>
+                      <a:headEnd type="none" w="med" len="med"/>
+                      <a:tailEnd type="none" w="med" len="med"/>
+                    </a:lnT>
+                    <a:lnB w="12700" cap="flat" cmpd="sng" algn="ctr">
+                      <a:solidFill>
+                        <a:schemeClr val="tx1"/>
+                      </a:solidFill>
+                      <a:prstDash val="solid"/>
+                      <a:round/>
+                      <a:headEnd type="none" w="med" len="med"/>
+                      <a:tailEnd type="none" w="med" len="med"/>
+                    </a:lnB>
+                    <a:solidFill>
+                      <a:schemeClr val="bg1"/>
+                    </a:solidFill>
+                  </a:tcPr>
+                </a:tc>
+                <a:tc>
+                  <a:txBody>
+                    <a:bodyPr/>
+                    <a:lstStyle/>
+                    <a:p>
+                      <a:pPr algn="ctr"/>
+                      <a:endParaRPr lang="en-US" dirty="0">
+                        <a:solidFill>
+                          <a:sysClr val="windowText" lastClr="000000"/>
+                        </a:solidFill>
+                      </a:endParaRPr>
+                    </a:p>
+                  </a:txBody>
+                  <a:tcPr anchor="ctr">
+                    <a:lnL w="12700" cap="flat" cmpd="sng" algn="ctr">
+                      <a:solidFill>
+                        <a:schemeClr val="tx1"/>
+                      </a:solidFill>
+                      <a:prstDash val="solid"/>
+                      <a:round/>
+                      <a:headEnd type="none" w="med" len="med"/>
+                      <a:tailEnd type="none" w="med" len="med"/>
+                    </a:lnL>
+                    <a:lnR w="12700" cap="flat" cmpd="sng" algn="ctr">
+                      <a:solidFill>
+                        <a:schemeClr val="tx1"/>
+                      </a:solidFill>
+                      <a:prstDash val="solid"/>
+                      <a:round/>
+                      <a:headEnd type="none" w="med" len="med"/>
+                      <a:tailEnd type="none" w="med" len="med"/>
+                    </a:lnR>
+                    <a:lnT w="12700" cap="flat" cmpd="sng" algn="ctr">
+                      <a:solidFill>
+                        <a:schemeClr val="tx1"/>
+                      </a:solidFill>
+                      <a:prstDash val="solid"/>
+                      <a:round/>
+                      <a:headEnd type="none" w="med" len="med"/>
+                      <a:tailEnd type="none" w="med" len="med"/>
+                    </a:lnT>
+                    <a:lnB w="12700" cap="flat" cmpd="sng" algn="ctr">
+                      <a:solidFill>
+                        <a:schemeClr val="tx1"/>
+                      </a:solidFill>
+                      <a:prstDash val="solid"/>
+                      <a:round/>
+                      <a:headEnd type="none" w="med" len="med"/>
+                      <a:tailEnd type="none" w="med" len="med"/>
+                    </a:lnB>
+                    <a:solidFill>
+                      <a:schemeClr val="bg1"/>
+                    </a:solidFill>
+                  </a:tcPr>
+                </a:tc>
+                <a:extLst>
+                  <a:ext uri="{0D108BD9-81ED-4DB2-BD59-A6C34878D82A}">
+                    <a16:rowId xmlns:a16="http://schemas.microsoft.com/office/drawing/2014/main" val="2027904484"/>
+                  </a:ext>
+                </a:extLst>
+              </a:tr>
+            </a:tbl>
+          </a:graphicData>
+        </a:graphic>
+      </p:graphicFrame>
+      <p:sp>
+        <p:nvSpPr>
+          <p:cNvPr id="26" name="Title 1"/>
+          <p:cNvSpPr txBox="1">
+            <a:spLocks/>
+          </p:cNvSpPr>
+          <p:nvPr/>
+        </p:nvSpPr>
+        <p:spPr>
+          <a:xfrm>
+            <a:off x="907388" y="2224320"/>
+            <a:ext cx="3359812" cy="783921"/>
+          </a:xfrm>
+          <a:prstGeom prst="rect">
+            <a:avLst/>
+          </a:prstGeom>
+        </p:spPr>
+        <p:txBody>
+          <a:bodyPr/>
+          <a:lstStyle>
+            <a:lvl1pPr algn="l" defTabSz="914400" rtl="0" eaLnBrk="1" latinLnBrk="0" hangingPunct="1">
+              <a:lnSpc>
+                <a:spcPct val="90000"/>
+              </a:lnSpc>
+              <a:spcBef>
+                <a:spcPct val="0"/>
+              </a:spcBef>
+              <a:buNone/>
+              <a:defRPr sz="3200" b="1" kern="1200">
+                <a:solidFill>
+                  <a:srgbClr val="019DD0"/>
+                </a:solidFill>
+                <a:latin typeface="Arial" panose="020B0604020202020204" pitchFamily="34" charset="0"/>
+                <a:ea typeface="+mj-ea"/>
+                <a:cs typeface="Arial" panose="020B0604020202020204" pitchFamily="34" charset="0"/>
+              </a:defRPr>
+            </a:lvl1pPr>
+          </a:lstStyle>
+          <a:p>
+            <a:pPr>
+              <a:lnSpc>
+                <a:spcPct val="100000"/>
+              </a:lnSpc>
+            </a:pPr>
+            <a:endParaRPr lang="en-US" sz="2000" dirty="0" smtClean="0">
+              <a:solidFill>
+                <a:schemeClr val="tx1">
+                  <a:lumMod val="95000"/>
+                  <a:lumOff val="5000"/>
+                </a:schemeClr>
+              </a:solidFill>
+              <a:ea typeface="Roboto Condensed" pitchFamily="2" charset="0"/>
+            </a:endParaRPr>
+          </a:p>
+        </p:txBody>
+      </p:sp>
+      <p:pic>
+        <p:nvPicPr>
+          <p:cNvPr id="11" name="Picture 10"/>
+          <p:cNvPicPr>
+            <a:picLocks noChangeAspect="1"/>
+          </p:cNvPicPr>
+          <p:nvPr/>
+        </p:nvPicPr>
+        <p:blipFill>
+          <a:blip r:embed="rId3"/>
+          <a:stretch>
+            <a:fillRect/>
+          </a:stretch>
+        </p:blipFill>
+        <p:spPr>
+          <a:xfrm>
+            <a:off x="5303007" y="2224320"/>
+            <a:ext cx="2010056" cy="447737"/>
+          </a:xfrm>
+          <a:prstGeom prst="rect">
+            <a:avLst/>
+          </a:prstGeom>
+        </p:spPr>
+      </p:pic>
+      <p:pic>
+        <p:nvPicPr>
+          <p:cNvPr id="16" name="Picture 15"/>
+          <p:cNvPicPr>
+            <a:picLocks noChangeAspect="1"/>
+          </p:cNvPicPr>
+          <p:nvPr/>
+        </p:nvPicPr>
+        <p:blipFill>
+          <a:blip r:embed="rId4"/>
+          <a:stretch>
+            <a:fillRect/>
+          </a:stretch>
+        </p:blipFill>
+        <p:spPr>
+          <a:xfrm>
+            <a:off x="5303007" y="3952668"/>
+            <a:ext cx="1476581" cy="419158"/>
+          </a:xfrm>
+          <a:prstGeom prst="rect">
+            <a:avLst/>
+          </a:prstGeom>
+        </p:spPr>
+      </p:pic>
+      <p:pic>
+        <p:nvPicPr>
+          <p:cNvPr id="28" name="Picture 27"/>
+          <p:cNvPicPr>
+            <a:picLocks noChangeAspect="1"/>
+          </p:cNvPicPr>
+          <p:nvPr/>
+        </p:nvPicPr>
+        <p:blipFill>
+          <a:blip r:embed="rId5"/>
+          <a:stretch>
+            <a:fillRect/>
+          </a:stretch>
+        </p:blipFill>
+        <p:spPr>
+          <a:xfrm>
+            <a:off x="5303007" y="4801094"/>
+            <a:ext cx="1705213" cy="447737"/>
+          </a:xfrm>
+          <a:prstGeom prst="rect">
+            <a:avLst/>
+          </a:prstGeom>
+        </p:spPr>
+      </p:pic>
+      <p:pic>
+        <p:nvPicPr>
+          <p:cNvPr id="29" name="Picture 28"/>
+          <p:cNvPicPr>
+            <a:picLocks noChangeAspect="1"/>
+          </p:cNvPicPr>
+          <p:nvPr/>
+        </p:nvPicPr>
+        <p:blipFill>
+          <a:blip r:embed="rId6"/>
+          <a:stretch>
+            <a:fillRect/>
+          </a:stretch>
+        </p:blipFill>
+        <p:spPr>
+          <a:xfrm>
+            <a:off x="5303007" y="5652437"/>
+            <a:ext cx="1066949" cy="438211"/>
+          </a:xfrm>
+          <a:prstGeom prst="rect">
+            <a:avLst/>
+          </a:prstGeom>
+        </p:spPr>
+      </p:pic>
+      <p:pic>
+        <p:nvPicPr>
+          <p:cNvPr id="30" name="Picture 29"/>
+          <p:cNvPicPr>
+            <a:picLocks noChangeAspect="1"/>
+          </p:cNvPicPr>
+          <p:nvPr/>
+        </p:nvPicPr>
+        <p:blipFill>
+          <a:blip r:embed="rId7"/>
+          <a:stretch>
+            <a:fillRect/>
+          </a:stretch>
+        </p:blipFill>
+        <p:spPr>
+          <a:xfrm>
+            <a:off x="5303007" y="2903866"/>
+            <a:ext cx="1164054" cy="798861"/>
+          </a:xfrm>
+          <a:prstGeom prst="rect">
+            <a:avLst/>
+          </a:prstGeom>
+        </p:spPr>
+      </p:pic>
+    </p:spTree>
+    <p:extLst>
+      <p:ext uri="{BB962C8B-B14F-4D97-AF65-F5344CB8AC3E}">
+        <p14:creationId xmlns:p14="http://schemas.microsoft.com/office/powerpoint/2010/main" val="3342966614"/>
+      </p:ext>
+    </p:extLst>
+  </p:cSld>
+  <p:clrMapOvr>
+    <a:masterClrMapping/>
+  </p:clrMapOvr>
+</p:sld>
+</file>
+
+<file path=ppt/slides/slide7.xml><?xml version="1.0" encoding="utf-8"?>
+<p:sld xmlns:a="http://schemas.openxmlformats.org/drawingml/2006/main" xmlns:r="http://schemas.openxmlformats.org/officeDocument/2006/relationships" xmlns:p="http://schemas.openxmlformats.org/presentationml/2006/main">
+  <p:cSld>
+    <p:spTree>
+      <p:nvGrpSpPr>
+        <p:cNvPr id="1" name=""/>
+        <p:cNvGrpSpPr/>
+        <p:nvPr/>
+      </p:nvGrpSpPr>
+      <p:grpSpPr>
+        <a:xfrm>
+          <a:off x="0" y="0"/>
+          <a:ext cx="0" cy="0"/>
+          <a:chOff x="0" y="0"/>
+          <a:chExt cx="0" cy="0"/>
+        </a:xfrm>
+      </p:grpSpPr>
+      <p:sp>
+        <p:nvSpPr>
+          <p:cNvPr id="2" name="Slide Number Placeholder 1"/>
+          <p:cNvSpPr>
+            <a:spLocks noGrp="1"/>
+          </p:cNvSpPr>
+          <p:nvPr>
+            <p:ph type="sldNum" sz="quarter" idx="12"/>
+          </p:nvPr>
+        </p:nvSpPr>
+        <p:spPr/>
+        <p:txBody>
+          <a:bodyPr/>
+          <a:lstStyle/>
+          <a:p>
+            <a:fld id="{7D9EC917-02A2-4152-9EE3-DFE2775A77C7}" type="slidenum">
+              <a:rPr lang="en-US" smtClean="0"/>
+              <a:pPr/>
+              <a:t>7</a:t>
+            </a:fld>
+            <a:endParaRPr lang="en-US"/>
+          </a:p>
+        </p:txBody>
+      </p:sp>
+      <p:sp>
+        <p:nvSpPr>
+          <p:cNvPr id="3" name="Rectangle 2"/>
+          <p:cNvSpPr/>
+          <p:nvPr/>
+        </p:nvSpPr>
+        <p:spPr>
+          <a:xfrm>
+            <a:off x="301925" y="1051379"/>
+            <a:ext cx="8454964" cy="27432"/>
+          </a:xfrm>
+          <a:prstGeom prst="rect">
+            <a:avLst/>
+          </a:prstGeom>
+          <a:gradFill flip="none" rotWithShape="1">
+            <a:gsLst>
+              <a:gs pos="15000">
+                <a:srgbClr val="EC5F77"/>
+              </a:gs>
+              <a:gs pos="100000">
+                <a:srgbClr val="A8589E"/>
+              </a:gs>
+            </a:gsLst>
+            <a:lin ang="0" scaled="1"/>
+            <a:tileRect/>
+          </a:gradFill>
+          <a:ln>
+            <a:noFill/>
+          </a:ln>
+        </p:spPr>
+        <p:style>
+          <a:lnRef idx="2">
+            <a:schemeClr val="accent1">
+              <a:shade val="50000"/>
+            </a:schemeClr>
+          </a:lnRef>
+          <a:fillRef idx="1">
+            <a:schemeClr val="accent1"/>
+          </a:fillRef>
+          <a:effectRef idx="0">
+            <a:schemeClr val="accent1"/>
+          </a:effectRef>
+          <a:fontRef idx="minor">
+            <a:schemeClr val="lt1"/>
+          </a:fontRef>
+        </p:style>
+        <p:txBody>
+          <a:bodyPr rtlCol="0" anchor="ctr"/>
+          <a:lstStyle/>
+          <a:p>
+            <a:pPr algn="ctr"/>
+            <a:endParaRPr lang="en-US"/>
+          </a:p>
+        </p:txBody>
+      </p:sp>
+      <p:sp>
+        <p:nvSpPr>
+          <p:cNvPr id="4" name="TextBox 3"/>
+          <p:cNvSpPr txBox="1"/>
+          <p:nvPr/>
+        </p:nvSpPr>
+        <p:spPr>
+          <a:xfrm>
+            <a:off x="248815" y="546584"/>
+            <a:ext cx="7374995" cy="461665"/>
+          </a:xfrm>
+          <a:prstGeom prst="rect">
+            <a:avLst/>
+          </a:prstGeom>
+          <a:noFill/>
+        </p:spPr>
+        <p:txBody>
+          <a:bodyPr wrap="square" rtlCol="0">
+            <a:spAutoFit/>
+          </a:bodyPr>
+          <a:lstStyle/>
+          <a:p>
             <a:r>
-              <a:rPr lang="en-US" sz="2400" b="1" dirty="0">
+              <a:rPr lang="en-US" sz="2400" b="1" dirty="0" smtClean="0">
                 <a:solidFill>
-                  <a:srgbClr val="64C7E9"/>
+                  <a:srgbClr val="EC5F77"/>
                 </a:solidFill>
                 <a:latin typeface="UTM Helve" panose="02040603050506020204" pitchFamily="18" charset="0"/>
                 <a:ea typeface="Roboto" pitchFamily="2" charset="0"/>
               </a:rPr>
-              <a:t>Animations - Chuyển động</a:t>
+              <a:t>2.1 Inputs - đầu vào</a:t>
             </a:r>
+            <a:endParaRPr lang="en-US" sz="2400" b="1" dirty="0">
+              <a:solidFill>
+                <a:srgbClr val="EC5F77"/>
+              </a:solidFill>
+              <a:latin typeface="UTM Helve" panose="02040603050506020204" pitchFamily="18" charset="0"/>
+              <a:ea typeface="Roboto" pitchFamily="2" charset="0"/>
+            </a:endParaRPr>
+          </a:p>
+        </p:txBody>
+      </p:sp>
+      <p:sp>
+        <p:nvSpPr>
+          <p:cNvPr id="5" name="TextBox 4"/>
+          <p:cNvSpPr txBox="1"/>
+          <p:nvPr/>
+        </p:nvSpPr>
+        <p:spPr>
+          <a:xfrm>
+            <a:off x="1098981" y="1272143"/>
+            <a:ext cx="5209054" cy="461665"/>
+          </a:xfrm>
+          <a:prstGeom prst="rect">
+            <a:avLst/>
+          </a:prstGeom>
+          <a:noFill/>
+        </p:spPr>
+        <p:txBody>
+          <a:bodyPr wrap="square" rtlCol="0">
+            <a:spAutoFit/>
+          </a:bodyPr>
+          <a:lstStyle/>
+          <a:p>
+            <a:r>
+              <a:rPr lang="en-US" sz="2400" b="1" dirty="0" smtClean="0">
+                <a:solidFill>
+                  <a:schemeClr val="tx1">
+                    <a:lumMod val="85000"/>
+                    <a:lumOff val="15000"/>
+                  </a:schemeClr>
+                </a:solidFill>
+                <a:latin typeface="UTM Helve" panose="02040603050506020204" pitchFamily="18" charset="0"/>
+                <a:ea typeface="Roboto" pitchFamily="2" charset="0"/>
+              </a:rPr>
+              <a:t>Ví dụ về sự kiện lắc và chạm logo</a:t>
+            </a:r>
+            <a:endParaRPr lang="en-US" sz="2400" b="1" dirty="0">
+              <a:solidFill>
+                <a:schemeClr val="tx1">
+                  <a:lumMod val="85000"/>
+                  <a:lumOff val="15000"/>
+                </a:schemeClr>
+              </a:solidFill>
+              <a:latin typeface="UTM Helve" panose="02040603050506020204" pitchFamily="18" charset="0"/>
+              <a:ea typeface="Roboto" pitchFamily="2" charset="0"/>
+            </a:endParaRPr>
+          </a:p>
+        </p:txBody>
+      </p:sp>
+      <p:pic>
+        <p:nvPicPr>
+          <p:cNvPr id="6" name="Picture 5"/>
+          <p:cNvPicPr>
+            <a:picLocks noChangeAspect="1"/>
+          </p:cNvPicPr>
+          <p:nvPr/>
+        </p:nvPicPr>
+        <p:blipFill>
+          <a:blip r:embed="rId2">
+            <a:extLst>
+              <a:ext uri="{28A0092B-C50C-407E-A947-70E740481C1C}">
+                <a14:useLocalDpi xmlns:a14="http://schemas.microsoft.com/office/drawing/2010/main" val="0"/>
+              </a:ext>
+            </a:extLst>
+          </a:blip>
+          <a:stretch>
+            <a:fillRect/>
+          </a:stretch>
+        </p:blipFill>
+        <p:spPr>
+          <a:xfrm>
+            <a:off x="542728" y="1345100"/>
+            <a:ext cx="466725" cy="409575"/>
+          </a:xfrm>
+          <a:prstGeom prst="rect">
+            <a:avLst/>
+          </a:prstGeom>
+        </p:spPr>
+      </p:pic>
+      <p:sp>
+        <p:nvSpPr>
+          <p:cNvPr id="7" name="Rounded Rectangle 6"/>
+          <p:cNvSpPr/>
+          <p:nvPr/>
+        </p:nvSpPr>
+        <p:spPr>
+          <a:xfrm>
+            <a:off x="1095869" y="1927140"/>
+            <a:ext cx="6828931" cy="2035260"/>
+          </a:xfrm>
+          <a:prstGeom prst="roundRect">
+            <a:avLst>
+              <a:gd name="adj" fmla="val 3719"/>
+            </a:avLst>
+          </a:prstGeom>
+          <a:noFill/>
+          <a:ln w="19050">
+            <a:solidFill>
+              <a:srgbClr val="EC5F77"/>
+            </a:solidFill>
+            <a:prstDash val="sysDash"/>
+          </a:ln>
+        </p:spPr>
+        <p:style>
+          <a:lnRef idx="2">
+            <a:schemeClr val="accent1">
+              <a:shade val="50000"/>
+            </a:schemeClr>
+          </a:lnRef>
+          <a:fillRef idx="1">
+            <a:schemeClr val="accent1"/>
+          </a:fillRef>
+          <a:effectRef idx="0">
+            <a:schemeClr val="accent1"/>
+          </a:effectRef>
+          <a:fontRef idx="minor">
+            <a:schemeClr val="lt1"/>
+          </a:fontRef>
+        </p:style>
+        <p:txBody>
+          <a:bodyPr rtlCol="0" anchor="ctr"/>
+          <a:lstStyle/>
+          <a:p>
+            <a:pPr algn="ctr"/>
+            <a:endParaRPr lang="en-US"/>
+          </a:p>
+        </p:txBody>
+      </p:sp>
+      <p:sp>
+        <p:nvSpPr>
+          <p:cNvPr id="8" name="Rounded Rectangle 7"/>
+          <p:cNvSpPr/>
+          <p:nvPr/>
+        </p:nvSpPr>
+        <p:spPr>
+          <a:xfrm>
+            <a:off x="1095869" y="4233018"/>
+            <a:ext cx="6828931" cy="2035260"/>
+          </a:xfrm>
+          <a:prstGeom prst="roundRect">
+            <a:avLst>
+              <a:gd name="adj" fmla="val 3719"/>
+            </a:avLst>
+          </a:prstGeom>
+          <a:noFill/>
+          <a:ln w="19050">
+            <a:solidFill>
+              <a:srgbClr val="EC5F77"/>
+            </a:solidFill>
+            <a:prstDash val="sysDash"/>
+          </a:ln>
+        </p:spPr>
+        <p:style>
+          <a:lnRef idx="2">
+            <a:schemeClr val="accent1">
+              <a:shade val="50000"/>
+            </a:schemeClr>
+          </a:lnRef>
+          <a:fillRef idx="1">
+            <a:schemeClr val="accent1"/>
+          </a:fillRef>
+          <a:effectRef idx="0">
+            <a:schemeClr val="accent1"/>
+          </a:effectRef>
+          <a:fontRef idx="minor">
+            <a:schemeClr val="lt1"/>
+          </a:fontRef>
+        </p:style>
+        <p:txBody>
+          <a:bodyPr rtlCol="0" anchor="ctr"/>
+          <a:lstStyle/>
+          <a:p>
+            <a:pPr algn="ctr"/>
+            <a:endParaRPr lang="en-US"/>
+          </a:p>
+        </p:txBody>
+      </p:sp>
+      <p:pic>
+        <p:nvPicPr>
+          <p:cNvPr id="9" name="Picture 8"/>
+          <p:cNvPicPr>
+            <a:picLocks noChangeAspect="1"/>
+          </p:cNvPicPr>
+          <p:nvPr/>
+        </p:nvPicPr>
+        <p:blipFill>
+          <a:blip r:embed="rId3"/>
+          <a:stretch>
+            <a:fillRect/>
+          </a:stretch>
+        </p:blipFill>
+        <p:spPr>
+          <a:xfrm>
+            <a:off x="5224431" y="2131488"/>
+            <a:ext cx="2167207" cy="1618877"/>
+          </a:xfrm>
+          <a:prstGeom prst="rect">
+            <a:avLst/>
+          </a:prstGeom>
+        </p:spPr>
+      </p:pic>
+      <p:sp>
+        <p:nvSpPr>
+          <p:cNvPr id="11" name="Title 1"/>
+          <p:cNvSpPr txBox="1">
+            <a:spLocks/>
+          </p:cNvSpPr>
+          <p:nvPr/>
+        </p:nvSpPr>
+        <p:spPr>
+          <a:xfrm>
+            <a:off x="1480244" y="2548965"/>
+            <a:ext cx="3359812" cy="783921"/>
+          </a:xfrm>
+          <a:prstGeom prst="rect">
+            <a:avLst/>
+          </a:prstGeom>
+        </p:spPr>
+        <p:txBody>
+          <a:bodyPr/>
+          <a:lstStyle>
+            <a:lvl1pPr algn="l" defTabSz="914400" rtl="0" eaLnBrk="1" latinLnBrk="0" hangingPunct="1">
+              <a:lnSpc>
+                <a:spcPct val="90000"/>
+              </a:lnSpc>
+              <a:spcBef>
+                <a:spcPct val="0"/>
+              </a:spcBef>
+              <a:buNone/>
+              <a:defRPr sz="3200" b="1" kern="1200">
+                <a:solidFill>
+                  <a:srgbClr val="019DD0"/>
+                </a:solidFill>
+                <a:latin typeface="Arial" panose="020B0604020202020204" pitchFamily="34" charset="0"/>
+                <a:ea typeface="+mj-ea"/>
+                <a:cs typeface="Arial" panose="020B0604020202020204" pitchFamily="34" charset="0"/>
+              </a:defRPr>
+            </a:lvl1pPr>
+          </a:lstStyle>
+          <a:p>
+            <a:pPr>
+              <a:lnSpc>
+                <a:spcPct val="100000"/>
+              </a:lnSpc>
+            </a:pPr>
+            <a:r>
+              <a:rPr lang="en-US" sz="2000" b="0" dirty="0" smtClean="0">
+                <a:solidFill>
+                  <a:schemeClr val="tx1">
+                    <a:lumMod val="95000"/>
+                    <a:lumOff val="5000"/>
+                  </a:schemeClr>
+                </a:solidFill>
+                <a:ea typeface="Roboto Condensed" pitchFamily="2" charset="0"/>
+              </a:rPr>
+              <a:t>Lắc micro:bit hiển thị hình trái tim ra màn hình LED</a:t>
+            </a:r>
+            <a:endParaRPr lang="en-US" sz="2000" dirty="0" smtClean="0">
+              <a:solidFill>
+                <a:schemeClr val="tx1">
+                  <a:lumMod val="95000"/>
+                  <a:lumOff val="5000"/>
+                </a:schemeClr>
+              </a:solidFill>
+              <a:ea typeface="Roboto Condensed" pitchFamily="2" charset="0"/>
+            </a:endParaRPr>
+          </a:p>
+        </p:txBody>
+      </p:sp>
+      <p:sp>
+        <p:nvSpPr>
+          <p:cNvPr id="12" name="Oval 11"/>
+          <p:cNvSpPr/>
+          <p:nvPr/>
+        </p:nvSpPr>
+        <p:spPr>
+          <a:xfrm>
+            <a:off x="837841" y="2603004"/>
+            <a:ext cx="530087" cy="530087"/>
+          </a:xfrm>
+          <a:prstGeom prst="ellipse">
+            <a:avLst/>
+          </a:prstGeom>
+          <a:solidFill>
+            <a:srgbClr val="EC5F77"/>
+          </a:solidFill>
+          <a:ln>
+            <a:noFill/>
+          </a:ln>
+        </p:spPr>
+        <p:style>
+          <a:lnRef idx="2">
+            <a:schemeClr val="accent1">
+              <a:shade val="50000"/>
+            </a:schemeClr>
+          </a:lnRef>
+          <a:fillRef idx="1">
+            <a:schemeClr val="accent1"/>
+          </a:fillRef>
+          <a:effectRef idx="0">
+            <a:schemeClr val="accent1"/>
+          </a:effectRef>
+          <a:fontRef idx="minor">
+            <a:schemeClr val="lt1"/>
+          </a:fontRef>
+        </p:style>
+        <p:txBody>
+          <a:bodyPr rtlCol="0" anchor="ctr"/>
+          <a:lstStyle/>
+          <a:p>
+            <a:pPr algn="ctr"/>
+            <a:r>
+              <a:rPr lang="en-US" sz="2000" b="1" dirty="0" smtClean="0"/>
+              <a:t>1</a:t>
+            </a:r>
+            <a:endParaRPr lang="en-US" sz="2000" b="1" dirty="0"/>
+          </a:p>
+        </p:txBody>
+      </p:sp>
+      <p:sp>
+        <p:nvSpPr>
+          <p:cNvPr id="13" name="Oval 12"/>
+          <p:cNvSpPr/>
+          <p:nvPr/>
+        </p:nvSpPr>
+        <p:spPr>
+          <a:xfrm>
+            <a:off x="837841" y="5028152"/>
+            <a:ext cx="530087" cy="530087"/>
+          </a:xfrm>
+          <a:prstGeom prst="ellipse">
+            <a:avLst/>
+          </a:prstGeom>
+          <a:solidFill>
+            <a:srgbClr val="EC5F77"/>
+          </a:solidFill>
+          <a:ln>
+            <a:noFill/>
+          </a:ln>
+        </p:spPr>
+        <p:style>
+          <a:lnRef idx="2">
+            <a:schemeClr val="accent1">
+              <a:shade val="50000"/>
+            </a:schemeClr>
+          </a:lnRef>
+          <a:fillRef idx="1">
+            <a:schemeClr val="accent1"/>
+          </a:fillRef>
+          <a:effectRef idx="0">
+            <a:schemeClr val="accent1"/>
+          </a:effectRef>
+          <a:fontRef idx="minor">
+            <a:schemeClr val="lt1"/>
+          </a:fontRef>
+        </p:style>
+        <p:txBody>
+          <a:bodyPr rtlCol="0" anchor="ctr"/>
+          <a:lstStyle/>
+          <a:p>
+            <a:pPr algn="ctr"/>
+            <a:r>
+              <a:rPr lang="en-US" sz="2000" b="1" dirty="0" smtClean="0"/>
+              <a:t>2</a:t>
+            </a:r>
+            <a:endParaRPr lang="en-US" sz="2000" b="1" dirty="0"/>
+          </a:p>
+        </p:txBody>
+      </p:sp>
+      <p:sp>
+        <p:nvSpPr>
+          <p:cNvPr id="14" name="Title 1"/>
+          <p:cNvSpPr txBox="1">
+            <a:spLocks/>
+          </p:cNvSpPr>
+          <p:nvPr/>
+        </p:nvSpPr>
+        <p:spPr>
+          <a:xfrm>
+            <a:off x="1480244" y="4718154"/>
+            <a:ext cx="3359812" cy="1214652"/>
+          </a:xfrm>
+          <a:prstGeom prst="rect">
+            <a:avLst/>
+          </a:prstGeom>
+        </p:spPr>
+        <p:txBody>
+          <a:bodyPr/>
+          <a:lstStyle>
+            <a:lvl1pPr algn="l" defTabSz="914400" rtl="0" eaLnBrk="1" latinLnBrk="0" hangingPunct="1">
+              <a:lnSpc>
+                <a:spcPct val="90000"/>
+              </a:lnSpc>
+              <a:spcBef>
+                <a:spcPct val="0"/>
+              </a:spcBef>
+              <a:buNone/>
+              <a:defRPr sz="3200" b="1" kern="1200">
+                <a:solidFill>
+                  <a:srgbClr val="019DD0"/>
+                </a:solidFill>
+                <a:latin typeface="Arial" panose="020B0604020202020204" pitchFamily="34" charset="0"/>
+                <a:ea typeface="+mj-ea"/>
+                <a:cs typeface="Arial" panose="020B0604020202020204" pitchFamily="34" charset="0"/>
+              </a:defRPr>
+            </a:lvl1pPr>
+          </a:lstStyle>
+          <a:p>
+            <a:pPr>
+              <a:lnSpc>
+                <a:spcPct val="100000"/>
+              </a:lnSpc>
+            </a:pPr>
+            <a:r>
+              <a:rPr lang="en-US" sz="2000" b="0" dirty="0" smtClean="0">
+                <a:solidFill>
+                  <a:schemeClr val="tx1">
+                    <a:lumMod val="95000"/>
+                    <a:lumOff val="5000"/>
+                  </a:schemeClr>
+                </a:solidFill>
+                <a:ea typeface="Roboto Condensed" pitchFamily="2" charset="0"/>
+              </a:rPr>
+              <a:t>Chạm vào Logo micro:bit ở mặt trước hiển thị mặt cười ra màn hình LED</a:t>
+            </a:r>
+            <a:endParaRPr lang="en-US" sz="2000" dirty="0" smtClean="0">
+              <a:solidFill>
+                <a:schemeClr val="tx1">
+                  <a:lumMod val="95000"/>
+                  <a:lumOff val="5000"/>
+                </a:schemeClr>
+              </a:solidFill>
+              <a:ea typeface="Roboto Condensed" pitchFamily="2" charset="0"/>
+            </a:endParaRPr>
+          </a:p>
+        </p:txBody>
+      </p:sp>
+      <p:pic>
+        <p:nvPicPr>
+          <p:cNvPr id="15" name="Picture 14"/>
+          <p:cNvPicPr>
+            <a:picLocks noChangeAspect="1"/>
+          </p:cNvPicPr>
+          <p:nvPr/>
+        </p:nvPicPr>
+        <p:blipFill>
+          <a:blip r:embed="rId4"/>
+          <a:stretch>
+            <a:fillRect/>
+          </a:stretch>
+        </p:blipFill>
+        <p:spPr>
+          <a:xfrm>
+            <a:off x="5224431" y="4434686"/>
+            <a:ext cx="2278929" cy="1727575"/>
+          </a:xfrm>
+          <a:prstGeom prst="rect">
+            <a:avLst/>
+          </a:prstGeom>
+        </p:spPr>
+      </p:pic>
+    </p:spTree>
+    <p:extLst>
+      <p:ext uri="{BB962C8B-B14F-4D97-AF65-F5344CB8AC3E}">
+        <p14:creationId xmlns:p14="http://schemas.microsoft.com/office/powerpoint/2010/main" val="1450525535"/>
+      </p:ext>
+    </p:extLst>
+  </p:cSld>
+  <p:clrMapOvr>
+    <a:masterClrMapping/>
+  </p:clrMapOvr>
+</p:sld>
+</file>
+
+<file path=ppt/slides/slide8.xml><?xml version="1.0" encoding="utf-8"?>
+<p:sld xmlns:a="http://schemas.openxmlformats.org/drawingml/2006/main" xmlns:r="http://schemas.openxmlformats.org/officeDocument/2006/relationships" xmlns:p="http://schemas.openxmlformats.org/presentationml/2006/main">
+  <p:cSld>
+    <p:spTree>
+      <p:nvGrpSpPr>
+        <p:cNvPr id="1" name=""/>
+        <p:cNvGrpSpPr/>
+        <p:nvPr/>
+      </p:nvGrpSpPr>
+      <p:grpSpPr>
+        <a:xfrm>
+          <a:off x="0" y="0"/>
+          <a:ext cx="0" cy="0"/>
+          <a:chOff x="0" y="0"/>
+          <a:chExt cx="0" cy="0"/>
+        </a:xfrm>
+      </p:grpSpPr>
+      <p:sp>
+        <p:nvSpPr>
+          <p:cNvPr id="2" name="Slide Number Placeholder 1"/>
+          <p:cNvSpPr>
+            <a:spLocks noGrp="1"/>
+          </p:cNvSpPr>
+          <p:nvPr>
+            <p:ph type="sldNum" sz="quarter" idx="12"/>
+          </p:nvPr>
+        </p:nvSpPr>
+        <p:spPr/>
+        <p:txBody>
+          <a:bodyPr/>
+          <a:lstStyle/>
+          <a:p>
+            <a:fld id="{7D9EC917-02A2-4152-9EE3-DFE2775A77C7}" type="slidenum">
+              <a:rPr lang="en-US" smtClean="0"/>
+              <a:pPr/>
+              <a:t>8</a:t>
+            </a:fld>
+            <a:endParaRPr lang="en-US"/>
+          </a:p>
+        </p:txBody>
+      </p:sp>
+      <p:sp>
+        <p:nvSpPr>
+          <p:cNvPr id="3" name="Title 1"/>
+          <p:cNvSpPr txBox="1">
+            <a:spLocks/>
+          </p:cNvSpPr>
+          <p:nvPr/>
+        </p:nvSpPr>
+        <p:spPr>
+          <a:xfrm>
+            <a:off x="709053" y="4862785"/>
+            <a:ext cx="5644503" cy="508846"/>
+          </a:xfrm>
+          <a:prstGeom prst="rect">
+            <a:avLst/>
+          </a:prstGeom>
+        </p:spPr>
+        <p:txBody>
+          <a:bodyPr/>
+          <a:lstStyle>
+            <a:lvl1pPr algn="l" defTabSz="914400" rtl="0" eaLnBrk="1" latinLnBrk="0" hangingPunct="1">
+              <a:lnSpc>
+                <a:spcPct val="90000"/>
+              </a:lnSpc>
+              <a:spcBef>
+                <a:spcPct val="0"/>
+              </a:spcBef>
+              <a:buNone/>
+              <a:defRPr sz="3200" b="1" kern="1200">
+                <a:solidFill>
+                  <a:srgbClr val="019DD0"/>
+                </a:solidFill>
+                <a:latin typeface="Arial" panose="020B0604020202020204" pitchFamily="34" charset="0"/>
+                <a:ea typeface="+mj-ea"/>
+                <a:cs typeface="Arial" panose="020B0604020202020204" pitchFamily="34" charset="0"/>
+              </a:defRPr>
+            </a:lvl1pPr>
+          </a:lstStyle>
+          <a:p>
+            <a:pPr>
+              <a:lnSpc>
+                <a:spcPct val="100000"/>
+              </a:lnSpc>
+            </a:pPr>
+            <a:r>
+              <a:rPr lang="en-US" sz="2000" b="0" dirty="0" smtClean="0">
+                <a:solidFill>
+                  <a:schemeClr val="tx1">
+                    <a:lumMod val="95000"/>
+                    <a:lumOff val="5000"/>
+                  </a:schemeClr>
+                </a:solidFill>
+                <a:ea typeface="Roboto Condensed" pitchFamily="2" charset="0"/>
+              </a:rPr>
+              <a:t>Bước 1: Click Download tải file về máy tính</a:t>
+            </a:r>
+          </a:p>
+        </p:txBody>
+      </p:sp>
+      <p:pic>
+        <p:nvPicPr>
+          <p:cNvPr id="4" name="Picture 3"/>
+          <p:cNvPicPr>
+            <a:picLocks noChangeAspect="1"/>
+          </p:cNvPicPr>
+          <p:nvPr/>
+        </p:nvPicPr>
+        <p:blipFill>
+          <a:blip r:embed="rId2"/>
+          <a:stretch>
+            <a:fillRect/>
+          </a:stretch>
+        </p:blipFill>
+        <p:spPr>
+          <a:xfrm>
+            <a:off x="5743928" y="4822111"/>
+            <a:ext cx="2909512" cy="456394"/>
+          </a:xfrm>
+          <a:prstGeom prst="rect">
+            <a:avLst/>
+          </a:prstGeom>
+        </p:spPr>
+      </p:pic>
+      <p:sp>
+        <p:nvSpPr>
+          <p:cNvPr id="5" name="Title 1"/>
+          <p:cNvSpPr txBox="1">
+            <a:spLocks/>
+          </p:cNvSpPr>
+          <p:nvPr/>
+        </p:nvSpPr>
+        <p:spPr>
+          <a:xfrm>
+            <a:off x="709053" y="5412305"/>
+            <a:ext cx="8047836" cy="496573"/>
+          </a:xfrm>
+          <a:prstGeom prst="rect">
+            <a:avLst/>
+          </a:prstGeom>
+        </p:spPr>
+        <p:txBody>
+          <a:bodyPr/>
+          <a:lstStyle>
+            <a:lvl1pPr algn="l" defTabSz="914400" rtl="0" eaLnBrk="1" latinLnBrk="0" hangingPunct="1">
+              <a:lnSpc>
+                <a:spcPct val="90000"/>
+              </a:lnSpc>
+              <a:spcBef>
+                <a:spcPct val="0"/>
+              </a:spcBef>
+              <a:buNone/>
+              <a:defRPr sz="3200" b="1" kern="1200">
+                <a:solidFill>
+                  <a:srgbClr val="019DD0"/>
+                </a:solidFill>
+                <a:latin typeface="Arial" panose="020B0604020202020204" pitchFamily="34" charset="0"/>
+                <a:ea typeface="+mj-ea"/>
+                <a:cs typeface="Arial" panose="020B0604020202020204" pitchFamily="34" charset="0"/>
+              </a:defRPr>
+            </a:lvl1pPr>
+          </a:lstStyle>
+          <a:p>
+            <a:pPr>
+              <a:lnSpc>
+                <a:spcPct val="100000"/>
+              </a:lnSpc>
+            </a:pPr>
+            <a:r>
+              <a:rPr lang="en-US" sz="2000" b="0" dirty="0" smtClean="0">
+                <a:solidFill>
+                  <a:schemeClr val="tx1">
+                    <a:lumMod val="95000"/>
+                    <a:lumOff val="5000"/>
+                  </a:schemeClr>
+                </a:solidFill>
+                <a:ea typeface="Roboto Condensed" pitchFamily="2" charset="0"/>
+              </a:rPr>
+              <a:t>Bước 2: Gắn đầu USB vào máy tính, đầu micro USB vào micro:bit </a:t>
+            </a:r>
+          </a:p>
+        </p:txBody>
+      </p:sp>
+      <p:sp>
+        <p:nvSpPr>
+          <p:cNvPr id="8" name="TextBox 7"/>
+          <p:cNvSpPr txBox="1"/>
+          <p:nvPr/>
+        </p:nvSpPr>
+        <p:spPr>
+          <a:xfrm>
+            <a:off x="1265305" y="1364739"/>
+            <a:ext cx="5649845" cy="461665"/>
+          </a:xfrm>
+          <a:prstGeom prst="rect">
+            <a:avLst/>
+          </a:prstGeom>
+          <a:noFill/>
+        </p:spPr>
+        <p:txBody>
+          <a:bodyPr wrap="square" rtlCol="0">
+            <a:spAutoFit/>
+          </a:bodyPr>
+          <a:lstStyle/>
+          <a:p>
+            <a:r>
+              <a:rPr lang="en-US" sz="2400" b="1" dirty="0" smtClean="0">
+                <a:solidFill>
+                  <a:schemeClr val="tx1">
+                    <a:lumMod val="85000"/>
+                    <a:lumOff val="15000"/>
+                  </a:schemeClr>
+                </a:solidFill>
+                <a:latin typeface="UTM Helve" panose="02040603050506020204" pitchFamily="18" charset="0"/>
+                <a:ea typeface="Roboto" pitchFamily="2" charset="0"/>
+              </a:rPr>
+              <a:t>Đưa chương trình vào micro:bit</a:t>
+            </a:r>
+            <a:endParaRPr lang="en-US" sz="2400" b="1" dirty="0">
+              <a:solidFill>
+                <a:schemeClr val="tx1">
+                  <a:lumMod val="85000"/>
+                  <a:lumOff val="15000"/>
+                </a:schemeClr>
+              </a:solidFill>
+              <a:latin typeface="UTM Helve" panose="02040603050506020204" pitchFamily="18" charset="0"/>
+              <a:ea typeface="Roboto" pitchFamily="2" charset="0"/>
+            </a:endParaRPr>
+          </a:p>
+        </p:txBody>
+      </p:sp>
+      <p:pic>
+        <p:nvPicPr>
+          <p:cNvPr id="9" name="Picture 8"/>
+          <p:cNvPicPr>
+            <a:picLocks noChangeAspect="1"/>
+          </p:cNvPicPr>
+          <p:nvPr/>
+        </p:nvPicPr>
+        <p:blipFill>
+          <a:blip r:embed="rId3">
+            <a:extLst>
+              <a:ext uri="{28A0092B-C50C-407E-A947-70E740481C1C}">
+                <a14:useLocalDpi xmlns:a14="http://schemas.microsoft.com/office/drawing/2010/main" val="0"/>
+              </a:ext>
+            </a:extLst>
+          </a:blip>
+          <a:stretch>
+            <a:fillRect/>
+          </a:stretch>
+        </p:blipFill>
+        <p:spPr>
+          <a:xfrm>
+            <a:off x="709053" y="1437696"/>
+            <a:ext cx="466725" cy="409575"/>
+          </a:xfrm>
+          <a:prstGeom prst="rect">
+            <a:avLst/>
+          </a:prstGeom>
+        </p:spPr>
+      </p:pic>
+      <p:pic>
+        <p:nvPicPr>
+          <p:cNvPr id="11" name="Picture 10"/>
+          <p:cNvPicPr>
+            <a:picLocks noChangeAspect="1"/>
+          </p:cNvPicPr>
+          <p:nvPr/>
+        </p:nvPicPr>
+        <p:blipFill rotWithShape="1">
+          <a:blip r:embed="rId4"/>
+          <a:srcRect t="9567"/>
+          <a:stretch/>
+        </p:blipFill>
+        <p:spPr>
+          <a:xfrm>
+            <a:off x="1477989" y="1992477"/>
+            <a:ext cx="6441059" cy="2452204"/>
+          </a:xfrm>
+          <a:prstGeom prst="rect">
+            <a:avLst/>
+          </a:prstGeom>
+        </p:spPr>
+      </p:pic>
+      <p:sp>
+        <p:nvSpPr>
+          <p:cNvPr id="12" name="Title 1"/>
+          <p:cNvSpPr txBox="1">
+            <a:spLocks/>
+          </p:cNvSpPr>
+          <p:nvPr/>
+        </p:nvSpPr>
+        <p:spPr>
+          <a:xfrm>
+            <a:off x="709053" y="5983805"/>
+            <a:ext cx="8047836" cy="496573"/>
+          </a:xfrm>
+          <a:prstGeom prst="rect">
+            <a:avLst/>
+          </a:prstGeom>
+        </p:spPr>
+        <p:txBody>
+          <a:bodyPr/>
+          <a:lstStyle>
+            <a:lvl1pPr algn="l" defTabSz="914400" rtl="0" eaLnBrk="1" latinLnBrk="0" hangingPunct="1">
+              <a:lnSpc>
+                <a:spcPct val="90000"/>
+              </a:lnSpc>
+              <a:spcBef>
+                <a:spcPct val="0"/>
+              </a:spcBef>
+              <a:buNone/>
+              <a:defRPr sz="3200" b="1" kern="1200">
+                <a:solidFill>
+                  <a:srgbClr val="019DD0"/>
+                </a:solidFill>
+                <a:latin typeface="Arial" panose="020B0604020202020204" pitchFamily="34" charset="0"/>
+                <a:ea typeface="+mj-ea"/>
+                <a:cs typeface="Arial" panose="020B0604020202020204" pitchFamily="34" charset="0"/>
+              </a:defRPr>
+            </a:lvl1pPr>
+          </a:lstStyle>
+          <a:p>
+            <a:pPr>
+              <a:lnSpc>
+                <a:spcPct val="100000"/>
+              </a:lnSpc>
+            </a:pPr>
+            <a:r>
+              <a:rPr lang="en-US" sz="2000" b="0" dirty="0" smtClean="0">
+                <a:solidFill>
+                  <a:schemeClr val="tx1">
+                    <a:lumMod val="95000"/>
+                    <a:lumOff val="5000"/>
+                  </a:schemeClr>
+                </a:solidFill>
+                <a:ea typeface="Roboto Condensed" pitchFamily="2" charset="0"/>
+              </a:rPr>
+              <a:t>Bước 3: Copy file .hex vào micro:bit </a:t>
+            </a:r>
+          </a:p>
+        </p:txBody>
+      </p:sp>
+      <p:sp>
+        <p:nvSpPr>
+          <p:cNvPr id="13" name="Rectangle 12"/>
+          <p:cNvSpPr/>
+          <p:nvPr/>
+        </p:nvSpPr>
+        <p:spPr>
+          <a:xfrm>
+            <a:off x="301925" y="1051379"/>
+            <a:ext cx="8454964" cy="27432"/>
+          </a:xfrm>
+          <a:prstGeom prst="rect">
+            <a:avLst/>
+          </a:prstGeom>
+          <a:gradFill flip="none" rotWithShape="1">
+            <a:gsLst>
+              <a:gs pos="15000">
+                <a:srgbClr val="EC5F77"/>
+              </a:gs>
+              <a:gs pos="100000">
+                <a:srgbClr val="A8589E"/>
+              </a:gs>
+            </a:gsLst>
+            <a:lin ang="0" scaled="1"/>
+            <a:tileRect/>
+          </a:gradFill>
+          <a:ln>
+            <a:noFill/>
+          </a:ln>
+        </p:spPr>
+        <p:style>
+          <a:lnRef idx="2">
+            <a:schemeClr val="accent1">
+              <a:shade val="50000"/>
+            </a:schemeClr>
+          </a:lnRef>
+          <a:fillRef idx="1">
+            <a:schemeClr val="accent1"/>
+          </a:fillRef>
+          <a:effectRef idx="0">
+            <a:schemeClr val="accent1"/>
+          </a:effectRef>
+          <a:fontRef idx="minor">
+            <a:schemeClr val="lt1"/>
+          </a:fontRef>
+        </p:style>
+        <p:txBody>
+          <a:bodyPr rtlCol="0" anchor="ctr"/>
+          <a:lstStyle/>
+          <a:p>
+            <a:pPr algn="ctr"/>
+            <a:endParaRPr lang="en-US"/>
+          </a:p>
+        </p:txBody>
+      </p:sp>
+      <p:sp>
+        <p:nvSpPr>
+          <p:cNvPr id="14" name="TextBox 13"/>
+          <p:cNvSpPr txBox="1"/>
+          <p:nvPr/>
+        </p:nvSpPr>
+        <p:spPr>
+          <a:xfrm>
+            <a:off x="248815" y="546584"/>
+            <a:ext cx="7374995" cy="461665"/>
+          </a:xfrm>
+          <a:prstGeom prst="rect">
+            <a:avLst/>
+          </a:prstGeom>
+          <a:noFill/>
+        </p:spPr>
+        <p:txBody>
+          <a:bodyPr wrap="square" rtlCol="0">
+            <a:spAutoFit/>
+          </a:bodyPr>
+          <a:lstStyle/>
+          <a:p>
+            <a:r>
+              <a:rPr lang="en-US" sz="2400" b="1" dirty="0" smtClean="0">
+                <a:solidFill>
+                  <a:srgbClr val="EC5F77"/>
+                </a:solidFill>
+                <a:latin typeface="UTM Helve" panose="02040603050506020204" pitchFamily="18" charset="0"/>
+                <a:ea typeface="Roboto" pitchFamily="2" charset="0"/>
+              </a:rPr>
+              <a:t>2.1 Inputs - đầu vào</a:t>
+            </a:r>
+            <a:endParaRPr lang="en-US" sz="2400" b="1" dirty="0">
+              <a:solidFill>
+                <a:srgbClr val="EC5F77"/>
+              </a:solidFill>
+              <a:latin typeface="UTM Helve" panose="02040603050506020204" pitchFamily="18" charset="0"/>
+              <a:ea typeface="Roboto" pitchFamily="2" charset="0"/>
+            </a:endParaRPr>
+          </a:p>
+        </p:txBody>
+      </p:sp>
+    </p:spTree>
+    <p:extLst>
+      <p:ext uri="{BB962C8B-B14F-4D97-AF65-F5344CB8AC3E}">
+        <p14:creationId xmlns:p14="http://schemas.microsoft.com/office/powerpoint/2010/main" val="3773185111"/>
+      </p:ext>
+    </p:extLst>
+  </p:cSld>
+  <p:clrMapOvr>
+    <a:masterClrMapping/>
+  </p:clrMapOvr>
+</p:sld>
+</file>
+
+<file path=ppt/slides/slide9.xml><?xml version="1.0" encoding="utf-8"?>
+<p:sld xmlns:a="http://schemas.openxmlformats.org/drawingml/2006/main" xmlns:r="http://schemas.openxmlformats.org/officeDocument/2006/relationships" xmlns:p="http://schemas.openxmlformats.org/presentationml/2006/main">
+  <p:cSld>
+    <p:spTree>
+      <p:nvGrpSpPr>
+        <p:cNvPr id="1" name=""/>
+        <p:cNvGrpSpPr/>
+        <p:nvPr/>
+      </p:nvGrpSpPr>
+      <p:grpSpPr>
+        <a:xfrm>
+          <a:off x="0" y="0"/>
+          <a:ext cx="0" cy="0"/>
+          <a:chOff x="0" y="0"/>
+          <a:chExt cx="0" cy="0"/>
+        </a:xfrm>
+      </p:grpSpPr>
+      <p:sp>
+        <p:nvSpPr>
+          <p:cNvPr id="2" name="Slide Number Placeholder 1"/>
+          <p:cNvSpPr>
+            <a:spLocks noGrp="1"/>
+          </p:cNvSpPr>
+          <p:nvPr>
+            <p:ph type="sldNum" sz="quarter" idx="12"/>
+          </p:nvPr>
+        </p:nvSpPr>
+        <p:spPr/>
+        <p:txBody>
+          <a:bodyPr/>
+          <a:lstStyle/>
+          <a:p>
+            <a:fld id="{7D9EC917-02A2-4152-9EE3-DFE2775A77C7}" type="slidenum">
+              <a:rPr lang="en-US" smtClean="0"/>
+              <a:pPr/>
+              <a:t>9</a:t>
+            </a:fld>
+            <a:endParaRPr lang="en-US"/>
           </a:p>
         </p:txBody>
       </p:sp>
@@ -5254,6 +8778,103 @@
               </a:rPr>
               <a:t>Tránh xa micro:bit khỏi nước</a:t>
             </a:r>
+          </a:p>
+        </p:txBody>
+      </p:sp>
+      <p:sp>
+        <p:nvSpPr>
+          <p:cNvPr id="9" name="Rectangle 8"/>
+          <p:cNvSpPr/>
+          <p:nvPr/>
+        </p:nvSpPr>
+        <p:spPr>
+          <a:xfrm>
+            <a:off x="301925" y="1051379"/>
+            <a:ext cx="8454964" cy="27432"/>
+          </a:xfrm>
+          <a:prstGeom prst="rect">
+            <a:avLst/>
+          </a:prstGeom>
+          <a:gradFill flip="none" rotWithShape="1">
+            <a:gsLst>
+              <a:gs pos="15000">
+                <a:srgbClr val="EC5F77"/>
+              </a:gs>
+              <a:gs pos="100000">
+                <a:srgbClr val="A8589E"/>
+              </a:gs>
+            </a:gsLst>
+            <a:lin ang="0" scaled="1"/>
+            <a:tileRect/>
+          </a:gradFill>
+          <a:ln>
+            <a:noFill/>
+          </a:ln>
+        </p:spPr>
+        <p:style>
+          <a:lnRef idx="2">
+            <a:schemeClr val="accent1">
+              <a:shade val="50000"/>
+            </a:schemeClr>
+          </a:lnRef>
+          <a:fillRef idx="1">
+            <a:schemeClr val="accent1"/>
+          </a:fillRef>
+          <a:effectRef idx="0">
+            <a:schemeClr val="accent1"/>
+          </a:effectRef>
+          <a:fontRef idx="minor">
+            <a:schemeClr val="lt1"/>
+          </a:fontRef>
+        </p:style>
+        <p:txBody>
+          <a:bodyPr rtlCol="0" anchor="ctr"/>
+          <a:lstStyle/>
+          <a:p>
+            <a:pPr algn="ctr"/>
+            <a:endParaRPr lang="en-US"/>
+          </a:p>
+        </p:txBody>
+      </p:sp>
+      <p:sp>
+        <p:nvSpPr>
+          <p:cNvPr id="10" name="TextBox 9"/>
+          <p:cNvSpPr txBox="1"/>
+          <p:nvPr/>
+        </p:nvSpPr>
+        <p:spPr>
+          <a:xfrm>
+            <a:off x="248815" y="546584"/>
+            <a:ext cx="7374995" cy="461665"/>
+          </a:xfrm>
+          <a:prstGeom prst="rect">
+            <a:avLst/>
+          </a:prstGeom>
+          <a:noFill/>
+        </p:spPr>
+        <p:txBody>
+          <a:bodyPr wrap="square" rtlCol="0">
+            <a:spAutoFit/>
+          </a:bodyPr>
+          <a:lstStyle/>
+          <a:p>
+            <a:r>
+              <a:rPr lang="en-US" sz="2400" b="1" dirty="0" smtClean="0">
+                <a:solidFill>
+                  <a:srgbClr val="EC5F77"/>
+                </a:solidFill>
+                <a:latin typeface="UTM Helve" panose="02040603050506020204" pitchFamily="18" charset="0"/>
+                <a:ea typeface="Roboto" pitchFamily="2" charset="0"/>
+              </a:rPr>
+              <a:t>2.1 Inputs - đầu vào</a:t>
+            </a:r>
+            <a:endParaRPr lang="en-US" sz="2400" b="1" dirty="0">
+              <a:solidFill>
+                <a:srgbClr val="EC5F77"/>
+              </a:solidFill>
+              <a:latin typeface="UTM Helve" panose="02040603050506020204" pitchFamily="18" charset="0"/>
+              <a:ea typeface="Roboto" pitchFamily="2" charset="0"/>
+            </a:endParaRPr>
           </a:p>
         </p:txBody>
       </p:sp>

--- a/Lessions/Bai-02-Inputs-and-Variables/2.Bai-02-Inputs-and-Variables-p1.pptx
+++ b/Lessions/Bai-02-Inputs-and-Variables/2.Bai-02-Inputs-and-Variables-p1.pptx
@@ -206,7 +206,7 @@
           <a:p>
             <a:fld id="{E1BDF935-9821-4834-9D99-7DEFA719F44D}" type="datetimeFigureOut">
               <a:rPr lang="en-US" smtClean="0"/>
-              <a:t>5/4/2023</a:t>
+              <a:t>5/5/2023</a:t>
             </a:fld>
             <a:endParaRPr lang="en-US"/>
           </a:p>
@@ -2711,17 +2711,7 @@
                 <a:latin typeface="UTM Helve" panose="02040603050506020204" pitchFamily="18" charset="0"/>
                 <a:ea typeface="Roboto" pitchFamily="2" charset="0"/>
               </a:rPr>
-              <a:t>2.2 </a:t>
-            </a:r>
-            <a:r>
-              <a:rPr lang="en-US" sz="2400" b="1" dirty="0" smtClean="0">
-                <a:solidFill>
-                  <a:srgbClr val="EC5F77"/>
-                </a:solidFill>
-                <a:latin typeface="UTM Helve" panose="02040603050506020204" pitchFamily="18" charset="0"/>
-                <a:ea typeface="Roboto" pitchFamily="2" charset="0"/>
-              </a:rPr>
-              <a:t>Hoạt động học viên</a:t>
+              <a:t>2.2 Hoạt động học viên</a:t>
             </a:r>
             <a:endParaRPr lang="en-US" sz="2400" b="1" dirty="0">
               <a:solidFill>
@@ -3256,31 +3246,7 @@
                 </a:solidFill>
                 <a:ea typeface="Roboto Condensed" pitchFamily="2" charset="0"/>
               </a:rPr>
-              <a:t>Lắc micro:bit hiển thị hình </a:t>
-            </a:r>
-            <a:r>
-              <a:rPr lang="en-US" sz="2000" b="0" dirty="0" smtClean="0">
-                <a:solidFill>
-                  <a:schemeClr val="tx1">
-                    <a:lumMod val="95000"/>
-                    <a:lumOff val="5000"/>
-                  </a:schemeClr>
-                </a:solidFill>
-                <a:ea typeface="Roboto Condensed" pitchFamily="2" charset="0"/>
-              </a:rPr>
-              <a:t>con vịt ra </a:t>
-            </a:r>
-            <a:r>
-              <a:rPr lang="en-US" sz="2000" b="0" dirty="0" smtClean="0">
-                <a:solidFill>
-                  <a:schemeClr val="tx1">
-                    <a:lumMod val="95000"/>
-                    <a:lumOff val="5000"/>
-                  </a:schemeClr>
-                </a:solidFill>
-                <a:ea typeface="Roboto Condensed" pitchFamily="2" charset="0"/>
-              </a:rPr>
-              <a:t>màn hình LED</a:t>
+              <a:t>Lắc micro:bit hiển thị hình con vịt ra màn hình LED</a:t>
             </a:r>
             <a:endParaRPr lang="en-US" sz="2000" dirty="0" smtClean="0">
               <a:solidFill>
@@ -3394,7 +3360,43 @@
                 </a:solidFill>
                 <a:ea typeface="Roboto Condensed" pitchFamily="2" charset="0"/>
               </a:rPr>
-              <a:t>Chạm vào Logo hiển thị con hươu cao cổ</a:t>
+              <a:t>Chạm vào Logo hiển </a:t>
+            </a:r>
+            <a:r>
+              <a:rPr lang="en-US" sz="2000" b="0" smtClean="0">
+                <a:solidFill>
+                  <a:schemeClr val="tx1">
+                    <a:lumMod val="95000"/>
+                    <a:lumOff val="5000"/>
+                  </a:schemeClr>
+                </a:solidFill>
+                <a:ea typeface="Roboto Condensed" pitchFamily="2" charset="0"/>
+              </a:rPr>
+              <a:t>thị </a:t>
+            </a:r>
+            <a:r>
+              <a:rPr lang="en-US" sz="2000" b="0" smtClean="0">
+                <a:solidFill>
+                  <a:schemeClr val="tx1">
+                    <a:lumMod val="95000"/>
+                    <a:lumOff val="5000"/>
+                  </a:schemeClr>
+                </a:solidFill>
+                <a:ea typeface="Roboto Condensed" pitchFamily="2" charset="0"/>
+              </a:rPr>
+              <a:t>hình con </a:t>
+            </a:r>
+            <a:r>
+              <a:rPr lang="en-US" sz="2000" b="0" dirty="0" smtClean="0">
+                <a:solidFill>
+                  <a:schemeClr val="tx1">
+                    <a:lumMod val="95000"/>
+                    <a:lumOff val="5000"/>
+                  </a:schemeClr>
+                </a:solidFill>
+                <a:ea typeface="Roboto Condensed" pitchFamily="2" charset="0"/>
+              </a:rPr>
+              <a:t>hươu cao cổ</a:t>
             </a:r>
             <a:endParaRPr lang="en-US" sz="2000" dirty="0" smtClean="0">
               <a:solidFill>

--- a/Lessions/Bai-02-Inputs-and-Variables/2.Bai-02-Inputs-and-Variables-p1.pptx
+++ b/Lessions/Bai-02-Inputs-and-Variables/2.Bai-02-Inputs-and-Variables-p1.pptx
@@ -5,7 +5,7 @@
     <p:sldMasterId id="2147483660" r:id="rId1"/>
   </p:sldMasterIdLst>
   <p:notesMasterIdLst>
-    <p:notesMasterId r:id="rId12"/>
+    <p:notesMasterId r:id="rId10"/>
   </p:notesMasterIdLst>
   <p:sldIdLst>
     <p:sldId id="256" r:id="rId2"/>
@@ -15,9 +15,7 @@
     <p:sldId id="278" r:id="rId6"/>
     <p:sldId id="275" r:id="rId7"/>
     <p:sldId id="279" r:id="rId8"/>
-    <p:sldId id="266" r:id="rId9"/>
-    <p:sldId id="268" r:id="rId10"/>
-    <p:sldId id="280" r:id="rId11"/>
+    <p:sldId id="280" r:id="rId9"/>
   </p:sldIdLst>
   <p:sldSz cx="9144000" cy="6858000" type="screen4x3"/>
   <p:notesSz cx="6858000" cy="9144000"/>
@@ -206,7 +204,7 @@
           <a:p>
             <a:fld id="{E1BDF935-9821-4834-9D99-7DEFA719F44D}" type="datetimeFigureOut">
               <a:rPr lang="en-US" smtClean="0"/>
-              <a:t>5/5/2023</a:t>
+              <a:t>6/13/2024</a:t>
             </a:fld>
             <a:endParaRPr lang="en-US"/>
           </a:p>
@@ -2582,1001 +2580,13 @@
   <p:clrMapOvr>
     <a:masterClrMapping/>
   </p:clrMapOvr>
-</p:sld>
-</file>
-
-<file path=ppt/slides/slide10.xml><?xml version="1.0" encoding="utf-8"?>
-<p:sld xmlns:a="http://schemas.openxmlformats.org/drawingml/2006/main" xmlns:r="http://schemas.openxmlformats.org/officeDocument/2006/relationships" xmlns:p="http://schemas.openxmlformats.org/presentationml/2006/main">
-  <p:cSld>
-    <p:spTree>
-      <p:nvGrpSpPr>
-        <p:cNvPr id="1" name=""/>
-        <p:cNvGrpSpPr/>
-        <p:nvPr/>
-      </p:nvGrpSpPr>
-      <p:grpSpPr>
-        <a:xfrm>
-          <a:off x="0" y="0"/>
-          <a:ext cx="0" cy="0"/>
-          <a:chOff x="0" y="0"/>
-          <a:chExt cx="0" cy="0"/>
-        </a:xfrm>
-      </p:grpSpPr>
-      <p:sp>
-        <p:nvSpPr>
-          <p:cNvPr id="2" name="Slide Number Placeholder 1"/>
-          <p:cNvSpPr>
-            <a:spLocks noGrp="1"/>
-          </p:cNvSpPr>
-          <p:nvPr>
-            <p:ph type="sldNum" sz="quarter" idx="12"/>
-          </p:nvPr>
-        </p:nvSpPr>
-        <p:spPr/>
-        <p:txBody>
-          <a:bodyPr/>
-          <a:lstStyle/>
-          <a:p>
-            <a:fld id="{7D9EC917-02A2-4152-9EE3-DFE2775A77C7}" type="slidenum">
-              <a:rPr lang="en-US" smtClean="0"/>
-              <a:pPr/>
-              <a:t>10</a:t>
-            </a:fld>
-            <a:endParaRPr lang="en-US"/>
-          </a:p>
-        </p:txBody>
-      </p:sp>
-      <p:sp>
-        <p:nvSpPr>
-          <p:cNvPr id="3" name="Rectangle 2"/>
-          <p:cNvSpPr/>
-          <p:nvPr/>
-        </p:nvSpPr>
-        <p:spPr>
-          <a:xfrm>
-            <a:off x="301925" y="1051379"/>
-            <a:ext cx="8454964" cy="27432"/>
-          </a:xfrm>
-          <a:prstGeom prst="rect">
-            <a:avLst/>
-          </a:prstGeom>
-          <a:gradFill flip="none" rotWithShape="1">
-            <a:gsLst>
-              <a:gs pos="15000">
-                <a:srgbClr val="EC5F77"/>
-              </a:gs>
-              <a:gs pos="100000">
-                <a:srgbClr val="A8589E"/>
-              </a:gs>
-            </a:gsLst>
-            <a:lin ang="0" scaled="1"/>
-            <a:tileRect/>
-          </a:gradFill>
-          <a:ln>
-            <a:noFill/>
-          </a:ln>
-        </p:spPr>
-        <p:style>
-          <a:lnRef idx="2">
-            <a:schemeClr val="accent1">
-              <a:shade val="50000"/>
-            </a:schemeClr>
-          </a:lnRef>
-          <a:fillRef idx="1">
-            <a:schemeClr val="accent1"/>
-          </a:fillRef>
-          <a:effectRef idx="0">
-            <a:schemeClr val="accent1"/>
-          </a:effectRef>
-          <a:fontRef idx="minor">
-            <a:schemeClr val="lt1"/>
-          </a:fontRef>
-        </p:style>
-        <p:txBody>
-          <a:bodyPr rtlCol="0" anchor="ctr"/>
-          <a:lstStyle/>
-          <a:p>
-            <a:pPr algn="ctr"/>
-            <a:endParaRPr lang="en-US"/>
-          </a:p>
-        </p:txBody>
-      </p:sp>
-      <p:sp>
-        <p:nvSpPr>
-          <p:cNvPr id="4" name="TextBox 3"/>
-          <p:cNvSpPr txBox="1"/>
-          <p:nvPr/>
-        </p:nvSpPr>
-        <p:spPr>
-          <a:xfrm>
-            <a:off x="248815" y="546584"/>
-            <a:ext cx="7374995" cy="461665"/>
-          </a:xfrm>
-          <a:prstGeom prst="rect">
-            <a:avLst/>
-          </a:prstGeom>
-          <a:noFill/>
-        </p:spPr>
-        <p:txBody>
-          <a:bodyPr wrap="square" rtlCol="0">
-            <a:spAutoFit/>
-          </a:bodyPr>
-          <a:lstStyle/>
-          <a:p>
-            <a:r>
-              <a:rPr lang="en-US" sz="2400" b="1" dirty="0" smtClean="0">
-                <a:solidFill>
-                  <a:srgbClr val="EC5F77"/>
-                </a:solidFill>
-                <a:latin typeface="UTM Helve" panose="02040603050506020204" pitchFamily="18" charset="0"/>
-                <a:ea typeface="Roboto" pitchFamily="2" charset="0"/>
-              </a:rPr>
-              <a:t>2.2 Hoạt động học viên</a:t>
-            </a:r>
-            <a:endParaRPr lang="en-US" sz="2400" b="1" dirty="0">
-              <a:solidFill>
-                <a:srgbClr val="EC5F77"/>
-              </a:solidFill>
-              <a:latin typeface="UTM Helve" panose="02040603050506020204" pitchFamily="18" charset="0"/>
-              <a:ea typeface="Roboto" pitchFamily="2" charset="0"/>
-            </a:endParaRPr>
-          </a:p>
-        </p:txBody>
-      </p:sp>
-      <p:sp>
-        <p:nvSpPr>
-          <p:cNvPr id="5" name="Rounded Rectangle 4"/>
-          <p:cNvSpPr/>
-          <p:nvPr/>
-        </p:nvSpPr>
-        <p:spPr>
-          <a:xfrm>
-            <a:off x="794879" y="1934386"/>
-            <a:ext cx="5155347" cy="4106723"/>
-          </a:xfrm>
-          <a:prstGeom prst="roundRect">
-            <a:avLst>
-              <a:gd name="adj" fmla="val 3719"/>
-            </a:avLst>
-          </a:prstGeom>
-          <a:noFill/>
-          <a:ln w="19050">
-            <a:solidFill>
-              <a:srgbClr val="EC5F77"/>
-            </a:solidFill>
-            <a:prstDash val="sysDash"/>
-          </a:ln>
-        </p:spPr>
-        <p:style>
-          <a:lnRef idx="2">
-            <a:schemeClr val="accent1">
-              <a:shade val="50000"/>
-            </a:schemeClr>
-          </a:lnRef>
-          <a:fillRef idx="1">
-            <a:schemeClr val="accent1"/>
-          </a:fillRef>
-          <a:effectRef idx="0">
-            <a:schemeClr val="accent1"/>
-          </a:effectRef>
-          <a:fontRef idx="minor">
-            <a:schemeClr val="lt1"/>
-          </a:fontRef>
-        </p:style>
-        <p:txBody>
-          <a:bodyPr rtlCol="0" anchor="ctr"/>
-          <a:lstStyle/>
-          <a:p>
-            <a:pPr algn="ctr"/>
-            <a:endParaRPr lang="en-US"/>
-          </a:p>
-        </p:txBody>
-      </p:sp>
-      <p:sp>
-        <p:nvSpPr>
-          <p:cNvPr id="7" name="TextBox 6"/>
-          <p:cNvSpPr txBox="1"/>
-          <p:nvPr/>
-        </p:nvSpPr>
-        <p:spPr>
-          <a:xfrm>
-            <a:off x="1093103" y="1239073"/>
-            <a:ext cx="4857123" cy="461665"/>
-          </a:xfrm>
-          <a:prstGeom prst="rect">
-            <a:avLst/>
-          </a:prstGeom>
-          <a:noFill/>
-        </p:spPr>
-        <p:txBody>
-          <a:bodyPr wrap="square" rtlCol="0">
-            <a:spAutoFit/>
-          </a:bodyPr>
-          <a:lstStyle/>
-          <a:p>
-            <a:r>
-              <a:rPr lang="en-US" sz="2400" b="1" dirty="0" smtClean="0">
-                <a:solidFill>
-                  <a:schemeClr val="tx1">
-                    <a:lumMod val="85000"/>
-                    <a:lumOff val="15000"/>
-                  </a:schemeClr>
-                </a:solidFill>
-                <a:latin typeface="UTM Helve" panose="02040603050506020204" pitchFamily="18" charset="0"/>
-                <a:ea typeface="Roboto" pitchFamily="2" charset="0"/>
-              </a:rPr>
-              <a:t>Nhiệm vụ đầu tiên</a:t>
-            </a:r>
-            <a:endParaRPr lang="en-US" sz="2400" b="1" dirty="0">
-              <a:solidFill>
-                <a:schemeClr val="tx1">
-                  <a:lumMod val="85000"/>
-                  <a:lumOff val="15000"/>
-                </a:schemeClr>
-              </a:solidFill>
-              <a:latin typeface="UTM Helve" panose="02040603050506020204" pitchFamily="18" charset="0"/>
-              <a:ea typeface="Roboto" pitchFamily="2" charset="0"/>
-            </a:endParaRPr>
-          </a:p>
-        </p:txBody>
-      </p:sp>
-      <p:pic>
-        <p:nvPicPr>
-          <p:cNvPr id="8" name="Picture 7"/>
-          <p:cNvPicPr>
-            <a:picLocks noChangeAspect="1"/>
-          </p:cNvPicPr>
-          <p:nvPr/>
-        </p:nvPicPr>
-        <p:blipFill>
-          <a:blip r:embed="rId2">
-            <a:extLst>
-              <a:ext uri="{28A0092B-C50C-407E-A947-70E740481C1C}">
-                <a14:useLocalDpi xmlns:a14="http://schemas.microsoft.com/office/drawing/2010/main" val="0"/>
-              </a:ext>
-            </a:extLst>
-          </a:blip>
-          <a:stretch>
-            <a:fillRect/>
-          </a:stretch>
-        </p:blipFill>
-        <p:spPr>
-          <a:xfrm>
-            <a:off x="536851" y="1312030"/>
-            <a:ext cx="466725" cy="409575"/>
-          </a:xfrm>
-          <a:prstGeom prst="rect">
-            <a:avLst/>
-          </a:prstGeom>
-        </p:spPr>
-      </p:pic>
-      <p:sp>
-        <p:nvSpPr>
-          <p:cNvPr id="9" name="Title 1"/>
-          <p:cNvSpPr txBox="1">
-            <a:spLocks/>
-          </p:cNvSpPr>
-          <p:nvPr/>
-        </p:nvSpPr>
-        <p:spPr>
-          <a:xfrm>
-            <a:off x="1169595" y="3341528"/>
-            <a:ext cx="4555344" cy="783921"/>
-          </a:xfrm>
-          <a:prstGeom prst="rect">
-            <a:avLst/>
-          </a:prstGeom>
-        </p:spPr>
-        <p:txBody>
-          <a:bodyPr/>
-          <a:lstStyle>
-            <a:lvl1pPr algn="l" defTabSz="914400" rtl="0" eaLnBrk="1" latinLnBrk="0" hangingPunct="1">
-              <a:lnSpc>
-                <a:spcPct val="90000"/>
-              </a:lnSpc>
-              <a:spcBef>
-                <a:spcPct val="0"/>
-              </a:spcBef>
-              <a:buNone/>
-              <a:defRPr sz="3200" b="1" kern="1200">
-                <a:solidFill>
-                  <a:srgbClr val="019DD0"/>
-                </a:solidFill>
-                <a:latin typeface="Arial" panose="020B0604020202020204" pitchFamily="34" charset="0"/>
-                <a:ea typeface="+mj-ea"/>
-                <a:cs typeface="Arial" panose="020B0604020202020204" pitchFamily="34" charset="0"/>
-              </a:defRPr>
-            </a:lvl1pPr>
-          </a:lstStyle>
-          <a:p>
-            <a:pPr>
-              <a:lnSpc>
-                <a:spcPct val="100000"/>
-              </a:lnSpc>
-            </a:pPr>
-            <a:r>
-              <a:rPr lang="en-US" sz="2000" b="0" dirty="0" smtClean="0">
-                <a:solidFill>
-                  <a:schemeClr val="tx1">
-                    <a:lumMod val="95000"/>
-                    <a:lumOff val="5000"/>
-                  </a:schemeClr>
-                </a:solidFill>
-                <a:ea typeface="Roboto Condensed" pitchFamily="2" charset="0"/>
-              </a:rPr>
-              <a:t>Nhấn button A+B hiển thị icon trái tim  và tên bạn ra màn hình LED</a:t>
-            </a:r>
-            <a:endParaRPr lang="en-US" sz="2000" dirty="0" smtClean="0">
-              <a:solidFill>
-                <a:schemeClr val="tx1">
-                  <a:lumMod val="95000"/>
-                  <a:lumOff val="5000"/>
-                </a:schemeClr>
-              </a:solidFill>
-              <a:ea typeface="Roboto Condensed" pitchFamily="2" charset="0"/>
-            </a:endParaRPr>
-          </a:p>
-        </p:txBody>
-      </p:sp>
-      <p:sp>
-        <p:nvSpPr>
-          <p:cNvPr id="10" name="Title 1"/>
-          <p:cNvSpPr txBox="1">
-            <a:spLocks/>
-          </p:cNvSpPr>
-          <p:nvPr/>
-        </p:nvSpPr>
-        <p:spPr>
-          <a:xfrm>
-            <a:off x="1169595" y="2164353"/>
-            <a:ext cx="4555344" cy="502246"/>
-          </a:xfrm>
-          <a:prstGeom prst="rect">
-            <a:avLst/>
-          </a:prstGeom>
-        </p:spPr>
-        <p:txBody>
-          <a:bodyPr/>
-          <a:lstStyle>
-            <a:lvl1pPr algn="l" defTabSz="914400" rtl="0" eaLnBrk="1" latinLnBrk="0" hangingPunct="1">
-              <a:lnSpc>
-                <a:spcPct val="90000"/>
-              </a:lnSpc>
-              <a:spcBef>
-                <a:spcPct val="0"/>
-              </a:spcBef>
-              <a:buNone/>
-              <a:defRPr sz="3200" b="1" kern="1200">
-                <a:solidFill>
-                  <a:srgbClr val="019DD0"/>
-                </a:solidFill>
-                <a:latin typeface="Arial" panose="020B0604020202020204" pitchFamily="34" charset="0"/>
-                <a:ea typeface="+mj-ea"/>
-                <a:cs typeface="Arial" panose="020B0604020202020204" pitchFamily="34" charset="0"/>
-              </a:defRPr>
-            </a:lvl1pPr>
-          </a:lstStyle>
-          <a:p>
-            <a:pPr>
-              <a:lnSpc>
-                <a:spcPct val="100000"/>
-              </a:lnSpc>
-            </a:pPr>
-            <a:r>
-              <a:rPr lang="en-US" sz="2000" b="0" dirty="0" smtClean="0">
-                <a:solidFill>
-                  <a:schemeClr val="tx1">
-                    <a:lumMod val="95000"/>
-                    <a:lumOff val="5000"/>
-                  </a:schemeClr>
-                </a:solidFill>
-                <a:ea typeface="Roboto Condensed" pitchFamily="2" charset="0"/>
-              </a:rPr>
-              <a:t>Nhấn button A thì hiển thị mặt cười.</a:t>
-            </a:r>
-            <a:endParaRPr lang="en-US" sz="2000" dirty="0" smtClean="0">
-              <a:solidFill>
-                <a:schemeClr val="tx1">
-                  <a:lumMod val="95000"/>
-                  <a:lumOff val="5000"/>
-                </a:schemeClr>
-              </a:solidFill>
-              <a:ea typeface="Roboto Condensed" pitchFamily="2" charset="0"/>
-            </a:endParaRPr>
-          </a:p>
-        </p:txBody>
-      </p:sp>
-      <p:sp>
-        <p:nvSpPr>
-          <p:cNvPr id="11" name="Rectangle 10"/>
-          <p:cNvSpPr/>
-          <p:nvPr/>
-        </p:nvSpPr>
-        <p:spPr>
-          <a:xfrm>
-            <a:off x="998101" y="2293256"/>
-            <a:ext cx="171494" cy="171494"/>
-          </a:xfrm>
-          <a:prstGeom prst="rect">
-            <a:avLst/>
-          </a:prstGeom>
-          <a:solidFill>
-            <a:srgbClr val="EC5F77"/>
-          </a:solidFill>
-          <a:ln>
-            <a:noFill/>
-          </a:ln>
-        </p:spPr>
-        <p:style>
-          <a:lnRef idx="2">
-            <a:schemeClr val="accent1">
-              <a:shade val="50000"/>
-            </a:schemeClr>
-          </a:lnRef>
-          <a:fillRef idx="1">
-            <a:schemeClr val="accent1"/>
-          </a:fillRef>
-          <a:effectRef idx="0">
-            <a:schemeClr val="accent1"/>
-          </a:effectRef>
-          <a:fontRef idx="minor">
-            <a:schemeClr val="lt1"/>
-          </a:fontRef>
-        </p:style>
-        <p:txBody>
-          <a:bodyPr rtlCol="0" anchor="ctr"/>
-          <a:lstStyle/>
-          <a:p>
-            <a:pPr algn="ctr"/>
-            <a:endParaRPr lang="en-US"/>
-          </a:p>
-        </p:txBody>
-      </p:sp>
-      <p:sp>
-        <p:nvSpPr>
-          <p:cNvPr id="12" name="Title 1"/>
-          <p:cNvSpPr txBox="1">
-            <a:spLocks/>
-          </p:cNvSpPr>
-          <p:nvPr/>
-        </p:nvSpPr>
-        <p:spPr>
-          <a:xfrm>
-            <a:off x="1169594" y="2772092"/>
-            <a:ext cx="4462579" cy="481134"/>
-          </a:xfrm>
-          <a:prstGeom prst="rect">
-            <a:avLst/>
-          </a:prstGeom>
-        </p:spPr>
-        <p:txBody>
-          <a:bodyPr/>
-          <a:lstStyle>
-            <a:lvl1pPr algn="l" defTabSz="914400" rtl="0" eaLnBrk="1" latinLnBrk="0" hangingPunct="1">
-              <a:lnSpc>
-                <a:spcPct val="90000"/>
-              </a:lnSpc>
-              <a:spcBef>
-                <a:spcPct val="0"/>
-              </a:spcBef>
-              <a:buNone/>
-              <a:defRPr sz="3200" b="1" kern="1200">
-                <a:solidFill>
-                  <a:srgbClr val="019DD0"/>
-                </a:solidFill>
-                <a:latin typeface="Arial" panose="020B0604020202020204" pitchFamily="34" charset="0"/>
-                <a:ea typeface="+mj-ea"/>
-                <a:cs typeface="Arial" panose="020B0604020202020204" pitchFamily="34" charset="0"/>
-              </a:defRPr>
-            </a:lvl1pPr>
-          </a:lstStyle>
-          <a:p>
-            <a:pPr>
-              <a:lnSpc>
-                <a:spcPct val="100000"/>
-              </a:lnSpc>
-            </a:pPr>
-            <a:r>
-              <a:rPr lang="en-US" sz="2000" b="0" dirty="0" smtClean="0">
-                <a:solidFill>
-                  <a:schemeClr val="tx1">
-                    <a:lumMod val="95000"/>
-                    <a:lumOff val="5000"/>
-                  </a:schemeClr>
-                </a:solidFill>
-                <a:ea typeface="Roboto Condensed" pitchFamily="2" charset="0"/>
-              </a:rPr>
-              <a:t>Nhấn button B thì hiển thị mặt buồn.</a:t>
-            </a:r>
-            <a:endParaRPr lang="en-US" sz="2000" dirty="0" smtClean="0">
-              <a:solidFill>
-                <a:schemeClr val="tx1">
-                  <a:lumMod val="95000"/>
-                  <a:lumOff val="5000"/>
-                </a:schemeClr>
-              </a:solidFill>
-              <a:ea typeface="Roboto Condensed" pitchFamily="2" charset="0"/>
-            </a:endParaRPr>
-          </a:p>
-        </p:txBody>
-      </p:sp>
-      <p:sp>
-        <p:nvSpPr>
-          <p:cNvPr id="13" name="Rectangle 12"/>
-          <p:cNvSpPr/>
-          <p:nvPr/>
-        </p:nvSpPr>
-        <p:spPr>
-          <a:xfrm>
-            <a:off x="998101" y="2900995"/>
-            <a:ext cx="171494" cy="171494"/>
-          </a:xfrm>
-          <a:prstGeom prst="rect">
-            <a:avLst/>
-          </a:prstGeom>
-          <a:solidFill>
-            <a:srgbClr val="EC5F77"/>
-          </a:solidFill>
-          <a:ln>
-            <a:noFill/>
-          </a:ln>
-        </p:spPr>
-        <p:style>
-          <a:lnRef idx="2">
-            <a:schemeClr val="accent1">
-              <a:shade val="50000"/>
-            </a:schemeClr>
-          </a:lnRef>
-          <a:fillRef idx="1">
-            <a:schemeClr val="accent1"/>
-          </a:fillRef>
-          <a:effectRef idx="0">
-            <a:schemeClr val="accent1"/>
-          </a:effectRef>
-          <a:fontRef idx="minor">
-            <a:schemeClr val="lt1"/>
-          </a:fontRef>
-        </p:style>
-        <p:txBody>
-          <a:bodyPr rtlCol="0" anchor="ctr"/>
-          <a:lstStyle/>
-          <a:p>
-            <a:pPr algn="ctr"/>
-            <a:endParaRPr lang="en-US"/>
-          </a:p>
-        </p:txBody>
-      </p:sp>
-      <p:sp>
-        <p:nvSpPr>
-          <p:cNvPr id="14" name="Rectangle 13"/>
-          <p:cNvSpPr/>
-          <p:nvPr/>
-        </p:nvSpPr>
-        <p:spPr>
-          <a:xfrm>
-            <a:off x="998101" y="3444334"/>
-            <a:ext cx="171494" cy="171494"/>
-          </a:xfrm>
-          <a:prstGeom prst="rect">
-            <a:avLst/>
-          </a:prstGeom>
-          <a:solidFill>
-            <a:srgbClr val="EC5F77"/>
-          </a:solidFill>
-          <a:ln>
-            <a:noFill/>
-          </a:ln>
-        </p:spPr>
-        <p:style>
-          <a:lnRef idx="2">
-            <a:schemeClr val="accent1">
-              <a:shade val="50000"/>
-            </a:schemeClr>
-          </a:lnRef>
-          <a:fillRef idx="1">
-            <a:schemeClr val="accent1"/>
-          </a:fillRef>
-          <a:effectRef idx="0">
-            <a:schemeClr val="accent1"/>
-          </a:effectRef>
-          <a:fontRef idx="minor">
-            <a:schemeClr val="lt1"/>
-          </a:fontRef>
-        </p:style>
-        <p:txBody>
-          <a:bodyPr rtlCol="0" anchor="ctr"/>
-          <a:lstStyle/>
-          <a:p>
-            <a:pPr algn="ctr"/>
-            <a:endParaRPr lang="en-US"/>
-          </a:p>
-        </p:txBody>
-      </p:sp>
-      <p:sp>
-        <p:nvSpPr>
-          <p:cNvPr id="15" name="Title 1"/>
-          <p:cNvSpPr txBox="1">
-            <a:spLocks/>
-          </p:cNvSpPr>
-          <p:nvPr/>
-        </p:nvSpPr>
-        <p:spPr>
-          <a:xfrm>
-            <a:off x="1169595" y="4176415"/>
-            <a:ext cx="4555344" cy="783921"/>
-          </a:xfrm>
-          <a:prstGeom prst="rect">
-            <a:avLst/>
-          </a:prstGeom>
-        </p:spPr>
-        <p:txBody>
-          <a:bodyPr/>
-          <a:lstStyle>
-            <a:lvl1pPr algn="l" defTabSz="914400" rtl="0" eaLnBrk="1" latinLnBrk="0" hangingPunct="1">
-              <a:lnSpc>
-                <a:spcPct val="90000"/>
-              </a:lnSpc>
-              <a:spcBef>
-                <a:spcPct val="0"/>
-              </a:spcBef>
-              <a:buNone/>
-              <a:defRPr sz="3200" b="1" kern="1200">
-                <a:solidFill>
-                  <a:srgbClr val="019DD0"/>
-                </a:solidFill>
-                <a:latin typeface="Arial" panose="020B0604020202020204" pitchFamily="34" charset="0"/>
-                <a:ea typeface="+mj-ea"/>
-                <a:cs typeface="Arial" panose="020B0604020202020204" pitchFamily="34" charset="0"/>
-              </a:defRPr>
-            </a:lvl1pPr>
-          </a:lstStyle>
-          <a:p>
-            <a:pPr>
-              <a:lnSpc>
-                <a:spcPct val="100000"/>
-              </a:lnSpc>
-            </a:pPr>
-            <a:r>
-              <a:rPr lang="en-US" sz="2000" b="0" dirty="0" smtClean="0">
-                <a:solidFill>
-                  <a:schemeClr val="tx1">
-                    <a:lumMod val="95000"/>
-                    <a:lumOff val="5000"/>
-                  </a:schemeClr>
-                </a:solidFill>
-                <a:ea typeface="Roboto Condensed" pitchFamily="2" charset="0"/>
-              </a:rPr>
-              <a:t>Lắc micro:bit hiển thị hình con vịt ra màn hình LED</a:t>
-            </a:r>
-            <a:endParaRPr lang="en-US" sz="2000" dirty="0" smtClean="0">
-              <a:solidFill>
-                <a:schemeClr val="tx1">
-                  <a:lumMod val="95000"/>
-                  <a:lumOff val="5000"/>
-                </a:schemeClr>
-              </a:solidFill>
-              <a:ea typeface="Roboto Condensed" pitchFamily="2" charset="0"/>
-            </a:endParaRPr>
-          </a:p>
-        </p:txBody>
-      </p:sp>
-      <p:sp>
-        <p:nvSpPr>
-          <p:cNvPr id="16" name="Rectangle 15"/>
-          <p:cNvSpPr/>
-          <p:nvPr/>
-        </p:nvSpPr>
-        <p:spPr>
-          <a:xfrm>
-            <a:off x="998101" y="4279221"/>
-            <a:ext cx="171494" cy="171494"/>
-          </a:xfrm>
-          <a:prstGeom prst="rect">
-            <a:avLst/>
-          </a:prstGeom>
-          <a:solidFill>
-            <a:srgbClr val="EC5F77"/>
-          </a:solidFill>
-          <a:ln>
-            <a:noFill/>
-          </a:ln>
-        </p:spPr>
-        <p:style>
-          <a:lnRef idx="2">
-            <a:schemeClr val="accent1">
-              <a:shade val="50000"/>
-            </a:schemeClr>
-          </a:lnRef>
-          <a:fillRef idx="1">
-            <a:schemeClr val="accent1"/>
-          </a:fillRef>
-          <a:effectRef idx="0">
-            <a:schemeClr val="accent1"/>
-          </a:effectRef>
-          <a:fontRef idx="minor">
-            <a:schemeClr val="lt1"/>
-          </a:fontRef>
-        </p:style>
-        <p:txBody>
-          <a:bodyPr rtlCol="0" anchor="ctr"/>
-          <a:lstStyle/>
-          <a:p>
-            <a:pPr algn="ctr"/>
-            <a:endParaRPr lang="en-US"/>
-          </a:p>
-        </p:txBody>
-      </p:sp>
-      <p:sp>
-        <p:nvSpPr>
-          <p:cNvPr id="17" name="Title 1"/>
-          <p:cNvSpPr txBox="1">
-            <a:spLocks/>
-          </p:cNvSpPr>
-          <p:nvPr/>
-        </p:nvSpPr>
-        <p:spPr>
-          <a:xfrm>
-            <a:off x="1169595" y="5011302"/>
-            <a:ext cx="4555344" cy="783921"/>
-          </a:xfrm>
-          <a:prstGeom prst="rect">
-            <a:avLst/>
-          </a:prstGeom>
-        </p:spPr>
-        <p:txBody>
-          <a:bodyPr/>
-          <a:lstStyle>
-            <a:lvl1pPr algn="l" defTabSz="914400" rtl="0" eaLnBrk="1" latinLnBrk="0" hangingPunct="1">
-              <a:lnSpc>
-                <a:spcPct val="90000"/>
-              </a:lnSpc>
-              <a:spcBef>
-                <a:spcPct val="0"/>
-              </a:spcBef>
-              <a:buNone/>
-              <a:defRPr sz="3200" b="1" kern="1200">
-                <a:solidFill>
-                  <a:srgbClr val="019DD0"/>
-                </a:solidFill>
-                <a:latin typeface="Arial" panose="020B0604020202020204" pitchFamily="34" charset="0"/>
-                <a:ea typeface="+mj-ea"/>
-                <a:cs typeface="Arial" panose="020B0604020202020204" pitchFamily="34" charset="0"/>
-              </a:defRPr>
-            </a:lvl1pPr>
-          </a:lstStyle>
-          <a:p>
-            <a:pPr>
-              <a:lnSpc>
-                <a:spcPct val="100000"/>
-              </a:lnSpc>
-            </a:pPr>
-            <a:r>
-              <a:rPr lang="en-US" sz="2000" b="0" dirty="0" smtClean="0">
-                <a:solidFill>
-                  <a:schemeClr val="tx1">
-                    <a:lumMod val="95000"/>
-                    <a:lumOff val="5000"/>
-                  </a:schemeClr>
-                </a:solidFill>
-                <a:ea typeface="Roboto Condensed" pitchFamily="2" charset="0"/>
-              </a:rPr>
-              <a:t>Chạm vào Logo hiển </a:t>
-            </a:r>
-            <a:r>
-              <a:rPr lang="en-US" sz="2000" b="0" smtClean="0">
-                <a:solidFill>
-                  <a:schemeClr val="tx1">
-                    <a:lumMod val="95000"/>
-                    <a:lumOff val="5000"/>
-                  </a:schemeClr>
-                </a:solidFill>
-                <a:ea typeface="Roboto Condensed" pitchFamily="2" charset="0"/>
-              </a:rPr>
-              <a:t>thị </a:t>
-            </a:r>
-            <a:r>
-              <a:rPr lang="en-US" sz="2000" b="0" smtClean="0">
-                <a:solidFill>
-                  <a:schemeClr val="tx1">
-                    <a:lumMod val="95000"/>
-                    <a:lumOff val="5000"/>
-                  </a:schemeClr>
-                </a:solidFill>
-                <a:ea typeface="Roboto Condensed" pitchFamily="2" charset="0"/>
-              </a:rPr>
-              <a:t>hình con </a:t>
-            </a:r>
-            <a:r>
-              <a:rPr lang="en-US" sz="2000" b="0" dirty="0" smtClean="0">
-                <a:solidFill>
-                  <a:schemeClr val="tx1">
-                    <a:lumMod val="95000"/>
-                    <a:lumOff val="5000"/>
-                  </a:schemeClr>
-                </a:solidFill>
-                <a:ea typeface="Roboto Condensed" pitchFamily="2" charset="0"/>
-              </a:rPr>
-              <a:t>hươu cao cổ</a:t>
-            </a:r>
-            <a:endParaRPr lang="en-US" sz="2000" dirty="0" smtClean="0">
-              <a:solidFill>
-                <a:schemeClr val="tx1">
-                  <a:lumMod val="95000"/>
-                  <a:lumOff val="5000"/>
-                </a:schemeClr>
-              </a:solidFill>
-              <a:ea typeface="Roboto Condensed" pitchFamily="2" charset="0"/>
-            </a:endParaRPr>
-          </a:p>
-        </p:txBody>
-      </p:sp>
-      <p:sp>
-        <p:nvSpPr>
-          <p:cNvPr id="18" name="Rectangle 17"/>
-          <p:cNvSpPr/>
-          <p:nvPr/>
-        </p:nvSpPr>
-        <p:spPr>
-          <a:xfrm>
-            <a:off x="998101" y="5114108"/>
-            <a:ext cx="171494" cy="171494"/>
-          </a:xfrm>
-          <a:prstGeom prst="rect">
-            <a:avLst/>
-          </a:prstGeom>
-          <a:solidFill>
-            <a:srgbClr val="EC5F77"/>
-          </a:solidFill>
-          <a:ln>
-            <a:noFill/>
-          </a:ln>
-        </p:spPr>
-        <p:style>
-          <a:lnRef idx="2">
-            <a:schemeClr val="accent1">
-              <a:shade val="50000"/>
-            </a:schemeClr>
-          </a:lnRef>
-          <a:fillRef idx="1">
-            <a:schemeClr val="accent1"/>
-          </a:fillRef>
-          <a:effectRef idx="0">
-            <a:schemeClr val="accent1"/>
-          </a:effectRef>
-          <a:fontRef idx="minor">
-            <a:schemeClr val="lt1"/>
-          </a:fontRef>
-        </p:style>
-        <p:txBody>
-          <a:bodyPr rtlCol="0" anchor="ctr"/>
-          <a:lstStyle/>
-          <a:p>
-            <a:pPr algn="ctr"/>
-            <a:endParaRPr lang="en-US"/>
-          </a:p>
-        </p:txBody>
-      </p:sp>
-      <p:pic>
-        <p:nvPicPr>
-          <p:cNvPr id="19" name="Picture 18"/>
-          <p:cNvPicPr>
-            <a:picLocks noChangeAspect="1"/>
-          </p:cNvPicPr>
-          <p:nvPr/>
-        </p:nvPicPr>
-        <p:blipFill>
-          <a:blip r:embed="rId3">
-            <a:extLst>
-              <a:ext uri="{28A0092B-C50C-407E-A947-70E740481C1C}">
-                <a14:useLocalDpi xmlns:a14="http://schemas.microsoft.com/office/drawing/2010/main" val="0"/>
-              </a:ext>
-            </a:extLst>
-          </a:blip>
-          <a:stretch>
-            <a:fillRect/>
-          </a:stretch>
-        </p:blipFill>
-        <p:spPr>
-          <a:xfrm>
-            <a:off x="6039753" y="1469905"/>
-            <a:ext cx="2533650" cy="2381250"/>
-          </a:xfrm>
-          <a:prstGeom prst="rect">
-            <a:avLst/>
-          </a:prstGeom>
-        </p:spPr>
-      </p:pic>
-      <p:sp>
-        <p:nvSpPr>
-          <p:cNvPr id="20" name="Title 1"/>
-          <p:cNvSpPr txBox="1">
-            <a:spLocks/>
-          </p:cNvSpPr>
-          <p:nvPr/>
-        </p:nvSpPr>
-        <p:spPr>
-          <a:xfrm>
-            <a:off x="6174040" y="3733488"/>
-            <a:ext cx="2413369" cy="2153849"/>
-          </a:xfrm>
-          <a:prstGeom prst="rect">
-            <a:avLst/>
-          </a:prstGeom>
-        </p:spPr>
-        <p:txBody>
-          <a:bodyPr/>
-          <a:lstStyle>
-            <a:lvl1pPr algn="l" defTabSz="914400" rtl="0" eaLnBrk="1" latinLnBrk="0" hangingPunct="1">
-              <a:lnSpc>
-                <a:spcPct val="90000"/>
-              </a:lnSpc>
-              <a:spcBef>
-                <a:spcPct val="0"/>
-              </a:spcBef>
-              <a:buNone/>
-              <a:defRPr sz="3200" b="1" kern="1200">
-                <a:solidFill>
-                  <a:srgbClr val="019DD0"/>
-                </a:solidFill>
-                <a:latin typeface="Arial" panose="020B0604020202020204" pitchFamily="34" charset="0"/>
-                <a:ea typeface="+mj-ea"/>
-                <a:cs typeface="Arial" panose="020B0604020202020204" pitchFamily="34" charset="0"/>
-              </a:defRPr>
-            </a:lvl1pPr>
-          </a:lstStyle>
-          <a:p>
-            <a:pPr>
-              <a:lnSpc>
-                <a:spcPct val="100000"/>
-              </a:lnSpc>
-            </a:pPr>
-            <a:r>
-              <a:rPr lang="en-US" sz="2000" b="0" dirty="0" smtClean="0">
-                <a:solidFill>
-                  <a:schemeClr val="tx1">
-                    <a:lumMod val="95000"/>
-                    <a:lumOff val="5000"/>
-                  </a:schemeClr>
-                </a:solidFill>
-                <a:ea typeface="Roboto Condensed" pitchFamily="2" charset="0"/>
-                <a:sym typeface="Wingdings" panose="05000000000000000000" pitchFamily="2" charset="2"/>
-              </a:rPr>
-              <a:t> </a:t>
-            </a:r>
-            <a:r>
-              <a:rPr lang="en-US" sz="2000" b="0" i="1" dirty="0" smtClean="0">
-                <a:solidFill>
-                  <a:schemeClr val="tx1">
-                    <a:lumMod val="95000"/>
-                    <a:lumOff val="5000"/>
-                  </a:schemeClr>
-                </a:solidFill>
-                <a:ea typeface="Roboto Condensed" pitchFamily="2" charset="0"/>
-              </a:rPr>
-              <a:t>Các bạn sử dụng phần mềm MakeCode để thực hiện chương trình trên nhé !</a:t>
-            </a:r>
-            <a:endParaRPr lang="en-US" sz="2000" i="1" dirty="0" smtClean="0">
-              <a:solidFill>
-                <a:schemeClr val="tx1">
-                  <a:lumMod val="95000"/>
-                  <a:lumOff val="5000"/>
-                </a:schemeClr>
-              </a:solidFill>
-              <a:ea typeface="Roboto Condensed" pitchFamily="2" charset="0"/>
-            </a:endParaRPr>
-          </a:p>
-        </p:txBody>
-      </p:sp>
-    </p:spTree>
-    <p:extLst>
-      <p:ext uri="{BB962C8B-B14F-4D97-AF65-F5344CB8AC3E}">
-        <p14:creationId xmlns:p14="http://schemas.microsoft.com/office/powerpoint/2010/main" val="3988333809"/>
-      </p:ext>
-    </p:extLst>
-  </p:cSld>
-  <p:clrMapOvr>
-    <a:masterClrMapping/>
-  </p:clrMapOvr>
+  <p:timing>
+    <p:tnLst>
+      <p:par>
+        <p:cTn id="1" dur="indefinite" restart="never" nodeType="tmRoot"/>
+      </p:par>
+    </p:tnLst>
+  </p:timing>
 </p:sld>
 </file>
 
@@ -4383,21 +3393,21 @@
                 <a:gridCol w="2210160">
                   <a:extLst>
                     <a:ext uri="{9D8B030D-6E8A-4147-A177-3AD203B41FA5}">
-                      <a16:colId xmlns:a16="http://schemas.microsoft.com/office/drawing/2014/main" val="3329859543"/>
+                      <a16:colId xmlns:a16="http://schemas.microsoft.com/office/drawing/2014/main" xmlns="" val="3329859543"/>
                     </a:ext>
                   </a:extLst>
                 </a:gridCol>
                 <a:gridCol w="2438400">
                   <a:extLst>
                     <a:ext uri="{9D8B030D-6E8A-4147-A177-3AD203B41FA5}">
-                      <a16:colId xmlns:a16="http://schemas.microsoft.com/office/drawing/2014/main" val="4123360921"/>
+                      <a16:colId xmlns:a16="http://schemas.microsoft.com/office/drawing/2014/main" xmlns="" val="4123360921"/>
                     </a:ext>
                   </a:extLst>
                 </a:gridCol>
                 <a:gridCol w="2859444">
                   <a:extLst>
                     <a:ext uri="{9D8B030D-6E8A-4147-A177-3AD203B41FA5}">
-                      <a16:colId xmlns:a16="http://schemas.microsoft.com/office/drawing/2014/main" val="30481143"/>
+                      <a16:colId xmlns:a16="http://schemas.microsoft.com/office/drawing/2014/main" xmlns="" val="30481143"/>
                     </a:ext>
                   </a:extLst>
                 </a:gridCol>
@@ -4575,7 +3585,7 @@
                 </a:tc>
                 <a:extLst>
                   <a:ext uri="{0D108BD9-81ED-4DB2-BD59-A6C34878D82A}">
-                    <a16:rowId xmlns:a16="http://schemas.microsoft.com/office/drawing/2014/main" val="3164012550"/>
+                    <a16:rowId xmlns:a16="http://schemas.microsoft.com/office/drawing/2014/main" xmlns="" val="3164012550"/>
                   </a:ext>
                 </a:extLst>
               </a:tr>
@@ -4772,7 +3782,7 @@
                 </a:tc>
                 <a:extLst>
                   <a:ext uri="{0D108BD9-81ED-4DB2-BD59-A6C34878D82A}">
-                    <a16:rowId xmlns:a16="http://schemas.microsoft.com/office/drawing/2014/main" val="756618085"/>
+                    <a16:rowId xmlns:a16="http://schemas.microsoft.com/office/drawing/2014/main" xmlns="" val="756618085"/>
                   </a:ext>
                 </a:extLst>
               </a:tr>
@@ -4969,7 +3979,7 @@
                 </a:tc>
                 <a:extLst>
                   <a:ext uri="{0D108BD9-81ED-4DB2-BD59-A6C34878D82A}">
-                    <a16:rowId xmlns:a16="http://schemas.microsoft.com/office/drawing/2014/main" val="36493384"/>
+                    <a16:rowId xmlns:a16="http://schemas.microsoft.com/office/drawing/2014/main" xmlns="" val="36493384"/>
                   </a:ext>
                 </a:extLst>
               </a:tr>
@@ -5090,7 +4100,7 @@
           <p:cNvPr id="24" name="Picture 23" descr="Text&#10;&#10;Description automatically generated with medium confidence">
             <a:extLst>
               <a:ext uri="{FF2B5EF4-FFF2-40B4-BE49-F238E27FC236}">
-                <a16:creationId xmlns:a16="http://schemas.microsoft.com/office/drawing/2014/main" id="{54DF792A-2DB1-5D4F-BBF0-63F3893B5060}"/>
+                <a16:creationId xmlns:a16="http://schemas.microsoft.com/office/drawing/2014/main" xmlns="" id="{54DF792A-2DB1-5D4F-BBF0-63F3893B5060}"/>
               </a:ext>
             </a:extLst>
           </p:cNvPr>
@@ -5119,7 +4129,7 @@
           <p:cNvPr id="25" name="Picture 24" descr="Text&#10;&#10;Description automatically generated with medium confidence">
             <a:extLst>
               <a:ext uri="{FF2B5EF4-FFF2-40B4-BE49-F238E27FC236}">
-                <a16:creationId xmlns:a16="http://schemas.microsoft.com/office/drawing/2014/main" id="{54DF792A-2DB1-5D4F-BBF0-63F3893B5060}"/>
+                <a16:creationId xmlns:a16="http://schemas.microsoft.com/office/drawing/2014/main" xmlns="" id="{54DF792A-2DB1-5D4F-BBF0-63F3893B5060}"/>
               </a:ext>
             </a:extLst>
           </p:cNvPr>
@@ -5148,7 +4158,7 @@
           <p:cNvPr id="26" name="Picture 25" descr="A picture containing text&#10;&#10;Description automatically generated">
             <a:extLst>
               <a:ext uri="{FF2B5EF4-FFF2-40B4-BE49-F238E27FC236}">
-                <a16:creationId xmlns:a16="http://schemas.microsoft.com/office/drawing/2014/main" id="{B70C5C97-E444-844E-82E0-A8ADF84841A2}"/>
+                <a16:creationId xmlns:a16="http://schemas.microsoft.com/office/drawing/2014/main" xmlns="" id="{B70C5C97-E444-844E-82E0-A8ADF84841A2}"/>
               </a:ext>
             </a:extLst>
           </p:cNvPr>
@@ -6070,7 +5080,7 @@
           <p:cNvPr id="13" name="Picture 12" descr="Text&#10;&#10;Description automatically generated with medium confidence">
             <a:extLst>
               <a:ext uri="{FF2B5EF4-FFF2-40B4-BE49-F238E27FC236}">
-                <a16:creationId xmlns:a16="http://schemas.microsoft.com/office/drawing/2014/main" id="{54DF792A-2DB1-5D4F-BBF0-63F3893B5060}"/>
+                <a16:creationId xmlns:a16="http://schemas.microsoft.com/office/drawing/2014/main" xmlns="" id="{54DF792A-2DB1-5D4F-BBF0-63F3893B5060}"/>
               </a:ext>
             </a:extLst>
           </p:cNvPr>
@@ -6099,7 +5109,7 @@
           <p:cNvPr id="14" name="Picture 13" descr="Text&#10;&#10;Description automatically generated with medium confidence">
             <a:extLst>
               <a:ext uri="{FF2B5EF4-FFF2-40B4-BE49-F238E27FC236}">
-                <a16:creationId xmlns:a16="http://schemas.microsoft.com/office/drawing/2014/main" id="{54DF792A-2DB1-5D4F-BBF0-63F3893B5060}"/>
+                <a16:creationId xmlns:a16="http://schemas.microsoft.com/office/drawing/2014/main" xmlns="" id="{54DF792A-2DB1-5D4F-BBF0-63F3893B5060}"/>
               </a:ext>
             </a:extLst>
           </p:cNvPr>
@@ -6524,14 +5534,14 @@
                 <a:gridCol w="4042219">
                   <a:extLst>
                     <a:ext uri="{9D8B030D-6E8A-4147-A177-3AD203B41FA5}">
-                      <a16:colId xmlns:a16="http://schemas.microsoft.com/office/drawing/2014/main" val="3778830513"/>
+                      <a16:colId xmlns:a16="http://schemas.microsoft.com/office/drawing/2014/main" xmlns="" val="3778830513"/>
                     </a:ext>
                   </a:extLst>
                 </a:gridCol>
                 <a:gridCol w="4042219">
                   <a:extLst>
                     <a:ext uri="{9D8B030D-6E8A-4147-A177-3AD203B41FA5}">
-                      <a16:colId xmlns:a16="http://schemas.microsoft.com/office/drawing/2014/main" val="3735388886"/>
+                      <a16:colId xmlns:a16="http://schemas.microsoft.com/office/drawing/2014/main" xmlns="" val="3735388886"/>
                     </a:ext>
                   </a:extLst>
                 </a:gridCol>
@@ -6665,7 +5675,7 @@
                 </a:tc>
                 <a:extLst>
                   <a:ext uri="{0D108BD9-81ED-4DB2-BD59-A6C34878D82A}">
-                    <a16:rowId xmlns:a16="http://schemas.microsoft.com/office/drawing/2014/main" val="4054433595"/>
+                    <a16:rowId xmlns:a16="http://schemas.microsoft.com/office/drawing/2014/main" xmlns="" val="4054433595"/>
                   </a:ext>
                 </a:extLst>
               </a:tr>
@@ -6798,7 +5808,7 @@
                 </a:tc>
                 <a:extLst>
                   <a:ext uri="{0D108BD9-81ED-4DB2-BD59-A6C34878D82A}">
-                    <a16:rowId xmlns:a16="http://schemas.microsoft.com/office/drawing/2014/main" val="2142479997"/>
+                    <a16:rowId xmlns:a16="http://schemas.microsoft.com/office/drawing/2014/main" xmlns="" val="2142479997"/>
                   </a:ext>
                 </a:extLst>
               </a:tr>
@@ -6939,7 +5949,7 @@
                 </a:tc>
                 <a:extLst>
                   <a:ext uri="{0D108BD9-81ED-4DB2-BD59-A6C34878D82A}">
-                    <a16:rowId xmlns:a16="http://schemas.microsoft.com/office/drawing/2014/main" val="1639463110"/>
+                    <a16:rowId xmlns:a16="http://schemas.microsoft.com/office/drawing/2014/main" xmlns="" val="1639463110"/>
                   </a:ext>
                 </a:extLst>
               </a:tr>
@@ -7080,7 +6090,7 @@
                 </a:tc>
                 <a:extLst>
                   <a:ext uri="{0D108BD9-81ED-4DB2-BD59-A6C34878D82A}">
-                    <a16:rowId xmlns:a16="http://schemas.microsoft.com/office/drawing/2014/main" val="1415485619"/>
+                    <a16:rowId xmlns:a16="http://schemas.microsoft.com/office/drawing/2014/main" xmlns="" val="1415485619"/>
                   </a:ext>
                 </a:extLst>
               </a:tr>
@@ -7221,7 +6231,7 @@
                 </a:tc>
                 <a:extLst>
                   <a:ext uri="{0D108BD9-81ED-4DB2-BD59-A6C34878D82A}">
-                    <a16:rowId xmlns:a16="http://schemas.microsoft.com/office/drawing/2014/main" val="2027904484"/>
+                    <a16:rowId xmlns:a16="http://schemas.microsoft.com/office/drawing/2014/main" xmlns="" val="2027904484"/>
                   </a:ext>
                 </a:extLst>
               </a:tr>
@@ -7415,6 +6425,13 @@
   <p:clrMapOvr>
     <a:masterClrMapping/>
   </p:clrMapOvr>
+  <p:timing>
+    <p:tnLst>
+      <p:par>
+        <p:cTn id="1" dur="indefinite" restart="never" nodeType="tmRoot"/>
+      </p:par>
+    </p:tnLst>
+  </p:timing>
 </p:sld>
 </file>
 
@@ -8026,6 +7043,13 @@
   <p:clrMapOvr>
     <a:masterClrMapping/>
   </p:clrMapOvr>
+  <p:timing>
+    <p:tnLst>
+      <p:par>
+        <p:cTn id="1" dur="indefinite" restart="never" nodeType="tmRoot"/>
+      </p:par>
+    </p:tnLst>
+  </p:timing>
 </p:sld>
 </file>
 
@@ -8072,7 +7096,231 @@
       </p:sp>
       <p:sp>
         <p:nvSpPr>
-          <p:cNvPr id="3" name="Title 1"/>
+          <p:cNvPr id="3" name="Rectangle 2"/>
+          <p:cNvSpPr/>
+          <p:nvPr/>
+        </p:nvSpPr>
+        <p:spPr>
+          <a:xfrm>
+            <a:off x="301925" y="1051379"/>
+            <a:ext cx="8454964" cy="27432"/>
+          </a:xfrm>
+          <a:prstGeom prst="rect">
+            <a:avLst/>
+          </a:prstGeom>
+          <a:gradFill flip="none" rotWithShape="1">
+            <a:gsLst>
+              <a:gs pos="15000">
+                <a:srgbClr val="EC5F77"/>
+              </a:gs>
+              <a:gs pos="100000">
+                <a:srgbClr val="A8589E"/>
+              </a:gs>
+            </a:gsLst>
+            <a:lin ang="0" scaled="1"/>
+            <a:tileRect/>
+          </a:gradFill>
+          <a:ln>
+            <a:noFill/>
+          </a:ln>
+        </p:spPr>
+        <p:style>
+          <a:lnRef idx="2">
+            <a:schemeClr val="accent1">
+              <a:shade val="50000"/>
+            </a:schemeClr>
+          </a:lnRef>
+          <a:fillRef idx="1">
+            <a:schemeClr val="accent1"/>
+          </a:fillRef>
+          <a:effectRef idx="0">
+            <a:schemeClr val="accent1"/>
+          </a:effectRef>
+          <a:fontRef idx="minor">
+            <a:schemeClr val="lt1"/>
+          </a:fontRef>
+        </p:style>
+        <p:txBody>
+          <a:bodyPr rtlCol="0" anchor="ctr"/>
+          <a:lstStyle/>
+          <a:p>
+            <a:pPr algn="ctr"/>
+            <a:endParaRPr lang="en-US"/>
+          </a:p>
+        </p:txBody>
+      </p:sp>
+      <p:sp>
+        <p:nvSpPr>
+          <p:cNvPr id="4" name="TextBox 3"/>
+          <p:cNvSpPr txBox="1"/>
+          <p:nvPr/>
+        </p:nvSpPr>
+        <p:spPr>
+          <a:xfrm>
+            <a:off x="248815" y="546584"/>
+            <a:ext cx="7374995" cy="461665"/>
+          </a:xfrm>
+          <a:prstGeom prst="rect">
+            <a:avLst/>
+          </a:prstGeom>
+          <a:noFill/>
+        </p:spPr>
+        <p:txBody>
+          <a:bodyPr wrap="square" rtlCol="0">
+            <a:spAutoFit/>
+          </a:bodyPr>
+          <a:lstStyle/>
+          <a:p>
+            <a:r>
+              <a:rPr lang="en-US" sz="2400" b="1" dirty="0" smtClean="0">
+                <a:solidFill>
+                  <a:srgbClr val="EC5F77"/>
+                </a:solidFill>
+                <a:latin typeface="UTM Helve" panose="02040603050506020204" pitchFamily="18" charset="0"/>
+                <a:ea typeface="Roboto" pitchFamily="2" charset="0"/>
+              </a:rPr>
+              <a:t>2.2 Hoạt động học viên</a:t>
+            </a:r>
+            <a:endParaRPr lang="en-US" sz="2400" b="1" dirty="0">
+              <a:solidFill>
+                <a:srgbClr val="EC5F77"/>
+              </a:solidFill>
+              <a:latin typeface="UTM Helve" panose="02040603050506020204" pitchFamily="18" charset="0"/>
+              <a:ea typeface="Roboto" pitchFamily="2" charset="0"/>
+            </a:endParaRPr>
+          </a:p>
+        </p:txBody>
+      </p:sp>
+      <p:sp>
+        <p:nvSpPr>
+          <p:cNvPr id="5" name="Rounded Rectangle 4"/>
+          <p:cNvSpPr/>
+          <p:nvPr/>
+        </p:nvSpPr>
+        <p:spPr>
+          <a:xfrm>
+            <a:off x="794879" y="1934386"/>
+            <a:ext cx="5155347" cy="4106723"/>
+          </a:xfrm>
+          <a:prstGeom prst="roundRect">
+            <a:avLst>
+              <a:gd name="adj" fmla="val 3719"/>
+            </a:avLst>
+          </a:prstGeom>
+          <a:noFill/>
+          <a:ln w="19050">
+            <a:solidFill>
+              <a:srgbClr val="EC5F77"/>
+            </a:solidFill>
+            <a:prstDash val="sysDash"/>
+          </a:ln>
+        </p:spPr>
+        <p:style>
+          <a:lnRef idx="2">
+            <a:schemeClr val="accent1">
+              <a:shade val="50000"/>
+            </a:schemeClr>
+          </a:lnRef>
+          <a:fillRef idx="1">
+            <a:schemeClr val="accent1"/>
+          </a:fillRef>
+          <a:effectRef idx="0">
+            <a:schemeClr val="accent1"/>
+          </a:effectRef>
+          <a:fontRef idx="minor">
+            <a:schemeClr val="lt1"/>
+          </a:fontRef>
+        </p:style>
+        <p:txBody>
+          <a:bodyPr rtlCol="0" anchor="ctr"/>
+          <a:lstStyle/>
+          <a:p>
+            <a:pPr algn="ctr"/>
+            <a:endParaRPr lang="en-US"/>
+          </a:p>
+        </p:txBody>
+      </p:sp>
+      <p:sp>
+        <p:nvSpPr>
+          <p:cNvPr id="7" name="TextBox 6"/>
+          <p:cNvSpPr txBox="1"/>
+          <p:nvPr/>
+        </p:nvSpPr>
+        <p:spPr>
+          <a:xfrm>
+            <a:off x="1093103" y="1239073"/>
+            <a:ext cx="4857123" cy="461665"/>
+          </a:xfrm>
+          <a:prstGeom prst="rect">
+            <a:avLst/>
+          </a:prstGeom>
+          <a:noFill/>
+        </p:spPr>
+        <p:txBody>
+          <a:bodyPr wrap="square" rtlCol="0">
+            <a:spAutoFit/>
+          </a:bodyPr>
+          <a:lstStyle/>
+          <a:p>
+            <a:r>
+              <a:rPr lang="en-US" sz="2400" b="1" dirty="0" smtClean="0">
+                <a:solidFill>
+                  <a:schemeClr val="tx1">
+                    <a:lumMod val="85000"/>
+                    <a:lumOff val="15000"/>
+                  </a:schemeClr>
+                </a:solidFill>
+                <a:latin typeface="UTM Helve" panose="02040603050506020204" pitchFamily="18" charset="0"/>
+                <a:ea typeface="Roboto" pitchFamily="2" charset="0"/>
+              </a:rPr>
+              <a:t>Nhiệm vụ đầu tiên</a:t>
+            </a:r>
+            <a:endParaRPr lang="en-US" sz="2400" b="1" dirty="0">
+              <a:solidFill>
+                <a:schemeClr val="tx1">
+                  <a:lumMod val="85000"/>
+                  <a:lumOff val="15000"/>
+                </a:schemeClr>
+              </a:solidFill>
+              <a:latin typeface="UTM Helve" panose="02040603050506020204" pitchFamily="18" charset="0"/>
+              <a:ea typeface="Roboto" pitchFamily="2" charset="0"/>
+            </a:endParaRPr>
+          </a:p>
+        </p:txBody>
+      </p:sp>
+      <p:pic>
+        <p:nvPicPr>
+          <p:cNvPr id="8" name="Picture 7"/>
+          <p:cNvPicPr>
+            <a:picLocks noChangeAspect="1"/>
+          </p:cNvPicPr>
+          <p:nvPr/>
+        </p:nvPicPr>
+        <p:blipFill>
+          <a:blip r:embed="rId2">
+            <a:extLst>
+              <a:ext uri="{28A0092B-C50C-407E-A947-70E740481C1C}">
+                <a14:useLocalDpi xmlns:a14="http://schemas.microsoft.com/office/drawing/2010/main" val="0"/>
+              </a:ext>
+            </a:extLst>
+          </a:blip>
+          <a:stretch>
+            <a:fillRect/>
+          </a:stretch>
+        </p:blipFill>
+        <p:spPr>
+          <a:xfrm>
+            <a:off x="536851" y="1312030"/>
+            <a:ext cx="466725" cy="409575"/>
+          </a:xfrm>
+          <a:prstGeom prst="rect">
+            <a:avLst/>
+          </a:prstGeom>
+        </p:spPr>
+      </p:pic>
+      <p:sp>
+        <p:nvSpPr>
+          <p:cNvPr id="9" name="Title 1"/>
           <p:cNvSpPr txBox="1">
             <a:spLocks/>
           </p:cNvSpPr>
@@ -8080,8 +7328,8 @@
         </p:nvSpPr>
         <p:spPr>
           <a:xfrm>
-            <a:off x="709053" y="4862785"/>
-            <a:ext cx="5644503" cy="508846"/>
+            <a:off x="1169595" y="3341528"/>
+            <a:ext cx="4555344" cy="783921"/>
           </a:xfrm>
           <a:prstGeom prst="rect">
             <a:avLst/>
@@ -8124,38 +7372,23 @@
                 </a:solidFill>
                 <a:ea typeface="Roboto Condensed" pitchFamily="2" charset="0"/>
               </a:rPr>
-              <a:t>Bước 1: Click Download tải file về máy tính</a:t>
+              <a:t>Nhấn button A+B hiển thị icon trái tim  và tên bạn ra màn hình LED</a:t>
             </a:r>
-          </a:p>
-        </p:txBody>
-      </p:sp>
-      <p:pic>
-        <p:nvPicPr>
-          <p:cNvPr id="4" name="Picture 3"/>
-          <p:cNvPicPr>
-            <a:picLocks noChangeAspect="1"/>
-          </p:cNvPicPr>
-          <p:nvPr/>
-        </p:nvPicPr>
-        <p:blipFill>
-          <a:blip r:embed="rId2"/>
-          <a:stretch>
-            <a:fillRect/>
-          </a:stretch>
-        </p:blipFill>
-        <p:spPr>
-          <a:xfrm>
-            <a:off x="5743928" y="4822111"/>
-            <a:ext cx="2909512" cy="456394"/>
-          </a:xfrm>
-          <a:prstGeom prst="rect">
-            <a:avLst/>
-          </a:prstGeom>
-        </p:spPr>
-      </p:pic>
-      <p:sp>
-        <p:nvSpPr>
-          <p:cNvPr id="5" name="Title 1"/>
+            <a:endParaRPr lang="en-US" sz="2000" dirty="0" smtClean="0">
+              <a:solidFill>
+                <a:schemeClr val="tx1">
+                  <a:lumMod val="95000"/>
+                  <a:lumOff val="5000"/>
+                </a:schemeClr>
+              </a:solidFill>
+              <a:ea typeface="Roboto Condensed" pitchFamily="2" charset="0"/>
+            </a:endParaRPr>
+          </a:p>
+        </p:txBody>
+      </p:sp>
+      <p:sp>
+        <p:nvSpPr>
+          <p:cNvPr id="10" name="Title 1"/>
           <p:cNvSpPr txBox="1">
             <a:spLocks/>
           </p:cNvSpPr>
@@ -8163,8 +7396,8 @@
         </p:nvSpPr>
         <p:spPr>
           <a:xfrm>
-            <a:off x="709053" y="5412305"/>
-            <a:ext cx="8047836" cy="496573"/>
+            <a:off x="1169595" y="2164353"/>
+            <a:ext cx="4555344" cy="502246"/>
           </a:xfrm>
           <a:prstGeom prst="rect">
             <a:avLst/>
@@ -8207,112 +7440,66 @@
                 </a:solidFill>
                 <a:ea typeface="Roboto Condensed" pitchFamily="2" charset="0"/>
               </a:rPr>
-              <a:t>Bước 2: Gắn đầu USB vào máy tính, đầu micro USB vào micro:bit </a:t>
+              <a:t>Nhấn button A thì hiển thị mặt cười.</a:t>
             </a:r>
-          </a:p>
-        </p:txBody>
-      </p:sp>
-      <p:sp>
-        <p:nvSpPr>
-          <p:cNvPr id="8" name="TextBox 7"/>
-          <p:cNvSpPr txBox="1"/>
-          <p:nvPr/>
-        </p:nvSpPr>
-        <p:spPr>
-          <a:xfrm>
-            <a:off x="1265305" y="1364739"/>
-            <a:ext cx="5649845" cy="461665"/>
-          </a:xfrm>
-          <a:prstGeom prst="rect">
-            <a:avLst/>
-          </a:prstGeom>
-          <a:noFill/>
-        </p:spPr>
-        <p:txBody>
-          <a:bodyPr wrap="square" rtlCol="0">
-            <a:spAutoFit/>
-          </a:bodyPr>
-          <a:lstStyle/>
-          <a:p>
-            <a:r>
-              <a:rPr lang="en-US" sz="2400" b="1" dirty="0" smtClean="0">
-                <a:solidFill>
-                  <a:schemeClr val="tx1">
-                    <a:lumMod val="85000"/>
-                    <a:lumOff val="15000"/>
-                  </a:schemeClr>
-                </a:solidFill>
-                <a:latin typeface="UTM Helve" panose="02040603050506020204" pitchFamily="18" charset="0"/>
-                <a:ea typeface="Roboto" pitchFamily="2" charset="0"/>
-              </a:rPr>
-              <a:t>Đưa chương trình vào micro:bit</a:t>
-            </a:r>
-            <a:endParaRPr lang="en-US" sz="2400" b="1" dirty="0">
+            <a:endParaRPr lang="en-US" sz="2000" dirty="0" smtClean="0">
               <a:solidFill>
                 <a:schemeClr val="tx1">
-                  <a:lumMod val="85000"/>
-                  <a:lumOff val="15000"/>
+                  <a:lumMod val="95000"/>
+                  <a:lumOff val="5000"/>
                 </a:schemeClr>
               </a:solidFill>
-              <a:latin typeface="UTM Helve" panose="02040603050506020204" pitchFamily="18" charset="0"/>
-              <a:ea typeface="Roboto" pitchFamily="2" charset="0"/>
+              <a:ea typeface="Roboto Condensed" pitchFamily="2" charset="0"/>
             </a:endParaRPr>
           </a:p>
         </p:txBody>
       </p:sp>
-      <p:pic>
-        <p:nvPicPr>
-          <p:cNvPr id="9" name="Picture 8"/>
-          <p:cNvPicPr>
-            <a:picLocks noChangeAspect="1"/>
-          </p:cNvPicPr>
-          <p:nvPr/>
-        </p:nvPicPr>
-        <p:blipFill>
-          <a:blip r:embed="rId3">
-            <a:extLst>
-              <a:ext uri="{28A0092B-C50C-407E-A947-70E740481C1C}">
-                <a14:useLocalDpi xmlns:a14="http://schemas.microsoft.com/office/drawing/2010/main" val="0"/>
-              </a:ext>
-            </a:extLst>
-          </a:blip>
-          <a:stretch>
-            <a:fillRect/>
-          </a:stretch>
-        </p:blipFill>
-        <p:spPr>
-          <a:xfrm>
-            <a:off x="709053" y="1437696"/>
-            <a:ext cx="466725" cy="409575"/>
-          </a:xfrm>
-          <a:prstGeom prst="rect">
-            <a:avLst/>
-          </a:prstGeom>
-        </p:spPr>
-      </p:pic>
-      <p:pic>
-        <p:nvPicPr>
-          <p:cNvPr id="11" name="Picture 10"/>
-          <p:cNvPicPr>
-            <a:picLocks noChangeAspect="1"/>
-          </p:cNvPicPr>
-          <p:nvPr/>
-        </p:nvPicPr>
-        <p:blipFill rotWithShape="1">
-          <a:blip r:embed="rId4"/>
-          <a:srcRect t="9567"/>
-          <a:stretch/>
-        </p:blipFill>
-        <p:spPr>
-          <a:xfrm>
-            <a:off x="1477989" y="1992477"/>
-            <a:ext cx="6441059" cy="2452204"/>
-          </a:xfrm>
-          <a:prstGeom prst="rect">
-            <a:avLst/>
-          </a:prstGeom>
-        </p:spPr>
-      </p:pic>
+      <p:sp>
+        <p:nvSpPr>
+          <p:cNvPr id="11" name="Rectangle 10"/>
+          <p:cNvSpPr/>
+          <p:nvPr/>
+        </p:nvSpPr>
+        <p:spPr>
+          <a:xfrm>
+            <a:off x="998101" y="2293256"/>
+            <a:ext cx="171494" cy="171494"/>
+          </a:xfrm>
+          <a:prstGeom prst="rect">
+            <a:avLst/>
+          </a:prstGeom>
+          <a:solidFill>
+            <a:srgbClr val="EC5F77"/>
+          </a:solidFill>
+          <a:ln>
+            <a:noFill/>
+          </a:ln>
+        </p:spPr>
+        <p:style>
+          <a:lnRef idx="2">
+            <a:schemeClr val="accent1">
+              <a:shade val="50000"/>
+            </a:schemeClr>
+          </a:lnRef>
+          <a:fillRef idx="1">
+            <a:schemeClr val="accent1"/>
+          </a:fillRef>
+          <a:effectRef idx="0">
+            <a:schemeClr val="accent1"/>
+          </a:effectRef>
+          <a:fontRef idx="minor">
+            <a:schemeClr val="lt1"/>
+          </a:fontRef>
+        </p:style>
+        <p:txBody>
+          <a:bodyPr rtlCol="0" anchor="ctr"/>
+          <a:lstStyle/>
+          <a:p>
+            <a:pPr algn="ctr"/>
+            <a:endParaRPr lang="en-US"/>
+          </a:p>
+        </p:txBody>
+      </p:sp>
       <p:sp>
         <p:nvSpPr>
           <p:cNvPr id="12" name="Title 1"/>
@@ -8323,8 +7510,8 @@
         </p:nvSpPr>
         <p:spPr>
           <a:xfrm>
-            <a:off x="709053" y="5983805"/>
-            <a:ext cx="8047836" cy="496573"/>
+            <a:off x="1169594" y="2772092"/>
+            <a:ext cx="4462579" cy="481134"/>
           </a:xfrm>
           <a:prstGeom prst="rect">
             <a:avLst/>
@@ -8367,8 +7554,17 @@
                 </a:solidFill>
                 <a:ea typeface="Roboto Condensed" pitchFamily="2" charset="0"/>
               </a:rPr>
-              <a:t>Bước 3: Copy file .hex vào micro:bit </a:t>
+              <a:t>Nhấn button B thì hiển thị mặt buồn.</a:t>
             </a:r>
+            <a:endParaRPr lang="en-US" sz="2000" dirty="0" smtClean="0">
+              <a:solidFill>
+                <a:schemeClr val="tx1">
+                  <a:lumMod val="95000"/>
+                  <a:lumOff val="5000"/>
+                </a:schemeClr>
+              </a:solidFill>
+              <a:ea typeface="Roboto Condensed" pitchFamily="2" charset="0"/>
+            </a:endParaRPr>
           </a:p>
         </p:txBody>
       </p:sp>
@@ -8380,24 +7576,15 @@
         </p:nvSpPr>
         <p:spPr>
           <a:xfrm>
-            <a:off x="301925" y="1051379"/>
-            <a:ext cx="8454964" cy="27432"/>
-          </a:xfrm>
-          <a:prstGeom prst="rect">
-            <a:avLst/>
-          </a:prstGeom>
-          <a:gradFill flip="none" rotWithShape="1">
-            <a:gsLst>
-              <a:gs pos="15000">
-                <a:srgbClr val="EC5F77"/>
-              </a:gs>
-              <a:gs pos="100000">
-                <a:srgbClr val="A8589E"/>
-              </a:gs>
-            </a:gsLst>
-            <a:lin ang="0" scaled="1"/>
-            <a:tileRect/>
-          </a:gradFill>
+            <a:off x="998101" y="2900995"/>
+            <a:ext cx="171494" cy="171494"/>
+          </a:xfrm>
+          <a:prstGeom prst="rect">
+            <a:avLst/>
+          </a:prstGeom>
+          <a:solidFill>
+            <a:srgbClr val="EC5F77"/>
+          </a:solidFill>
           <a:ln>
             <a:noFill/>
           </a:ln>
@@ -8429,208 +7616,53 @@
       </p:sp>
       <p:sp>
         <p:nvSpPr>
-          <p:cNvPr id="14" name="TextBox 13"/>
-          <p:cNvSpPr txBox="1"/>
-          <p:nvPr/>
-        </p:nvSpPr>
-        <p:spPr>
-          <a:xfrm>
-            <a:off x="248815" y="546584"/>
-            <a:ext cx="7374995" cy="461665"/>
-          </a:xfrm>
-          <a:prstGeom prst="rect">
-            <a:avLst/>
-          </a:prstGeom>
-          <a:noFill/>
-        </p:spPr>
-        <p:txBody>
-          <a:bodyPr wrap="square" rtlCol="0">
-            <a:spAutoFit/>
-          </a:bodyPr>
-          <a:lstStyle/>
-          <a:p>
-            <a:r>
-              <a:rPr lang="en-US" sz="2400" b="1" dirty="0" smtClean="0">
-                <a:solidFill>
-                  <a:srgbClr val="EC5F77"/>
-                </a:solidFill>
-                <a:latin typeface="UTM Helve" panose="02040603050506020204" pitchFamily="18" charset="0"/>
-                <a:ea typeface="Roboto" pitchFamily="2" charset="0"/>
-              </a:rPr>
-              <a:t>2.1 Inputs - đầu vào</a:t>
-            </a:r>
-            <a:endParaRPr lang="en-US" sz="2400" b="1" dirty="0">
-              <a:solidFill>
-                <a:srgbClr val="EC5F77"/>
-              </a:solidFill>
-              <a:latin typeface="UTM Helve" panose="02040603050506020204" pitchFamily="18" charset="0"/>
-              <a:ea typeface="Roboto" pitchFamily="2" charset="0"/>
-            </a:endParaRPr>
-          </a:p>
-        </p:txBody>
-      </p:sp>
-    </p:spTree>
-    <p:extLst>
-      <p:ext uri="{BB962C8B-B14F-4D97-AF65-F5344CB8AC3E}">
-        <p14:creationId xmlns:p14="http://schemas.microsoft.com/office/powerpoint/2010/main" val="3773185111"/>
-      </p:ext>
-    </p:extLst>
-  </p:cSld>
-  <p:clrMapOvr>
-    <a:masterClrMapping/>
-  </p:clrMapOvr>
-</p:sld>
-</file>
-
-<file path=ppt/slides/slide9.xml><?xml version="1.0" encoding="utf-8"?>
-<p:sld xmlns:a="http://schemas.openxmlformats.org/drawingml/2006/main" xmlns:r="http://schemas.openxmlformats.org/officeDocument/2006/relationships" xmlns:p="http://schemas.openxmlformats.org/presentationml/2006/main">
-  <p:cSld>
-    <p:spTree>
-      <p:nvGrpSpPr>
-        <p:cNvPr id="1" name=""/>
-        <p:cNvGrpSpPr/>
-        <p:nvPr/>
-      </p:nvGrpSpPr>
-      <p:grpSpPr>
-        <a:xfrm>
-          <a:off x="0" y="0"/>
-          <a:ext cx="0" cy="0"/>
-          <a:chOff x="0" y="0"/>
-          <a:chExt cx="0" cy="0"/>
-        </a:xfrm>
-      </p:grpSpPr>
-      <p:sp>
-        <p:nvSpPr>
-          <p:cNvPr id="2" name="Slide Number Placeholder 1"/>
-          <p:cNvSpPr>
-            <a:spLocks noGrp="1"/>
-          </p:cNvSpPr>
-          <p:nvPr>
-            <p:ph type="sldNum" sz="quarter" idx="12"/>
-          </p:nvPr>
-        </p:nvSpPr>
-        <p:spPr/>
-        <p:txBody>
-          <a:bodyPr/>
-          <a:lstStyle/>
-          <a:p>
-            <a:fld id="{7D9EC917-02A2-4152-9EE3-DFE2775A77C7}" type="slidenum">
-              <a:rPr lang="en-US" smtClean="0"/>
-              <a:pPr/>
-              <a:t>9</a:t>
-            </a:fld>
-            <a:endParaRPr lang="en-US"/>
-          </a:p>
-        </p:txBody>
-      </p:sp>
-      <p:sp>
-        <p:nvSpPr>
-          <p:cNvPr id="5" name="TextBox 4"/>
-          <p:cNvSpPr txBox="1"/>
-          <p:nvPr/>
-        </p:nvSpPr>
-        <p:spPr>
-          <a:xfrm>
-            <a:off x="1265305" y="1364739"/>
-            <a:ext cx="5649845" cy="461665"/>
-          </a:xfrm>
-          <a:prstGeom prst="rect">
-            <a:avLst/>
-          </a:prstGeom>
-          <a:noFill/>
-        </p:spPr>
-        <p:txBody>
-          <a:bodyPr wrap="square" rtlCol="0">
-            <a:spAutoFit/>
-          </a:bodyPr>
-          <a:lstStyle/>
-          <a:p>
-            <a:r>
-              <a:rPr lang="en-US" sz="2400" b="1" dirty="0" smtClean="0">
-                <a:solidFill>
-                  <a:schemeClr val="tx1">
-                    <a:lumMod val="85000"/>
-                    <a:lumOff val="15000"/>
-                  </a:schemeClr>
-                </a:solidFill>
-                <a:latin typeface="UTM Helve" panose="02040603050506020204" pitchFamily="18" charset="0"/>
-                <a:ea typeface="Roboto" pitchFamily="2" charset="0"/>
-              </a:rPr>
-              <a:t>Giữ an toàn cho micro:bit</a:t>
-            </a:r>
-            <a:endParaRPr lang="en-US" sz="2400" b="1" dirty="0">
-              <a:solidFill>
-                <a:schemeClr val="tx1">
-                  <a:lumMod val="85000"/>
-                  <a:lumOff val="15000"/>
-                </a:schemeClr>
-              </a:solidFill>
-              <a:latin typeface="UTM Helve" panose="02040603050506020204" pitchFamily="18" charset="0"/>
-              <a:ea typeface="Roboto" pitchFamily="2" charset="0"/>
-            </a:endParaRPr>
-          </a:p>
-        </p:txBody>
-      </p:sp>
-      <p:pic>
-        <p:nvPicPr>
-          <p:cNvPr id="6" name="Picture 5"/>
-          <p:cNvPicPr>
-            <a:picLocks noChangeAspect="1"/>
-          </p:cNvPicPr>
-          <p:nvPr/>
-        </p:nvPicPr>
-        <p:blipFill>
-          <a:blip r:embed="rId2">
-            <a:extLst>
-              <a:ext uri="{28A0092B-C50C-407E-A947-70E740481C1C}">
-                <a14:useLocalDpi xmlns:a14="http://schemas.microsoft.com/office/drawing/2010/main" val="0"/>
-              </a:ext>
-            </a:extLst>
-          </a:blip>
-          <a:stretch>
-            <a:fillRect/>
-          </a:stretch>
-        </p:blipFill>
-        <p:spPr>
-          <a:xfrm>
-            <a:off x="709053" y="1437696"/>
-            <a:ext cx="466725" cy="409575"/>
-          </a:xfrm>
-          <a:prstGeom prst="rect">
-            <a:avLst/>
-          </a:prstGeom>
-        </p:spPr>
-      </p:pic>
-      <p:pic>
-        <p:nvPicPr>
-          <p:cNvPr id="7" name="Google Shape;149;p5"/>
-          <p:cNvPicPr preferRelativeResize="0"/>
-          <p:nvPr/>
-        </p:nvPicPr>
-        <p:blipFill rotWithShape="1">
-          <a:blip r:embed="rId3">
-            <a:alphaModFix/>
-          </a:blip>
-          <a:srcRect/>
-          <a:stretch/>
-        </p:blipFill>
-        <p:spPr>
-          <a:xfrm>
-            <a:off x="804690" y="2535250"/>
-            <a:ext cx="3206517" cy="3182856"/>
-          </a:xfrm>
-          <a:prstGeom prst="rect">
-            <a:avLst/>
-          </a:prstGeom>
-          <a:noFill/>
+          <p:cNvPr id="14" name="Rectangle 13"/>
+          <p:cNvSpPr/>
+          <p:nvPr/>
+        </p:nvSpPr>
+        <p:spPr>
+          <a:xfrm>
+            <a:off x="998101" y="3444334"/>
+            <a:ext cx="171494" cy="171494"/>
+          </a:xfrm>
+          <a:prstGeom prst="rect">
+            <a:avLst/>
+          </a:prstGeom>
+          <a:solidFill>
+            <a:srgbClr val="EC5F77"/>
+          </a:solidFill>
           <a:ln>
             <a:noFill/>
           </a:ln>
         </p:spPr>
-      </p:pic>
-      <p:sp>
-        <p:nvSpPr>
-          <p:cNvPr id="8" name="Title 1"/>
+        <p:style>
+          <a:lnRef idx="2">
+            <a:schemeClr val="accent1">
+              <a:shade val="50000"/>
+            </a:schemeClr>
+          </a:lnRef>
+          <a:fillRef idx="1">
+            <a:schemeClr val="accent1"/>
+          </a:fillRef>
+          <a:effectRef idx="0">
+            <a:schemeClr val="accent1"/>
+          </a:effectRef>
+          <a:fontRef idx="minor">
+            <a:schemeClr val="lt1"/>
+          </a:fontRef>
+        </p:style>
+        <p:txBody>
+          <a:bodyPr rtlCol="0" anchor="ctr"/>
+          <a:lstStyle/>
+          <a:p>
+            <a:pPr algn="ctr"/>
+            <a:endParaRPr lang="en-US"/>
+          </a:p>
+        </p:txBody>
+      </p:sp>
+      <p:sp>
+        <p:nvSpPr>
+          <p:cNvPr id="15" name="Title 1"/>
           <p:cNvSpPr txBox="1">
             <a:spLocks/>
           </p:cNvSpPr>
@@ -8638,8 +7670,8 @@
         </p:nvSpPr>
         <p:spPr>
           <a:xfrm>
-            <a:off x="4261791" y="2490360"/>
-            <a:ext cx="4253559" cy="3227746"/>
+            <a:off x="1169595" y="4176415"/>
+            <a:ext cx="4555344" cy="783921"/>
           </a:xfrm>
           <a:prstGeom prst="rect">
             <a:avLst/>
@@ -8667,15 +7699,13 @@
             </a:lvl1pPr>
           </a:lstStyle>
           <a:p>
-            <a:pPr marL="342900" indent="-342900">
+            <a:pPr>
               <a:lnSpc>
                 <a:spcPct val="100000"/>
               </a:lnSpc>
-              <a:buFont typeface="Arial" panose="020B0604020202020204" pitchFamily="34" charset="0"/>
-              <a:buChar char="•"/>
             </a:pPr>
             <a:r>
-              <a:rPr lang="en-US" sz="2400" b="0" dirty="0">
+              <a:rPr lang="en-US" sz="2000" b="0" dirty="0" smtClean="0">
                 <a:solidFill>
                   <a:schemeClr val="tx1">
                     <a:lumMod val="95000"/>
@@ -8684,32 +7714,9 @@
                 </a:solidFill>
                 <a:ea typeface="Roboto Condensed" pitchFamily="2" charset="0"/>
               </a:rPr>
-              <a:t>Cầm micro:bit cẩn thận ở các </a:t>
+              <a:t>Lắc micro:bit hiển thị hình con vịt ra màn hình LED</a:t>
             </a:r>
-            <a:r>
-              <a:rPr lang="en-US" sz="2400" b="0" dirty="0" smtClean="0">
-                <a:solidFill>
-                  <a:schemeClr val="tx1">
-                    <a:lumMod val="95000"/>
-                    <a:lumOff val="5000"/>
-                  </a:schemeClr>
-                </a:solidFill>
-                <a:ea typeface="Roboto Condensed" pitchFamily="2" charset="0"/>
-              </a:rPr>
-              <a:t>cạnh</a:t>
-            </a:r>
-            <a:br>
-              <a:rPr lang="en-US" sz="2400" b="0" dirty="0" smtClean="0">
-                <a:solidFill>
-                  <a:schemeClr val="tx1">
-                    <a:lumMod val="95000"/>
-                    <a:lumOff val="5000"/>
-                  </a:schemeClr>
-                </a:solidFill>
-                <a:ea typeface="Roboto Condensed" pitchFamily="2" charset="0"/>
-              </a:rPr>
-            </a:br>
-            <a:endParaRPr lang="en-US" sz="2400" b="0" dirty="0" smtClean="0">
+            <a:endParaRPr lang="en-US" sz="2000" dirty="0" smtClean="0">
               <a:solidFill>
                 <a:schemeClr val="tx1">
                   <a:lumMod val="95000"/>
@@ -8719,96 +7726,25 @@
               <a:ea typeface="Roboto Condensed" pitchFamily="2" charset="0"/>
             </a:endParaRPr>
           </a:p>
-          <a:p>
-            <a:pPr marL="342900" indent="-342900">
-              <a:lnSpc>
-                <a:spcPct val="100000"/>
-              </a:lnSpc>
-              <a:buFont typeface="Arial" panose="020B0604020202020204" pitchFamily="34" charset="0"/>
-              <a:buChar char="•"/>
-            </a:pPr>
-            <a:r>
-              <a:rPr lang="en-US" sz="2400" b="0" dirty="0" smtClean="0">
-                <a:solidFill>
-                  <a:schemeClr val="tx1">
-                    <a:lumMod val="95000"/>
-                    <a:lumOff val="5000"/>
-                  </a:schemeClr>
-                </a:solidFill>
-                <a:ea typeface="Roboto Condensed" pitchFamily="2" charset="0"/>
-              </a:rPr>
-              <a:t>Tránh chạm vào các bộ phận</a:t>
-            </a:r>
-            <a:br>
-              <a:rPr lang="en-US" sz="2400" b="0" dirty="0" smtClean="0">
-                <a:solidFill>
-                  <a:schemeClr val="tx1">
-                    <a:lumMod val="95000"/>
-                    <a:lumOff val="5000"/>
-                  </a:schemeClr>
-                </a:solidFill>
-                <a:ea typeface="Roboto Condensed" pitchFamily="2" charset="0"/>
-              </a:rPr>
-            </a:br>
-            <a:endParaRPr lang="en-US" sz="2400" b="0" dirty="0" smtClean="0">
-              <a:solidFill>
-                <a:schemeClr val="tx1">
-                  <a:lumMod val="95000"/>
-                  <a:lumOff val="5000"/>
-                </a:schemeClr>
-              </a:solidFill>
-              <a:ea typeface="Roboto Condensed" pitchFamily="2" charset="0"/>
-            </a:endParaRPr>
-          </a:p>
-          <a:p>
-            <a:pPr marL="342900" indent="-342900">
-              <a:lnSpc>
-                <a:spcPct val="100000"/>
-              </a:lnSpc>
-              <a:buFont typeface="Arial" panose="020B0604020202020204" pitchFamily="34" charset="0"/>
-              <a:buChar char="•"/>
-            </a:pPr>
-            <a:r>
-              <a:rPr lang="en-US" sz="2400" b="0" dirty="0" smtClean="0">
-                <a:solidFill>
-                  <a:schemeClr val="tx1">
-                    <a:lumMod val="95000"/>
-                    <a:lumOff val="5000"/>
-                  </a:schemeClr>
-                </a:solidFill>
-                <a:ea typeface="Roboto Condensed" pitchFamily="2" charset="0"/>
-              </a:rPr>
-              <a:t>Tránh xa micro:bit khỏi nước</a:t>
-            </a:r>
-          </a:p>
-        </p:txBody>
-      </p:sp>
-      <p:sp>
-        <p:nvSpPr>
-          <p:cNvPr id="9" name="Rectangle 8"/>
+        </p:txBody>
+      </p:sp>
+      <p:sp>
+        <p:nvSpPr>
+          <p:cNvPr id="16" name="Rectangle 15"/>
           <p:cNvSpPr/>
           <p:nvPr/>
         </p:nvSpPr>
         <p:spPr>
           <a:xfrm>
-            <a:off x="301925" y="1051379"/>
-            <a:ext cx="8454964" cy="27432"/>
-          </a:xfrm>
-          <a:prstGeom prst="rect">
-            <a:avLst/>
-          </a:prstGeom>
-          <a:gradFill flip="none" rotWithShape="1">
-            <a:gsLst>
-              <a:gs pos="15000">
-                <a:srgbClr val="EC5F77"/>
-              </a:gs>
-              <a:gs pos="100000">
-                <a:srgbClr val="A8589E"/>
-              </a:gs>
-            </a:gsLst>
-            <a:lin ang="0" scaled="1"/>
-            <a:tileRect/>
-          </a:gradFill>
+            <a:off x="998101" y="4279221"/>
+            <a:ext cx="171494" cy="171494"/>
+          </a:xfrm>
+          <a:prstGeom prst="rect">
+            <a:avLst/>
+          </a:prstGeom>
+          <a:solidFill>
+            <a:srgbClr val="EC5F77"/>
+          </a:solidFill>
           <a:ln>
             <a:noFill/>
           </a:ln>
@@ -8840,42 +7776,249 @@
       </p:sp>
       <p:sp>
         <p:nvSpPr>
-          <p:cNvPr id="10" name="TextBox 9"/>
-          <p:cNvSpPr txBox="1"/>
-          <p:nvPr/>
-        </p:nvSpPr>
-        <p:spPr>
-          <a:xfrm>
-            <a:off x="248815" y="546584"/>
-            <a:ext cx="7374995" cy="461665"/>
-          </a:xfrm>
-          <a:prstGeom prst="rect">
-            <a:avLst/>
-          </a:prstGeom>
-          <a:noFill/>
-        </p:spPr>
-        <p:txBody>
-          <a:bodyPr wrap="square" rtlCol="0">
-            <a:spAutoFit/>
-          </a:bodyPr>
+          <p:cNvPr id="17" name="Title 1"/>
+          <p:cNvSpPr txBox="1">
+            <a:spLocks/>
+          </p:cNvSpPr>
+          <p:nvPr/>
+        </p:nvSpPr>
+        <p:spPr>
+          <a:xfrm>
+            <a:off x="1169595" y="5011302"/>
+            <a:ext cx="4555344" cy="783921"/>
+          </a:xfrm>
+          <a:prstGeom prst="rect">
+            <a:avLst/>
+          </a:prstGeom>
+        </p:spPr>
+        <p:txBody>
+          <a:bodyPr/>
+          <a:lstStyle>
+            <a:lvl1pPr algn="l" defTabSz="914400" rtl="0" eaLnBrk="1" latinLnBrk="0" hangingPunct="1">
+              <a:lnSpc>
+                <a:spcPct val="90000"/>
+              </a:lnSpc>
+              <a:spcBef>
+                <a:spcPct val="0"/>
+              </a:spcBef>
+              <a:buNone/>
+              <a:defRPr sz="3200" b="1" kern="1200">
+                <a:solidFill>
+                  <a:srgbClr val="019DD0"/>
+                </a:solidFill>
+                <a:latin typeface="Arial" panose="020B0604020202020204" pitchFamily="34" charset="0"/>
+                <a:ea typeface="+mj-ea"/>
+                <a:cs typeface="Arial" panose="020B0604020202020204" pitchFamily="34" charset="0"/>
+              </a:defRPr>
+            </a:lvl1pPr>
+          </a:lstStyle>
+          <a:p>
+            <a:pPr>
+              <a:lnSpc>
+                <a:spcPct val="100000"/>
+              </a:lnSpc>
+            </a:pPr>
+            <a:r>
+              <a:rPr lang="en-US" sz="2000" b="0" dirty="0" smtClean="0">
+                <a:solidFill>
+                  <a:schemeClr val="tx1">
+                    <a:lumMod val="95000"/>
+                    <a:lumOff val="5000"/>
+                  </a:schemeClr>
+                </a:solidFill>
+                <a:ea typeface="Roboto Condensed" pitchFamily="2" charset="0"/>
+              </a:rPr>
+              <a:t>Chạm vào Logo hiển </a:t>
+            </a:r>
+            <a:r>
+              <a:rPr lang="en-US" sz="2000" b="0" smtClean="0">
+                <a:solidFill>
+                  <a:schemeClr val="tx1">
+                    <a:lumMod val="95000"/>
+                    <a:lumOff val="5000"/>
+                  </a:schemeClr>
+                </a:solidFill>
+                <a:ea typeface="Roboto Condensed" pitchFamily="2" charset="0"/>
+              </a:rPr>
+              <a:t>thị hình con </a:t>
+            </a:r>
+            <a:r>
+              <a:rPr lang="en-US" sz="2000" b="0" dirty="0" smtClean="0">
+                <a:solidFill>
+                  <a:schemeClr val="tx1">
+                    <a:lumMod val="95000"/>
+                    <a:lumOff val="5000"/>
+                  </a:schemeClr>
+                </a:solidFill>
+                <a:ea typeface="Roboto Condensed" pitchFamily="2" charset="0"/>
+              </a:rPr>
+              <a:t>hươu cao cổ</a:t>
+            </a:r>
+            <a:endParaRPr lang="en-US" sz="2000" dirty="0" smtClean="0">
+              <a:solidFill>
+                <a:schemeClr val="tx1">
+                  <a:lumMod val="95000"/>
+                  <a:lumOff val="5000"/>
+                </a:schemeClr>
+              </a:solidFill>
+              <a:ea typeface="Roboto Condensed" pitchFamily="2" charset="0"/>
+            </a:endParaRPr>
+          </a:p>
+        </p:txBody>
+      </p:sp>
+      <p:sp>
+        <p:nvSpPr>
+          <p:cNvPr id="18" name="Rectangle 17"/>
+          <p:cNvSpPr/>
+          <p:nvPr/>
+        </p:nvSpPr>
+        <p:spPr>
+          <a:xfrm>
+            <a:off x="998101" y="5114108"/>
+            <a:ext cx="171494" cy="171494"/>
+          </a:xfrm>
+          <a:prstGeom prst="rect">
+            <a:avLst/>
+          </a:prstGeom>
+          <a:solidFill>
+            <a:srgbClr val="EC5F77"/>
+          </a:solidFill>
+          <a:ln>
+            <a:noFill/>
+          </a:ln>
+        </p:spPr>
+        <p:style>
+          <a:lnRef idx="2">
+            <a:schemeClr val="accent1">
+              <a:shade val="50000"/>
+            </a:schemeClr>
+          </a:lnRef>
+          <a:fillRef idx="1">
+            <a:schemeClr val="accent1"/>
+          </a:fillRef>
+          <a:effectRef idx="0">
+            <a:schemeClr val="accent1"/>
+          </a:effectRef>
+          <a:fontRef idx="minor">
+            <a:schemeClr val="lt1"/>
+          </a:fontRef>
+        </p:style>
+        <p:txBody>
+          <a:bodyPr rtlCol="0" anchor="ctr"/>
           <a:lstStyle/>
           <a:p>
+            <a:pPr algn="ctr"/>
+            <a:endParaRPr lang="en-US"/>
+          </a:p>
+        </p:txBody>
+      </p:sp>
+      <p:pic>
+        <p:nvPicPr>
+          <p:cNvPr id="19" name="Picture 18"/>
+          <p:cNvPicPr>
+            <a:picLocks noChangeAspect="1"/>
+          </p:cNvPicPr>
+          <p:nvPr/>
+        </p:nvPicPr>
+        <p:blipFill>
+          <a:blip r:embed="rId3">
+            <a:extLst>
+              <a:ext uri="{28A0092B-C50C-407E-A947-70E740481C1C}">
+                <a14:useLocalDpi xmlns:a14="http://schemas.microsoft.com/office/drawing/2010/main" val="0"/>
+              </a:ext>
+            </a:extLst>
+          </a:blip>
+          <a:stretch>
+            <a:fillRect/>
+          </a:stretch>
+        </p:blipFill>
+        <p:spPr>
+          <a:xfrm>
+            <a:off x="6039753" y="1469905"/>
+            <a:ext cx="2533650" cy="2381250"/>
+          </a:xfrm>
+          <a:prstGeom prst="rect">
+            <a:avLst/>
+          </a:prstGeom>
+        </p:spPr>
+      </p:pic>
+      <p:sp>
+        <p:nvSpPr>
+          <p:cNvPr id="20" name="Title 1"/>
+          <p:cNvSpPr txBox="1">
+            <a:spLocks/>
+          </p:cNvSpPr>
+          <p:nvPr/>
+        </p:nvSpPr>
+        <p:spPr>
+          <a:xfrm>
+            <a:off x="6174040" y="3733488"/>
+            <a:ext cx="2413369" cy="2153849"/>
+          </a:xfrm>
+          <a:prstGeom prst="rect">
+            <a:avLst/>
+          </a:prstGeom>
+        </p:spPr>
+        <p:txBody>
+          <a:bodyPr/>
+          <a:lstStyle>
+            <a:lvl1pPr algn="l" defTabSz="914400" rtl="0" eaLnBrk="1" latinLnBrk="0" hangingPunct="1">
+              <a:lnSpc>
+                <a:spcPct val="90000"/>
+              </a:lnSpc>
+              <a:spcBef>
+                <a:spcPct val="0"/>
+              </a:spcBef>
+              <a:buNone/>
+              <a:defRPr sz="3200" b="1" kern="1200">
+                <a:solidFill>
+                  <a:srgbClr val="019DD0"/>
+                </a:solidFill>
+                <a:latin typeface="Arial" panose="020B0604020202020204" pitchFamily="34" charset="0"/>
+                <a:ea typeface="+mj-ea"/>
+                <a:cs typeface="Arial" panose="020B0604020202020204" pitchFamily="34" charset="0"/>
+              </a:defRPr>
+            </a:lvl1pPr>
+          </a:lstStyle>
+          <a:p>
+            <a:pPr>
+              <a:lnSpc>
+                <a:spcPct val="100000"/>
+              </a:lnSpc>
+            </a:pPr>
             <a:r>
-              <a:rPr lang="en-US" sz="2400" b="1" dirty="0" smtClean="0">
+              <a:rPr lang="en-US" sz="2000" b="0" dirty="0" smtClean="0">
                 <a:solidFill>
-                  <a:srgbClr val="EC5F77"/>
+                  <a:schemeClr val="tx1">
+                    <a:lumMod val="95000"/>
+                    <a:lumOff val="5000"/>
+                  </a:schemeClr>
                 </a:solidFill>
-                <a:latin typeface="UTM Helve" panose="02040603050506020204" pitchFamily="18" charset="0"/>
-                <a:ea typeface="Roboto" pitchFamily="2" charset="0"/>
+                <a:ea typeface="Roboto Condensed" pitchFamily="2" charset="0"/>
+                <a:sym typeface="Wingdings" panose="05000000000000000000" pitchFamily="2" charset="2"/>
               </a:rPr>
-              <a:t>2.1 Inputs - đầu vào</a:t>
+              <a:t> </a:t>
             </a:r>
-            <a:endParaRPr lang="en-US" sz="2400" b="1" dirty="0">
+            <a:r>
+              <a:rPr lang="en-US" sz="2000" b="0" i="1" dirty="0" smtClean="0">
+                <a:solidFill>
+                  <a:schemeClr val="tx1">
+                    <a:lumMod val="95000"/>
+                    <a:lumOff val="5000"/>
+                  </a:schemeClr>
+                </a:solidFill>
+                <a:ea typeface="Roboto Condensed" pitchFamily="2" charset="0"/>
+              </a:rPr>
+              <a:t>Các bạn sử dụng phần mềm MakeCode để thực hiện chương trình trên nhé !</a:t>
+            </a:r>
+            <a:endParaRPr lang="en-US" sz="2000" i="1" dirty="0" smtClean="0">
               <a:solidFill>
-                <a:srgbClr val="EC5F77"/>
+                <a:schemeClr val="tx1">
+                  <a:lumMod val="95000"/>
+                  <a:lumOff val="5000"/>
+                </a:schemeClr>
               </a:solidFill>
-              <a:latin typeface="UTM Helve" panose="02040603050506020204" pitchFamily="18" charset="0"/>
-              <a:ea typeface="Roboto" pitchFamily="2" charset="0"/>
+              <a:ea typeface="Roboto Condensed" pitchFamily="2" charset="0"/>
             </a:endParaRPr>
           </a:p>
         </p:txBody>
@@ -8883,13 +8026,20 @@
     </p:spTree>
     <p:extLst>
       <p:ext uri="{BB962C8B-B14F-4D97-AF65-F5344CB8AC3E}">
-        <p14:creationId xmlns:p14="http://schemas.microsoft.com/office/powerpoint/2010/main" val="2800974292"/>
+        <p14:creationId xmlns:p14="http://schemas.microsoft.com/office/powerpoint/2010/main" val="3988333809"/>
       </p:ext>
     </p:extLst>
   </p:cSld>
   <p:clrMapOvr>
     <a:masterClrMapping/>
   </p:clrMapOvr>
+  <p:timing>
+    <p:tnLst>
+      <p:par>
+        <p:cTn id="1" dur="indefinite" restart="never" nodeType="tmRoot"/>
+      </p:par>
+    </p:tnLst>
+  </p:timing>
 </p:sld>
 </file>
 
